--- a/docs/maquette.pptx
+++ b/docs/maquette.pptx
@@ -5,7 +5,7 @@
     <p:sldMasterId id="2147483648" r:id="rId1"/>
   </p:sldMasterIdLst>
   <p:notesMasterIdLst>
-    <p:notesMasterId r:id="rId7"/>
+    <p:notesMasterId r:id="rId10"/>
   </p:notesMasterIdLst>
   <p:sldIdLst>
     <p:sldId id="256" r:id="rId2"/>
@@ -13,6 +13,9 @@
     <p:sldId id="261" r:id="rId4"/>
     <p:sldId id="262" r:id="rId5"/>
     <p:sldId id="263" r:id="rId6"/>
+    <p:sldId id="264" r:id="rId7"/>
+    <p:sldId id="265" r:id="rId8"/>
+    <p:sldId id="266" r:id="rId9"/>
   </p:sldIdLst>
   <p:sldSz cx="12192000" cy="6858000"/>
   <p:notesSz cx="6858000" cy="9144000"/>
@@ -3503,11 +3506,7 @@
             </a:r>
             <a:r>
               <a:rPr lang="fr-CH" sz="1200" dirty="0" smtClean="0"/>
-              <a:t>     </a:t>
-            </a:r>
-            <a:r>
-              <a:rPr lang="fr-CH" sz="1200" dirty="0" smtClean="0"/>
-              <a:t>   …</a:t>
+              <a:t>        …</a:t>
             </a:r>
             <a:endParaRPr lang="fr-CH" sz="1200" dirty="0"/>
           </a:p>
@@ -3534,15 +3533,7 @@
             </a:r>
             <a:r>
               <a:rPr lang="fr-CH" sz="1200" dirty="0" smtClean="0"/>
-              <a:t>     </a:t>
-            </a:r>
-            <a:r>
-              <a:rPr lang="fr-CH" sz="1200" dirty="0" smtClean="0"/>
-              <a:t>  PFP </a:t>
-            </a:r>
-            <a:r>
-              <a:rPr lang="fr-CH" sz="1200" dirty="0" smtClean="0"/>
-              <a:t>2</a:t>
+              <a:t>       PFP 2</a:t>
             </a:r>
           </a:p>
           <a:p>
@@ -3552,15 +3543,7 @@
             </a:r>
             <a:r>
               <a:rPr lang="fr-CH" sz="1200" dirty="0" smtClean="0"/>
-              <a:t>     </a:t>
-            </a:r>
-            <a:r>
-              <a:rPr lang="fr-CH" sz="1200" dirty="0" smtClean="0"/>
-              <a:t>  PFP </a:t>
-            </a:r>
-            <a:r>
-              <a:rPr lang="fr-CH" sz="1200" dirty="0" smtClean="0"/>
-              <a:t>3</a:t>
+              <a:t>       PFP 3</a:t>
             </a:r>
           </a:p>
           <a:p>
@@ -3570,13 +3553,8 @@
             </a:r>
             <a:r>
               <a:rPr lang="fr-CH" sz="1200" dirty="0" smtClean="0"/>
-              <a:t>     </a:t>
-            </a:r>
-            <a:r>
-              <a:rPr lang="fr-CH" sz="1200" dirty="0" smtClean="0"/>
-              <a:t>  …</a:t>
-            </a:r>
-            <a:endParaRPr lang="fr-CH" sz="1200" dirty="0" smtClean="0"/>
+              <a:t>       …</a:t>
+            </a:r>
           </a:p>
           <a:p>
             <a:endParaRPr lang="fr-CH" sz="1600" u="sng" dirty="0"/>
@@ -5329,11 +5307,7 @@
             </a:r>
             <a:r>
               <a:rPr lang="fr-CH" sz="1200" dirty="0" smtClean="0"/>
-              <a:t>     </a:t>
-            </a:r>
-            <a:r>
-              <a:rPr lang="fr-CH" sz="1200" dirty="0" smtClean="0"/>
-              <a:t>   …</a:t>
+              <a:t>        …</a:t>
             </a:r>
             <a:endParaRPr lang="fr-CH" sz="1200" dirty="0"/>
           </a:p>
@@ -5360,15 +5334,7 @@
             </a:r>
             <a:r>
               <a:rPr lang="fr-CH" sz="1200" dirty="0" smtClean="0"/>
-              <a:t>     </a:t>
-            </a:r>
-            <a:r>
-              <a:rPr lang="fr-CH" sz="1200" dirty="0" smtClean="0"/>
-              <a:t>  PFP </a:t>
-            </a:r>
-            <a:r>
-              <a:rPr lang="fr-CH" sz="1200" dirty="0" smtClean="0"/>
-              <a:t>2</a:t>
+              <a:t>       PFP 2</a:t>
             </a:r>
           </a:p>
           <a:p>
@@ -5378,15 +5344,7 @@
             </a:r>
             <a:r>
               <a:rPr lang="fr-CH" sz="1200" dirty="0" smtClean="0"/>
-              <a:t>     </a:t>
-            </a:r>
-            <a:r>
-              <a:rPr lang="fr-CH" sz="1200" dirty="0" smtClean="0"/>
-              <a:t>  PFP </a:t>
-            </a:r>
-            <a:r>
-              <a:rPr lang="fr-CH" sz="1200" dirty="0" smtClean="0"/>
-              <a:t>3</a:t>
+              <a:t>       PFP 3</a:t>
             </a:r>
           </a:p>
           <a:p>
@@ -5396,13 +5354,8 @@
             </a:r>
             <a:r>
               <a:rPr lang="fr-CH" sz="1200" dirty="0" smtClean="0"/>
-              <a:t>     </a:t>
-            </a:r>
-            <a:r>
-              <a:rPr lang="fr-CH" sz="1200" dirty="0" smtClean="0"/>
-              <a:t>  …</a:t>
-            </a:r>
-            <a:endParaRPr lang="fr-CH" sz="1200" dirty="0" smtClean="0"/>
+              <a:t>       …</a:t>
+            </a:r>
           </a:p>
           <a:p>
             <a:endParaRPr lang="fr-CH" sz="1600" u="sng" dirty="0"/>
@@ -7133,7 +7086,6 @@
               <a:rPr lang="fr-CH" dirty="0" smtClean="0"/>
               <a:t>RGF93</a:t>
             </a:r>
-            <a:endParaRPr lang="fr-CH" dirty="0" smtClean="0"/>
           </a:p>
           <a:p>
             <a:r>
@@ -7146,7 +7098,6 @@
               <a:rPr lang="fr-CH" dirty="0" smtClean="0"/>
               <a:t>Ch1903+</a:t>
             </a:r>
-            <a:endParaRPr lang="fr-CH" dirty="0" smtClean="0"/>
           </a:p>
         </p:txBody>
       </p:sp>
@@ -7235,7 +7186,7 @@
         <p:spPr>
           <a:xfrm>
             <a:off x="3404242" y="2004327"/>
-            <a:ext cx="3555995" cy="1726899"/>
+            <a:ext cx="3555995" cy="1956258"/>
           </a:xfrm>
           <a:prstGeom prst="ellipse">
             <a:avLst/>
@@ -7276,9 +7227,19 @@
             </a:r>
             <a:r>
               <a:rPr lang="fr-CH" dirty="0" smtClean="0"/>
-              <a:t> s’ouvre avec les coordonnées des systèmes choisis</a:t>
-            </a:r>
-            <a:endParaRPr lang="fr-CH" dirty="0"/>
+              <a:t> s’ouvre avec les coordonnées des systèmes </a:t>
+            </a:r>
+            <a:r>
+              <a:rPr lang="fr-CH" dirty="0" smtClean="0"/>
+              <a:t>choisis</a:t>
+            </a:r>
+          </a:p>
+          <a:p>
+            <a:pPr algn="ctr"/>
+            <a:r>
+              <a:rPr lang="fr-CH" dirty="0" smtClean="0"/>
+              <a:t>Rajouter également les systèmes altimétriques</a:t>
+            </a:r>
           </a:p>
         </p:txBody>
       </p:sp>
@@ -7292,8 +7253,8 @@
         </p:nvCxnSpPr>
         <p:spPr>
           <a:xfrm flipH="1">
-            <a:off x="1569109" y="3478327"/>
-            <a:ext cx="2355896" cy="1451227"/>
+            <a:off x="1569109" y="3674098"/>
+            <a:ext cx="2355896" cy="1255456"/>
           </a:xfrm>
           <a:prstGeom prst="straightConnector1">
             <a:avLst/>
@@ -7327,8 +7288,8 @@
         </p:nvCxnSpPr>
         <p:spPr>
           <a:xfrm>
-            <a:off x="6439474" y="3478327"/>
-            <a:ext cx="1606858" cy="959329"/>
+            <a:off x="6439474" y="3674098"/>
+            <a:ext cx="1606858" cy="763558"/>
           </a:xfrm>
           <a:prstGeom prst="straightConnector1">
             <a:avLst/>
@@ -7554,11 +7515,7 @@
             </a:r>
             <a:r>
               <a:rPr lang="fr-CH" sz="1200" dirty="0" smtClean="0"/>
-              <a:t>     </a:t>
-            </a:r>
-            <a:r>
-              <a:rPr lang="fr-CH" sz="1200" dirty="0" smtClean="0"/>
-              <a:t>   …</a:t>
+              <a:t>        …</a:t>
             </a:r>
             <a:endParaRPr lang="fr-CH" sz="1200" dirty="0"/>
           </a:p>
@@ -7585,15 +7542,7 @@
             </a:r>
             <a:r>
               <a:rPr lang="fr-CH" sz="1200" dirty="0" smtClean="0"/>
-              <a:t>     </a:t>
-            </a:r>
-            <a:r>
-              <a:rPr lang="fr-CH" sz="1200" dirty="0" smtClean="0"/>
-              <a:t>  PFP </a:t>
-            </a:r>
-            <a:r>
-              <a:rPr lang="fr-CH" sz="1200" dirty="0" smtClean="0"/>
-              <a:t>2</a:t>
+              <a:t>       PFP 2</a:t>
             </a:r>
           </a:p>
           <a:p>
@@ -7603,15 +7552,7 @@
             </a:r>
             <a:r>
               <a:rPr lang="fr-CH" sz="1200" dirty="0" smtClean="0"/>
-              <a:t>     </a:t>
-            </a:r>
-            <a:r>
-              <a:rPr lang="fr-CH" sz="1200" dirty="0" smtClean="0"/>
-              <a:t>  PFP </a:t>
-            </a:r>
-            <a:r>
-              <a:rPr lang="fr-CH" sz="1200" dirty="0" smtClean="0"/>
-              <a:t>3</a:t>
+              <a:t>       PFP 3</a:t>
             </a:r>
           </a:p>
           <a:p>
@@ -7621,13 +7562,8 @@
             </a:r>
             <a:r>
               <a:rPr lang="fr-CH" sz="1200" dirty="0" smtClean="0"/>
-              <a:t>     </a:t>
-            </a:r>
-            <a:r>
-              <a:rPr lang="fr-CH" sz="1200" dirty="0" smtClean="0"/>
-              <a:t>  …</a:t>
-            </a:r>
-            <a:endParaRPr lang="fr-CH" sz="1200" dirty="0" smtClean="0"/>
+              <a:t>       …</a:t>
+            </a:r>
           </a:p>
           <a:p>
             <a:endParaRPr lang="fr-CH" sz="1600" u="sng" dirty="0"/>
@@ -9621,11 +9557,7 @@
             </a:r>
             <a:r>
               <a:rPr lang="fr-CH" sz="1200" dirty="0" smtClean="0"/>
-              <a:t>     </a:t>
-            </a:r>
-            <a:r>
-              <a:rPr lang="fr-CH" sz="1200" dirty="0" smtClean="0"/>
-              <a:t>   …</a:t>
+              <a:t>        …</a:t>
             </a:r>
             <a:endParaRPr lang="fr-CH" sz="1200" dirty="0"/>
           </a:p>
@@ -9652,15 +9584,7 @@
             </a:r>
             <a:r>
               <a:rPr lang="fr-CH" sz="1200" dirty="0" smtClean="0"/>
-              <a:t>     </a:t>
-            </a:r>
-            <a:r>
-              <a:rPr lang="fr-CH" sz="1200" dirty="0" smtClean="0"/>
-              <a:t>  PFP </a:t>
-            </a:r>
-            <a:r>
-              <a:rPr lang="fr-CH" sz="1200" dirty="0" smtClean="0"/>
-              <a:t>2</a:t>
+              <a:t>       PFP 2</a:t>
             </a:r>
           </a:p>
           <a:p>
@@ -9670,15 +9594,7 @@
             </a:r>
             <a:r>
               <a:rPr lang="fr-CH" sz="1200" dirty="0" smtClean="0"/>
-              <a:t>     </a:t>
-            </a:r>
-            <a:r>
-              <a:rPr lang="fr-CH" sz="1200" dirty="0" smtClean="0"/>
-              <a:t>  PFP </a:t>
-            </a:r>
-            <a:r>
-              <a:rPr lang="fr-CH" sz="1200" dirty="0" smtClean="0"/>
-              <a:t>3</a:t>
+              <a:t>       PFP 3</a:t>
             </a:r>
           </a:p>
           <a:p>
@@ -9688,13 +9604,8 @@
             </a:r>
             <a:r>
               <a:rPr lang="fr-CH" sz="1200" dirty="0" smtClean="0"/>
-              <a:t>     </a:t>
-            </a:r>
-            <a:r>
-              <a:rPr lang="fr-CH" sz="1200" dirty="0" smtClean="0"/>
-              <a:t>  …</a:t>
-            </a:r>
-            <a:endParaRPr lang="fr-CH" sz="1200" dirty="0" smtClean="0"/>
+              <a:t>       …</a:t>
+            </a:r>
           </a:p>
           <a:p>
             <a:endParaRPr lang="fr-CH" sz="1600" u="sng" dirty="0"/>
@@ -11370,10 +11281,8483 @@
           <a:chExt cx="0" cy="0"/>
         </a:xfrm>
       </p:grpSpPr>
+      <p:sp>
+        <p:nvSpPr>
+          <p:cNvPr id="2" name="Rectangle 1"/>
+          <p:cNvSpPr/>
+          <p:nvPr/>
+        </p:nvSpPr>
+        <p:spPr>
+          <a:xfrm>
+            <a:off x="2523744" y="548640"/>
+            <a:ext cx="7488936" cy="5486400"/>
+          </a:xfrm>
+          <a:prstGeom prst="rect">
+            <a:avLst/>
+          </a:prstGeom>
+        </p:spPr>
+        <p:style>
+          <a:lnRef idx="2">
+            <a:schemeClr val="dk1"/>
+          </a:lnRef>
+          <a:fillRef idx="1">
+            <a:schemeClr val="lt1"/>
+          </a:fillRef>
+          <a:effectRef idx="0">
+            <a:schemeClr val="dk1"/>
+          </a:effectRef>
+          <a:fontRef idx="minor">
+            <a:schemeClr val="dk1"/>
+          </a:fontRef>
+        </p:style>
+        <p:txBody>
+          <a:bodyPr rtlCol="0" anchor="ctr"/>
+          <a:lstStyle/>
+          <a:p>
+            <a:pPr algn="ctr"/>
+            <a:endParaRPr lang="fr-CH" dirty="0"/>
+          </a:p>
+        </p:txBody>
+      </p:sp>
+      <p:sp>
+        <p:nvSpPr>
+          <p:cNvPr id="5" name="Forme libre 4"/>
+          <p:cNvSpPr/>
+          <p:nvPr/>
+        </p:nvSpPr>
+        <p:spPr>
+          <a:xfrm>
+            <a:off x="2898648" y="794162"/>
+            <a:ext cx="6739128" cy="5076285"/>
+          </a:xfrm>
+          <a:custGeom>
+            <a:avLst/>
+            <a:gdLst>
+              <a:gd name="connsiteX0" fmla="*/ 0 w 6793992"/>
+              <a:gd name="connsiteY0" fmla="*/ 0 h 3849624"/>
+              <a:gd name="connsiteX1" fmla="*/ 2066544 w 6793992"/>
+              <a:gd name="connsiteY1" fmla="*/ 0 h 3849624"/>
+              <a:gd name="connsiteX2" fmla="*/ 2066544 w 6793992"/>
+              <a:gd name="connsiteY2" fmla="*/ 338328 h 3849624"/>
+              <a:gd name="connsiteX3" fmla="*/ 6793992 w 6793992"/>
+              <a:gd name="connsiteY3" fmla="*/ 338328 h 3849624"/>
+              <a:gd name="connsiteX4" fmla="*/ 6793992 w 6793992"/>
+              <a:gd name="connsiteY4" fmla="*/ 3849624 h 3849624"/>
+              <a:gd name="connsiteX5" fmla="*/ 54864 w 6793992"/>
+              <a:gd name="connsiteY5" fmla="*/ 3849624 h 3849624"/>
+              <a:gd name="connsiteX6" fmla="*/ 54864 w 6793992"/>
+              <a:gd name="connsiteY6" fmla="*/ 0 h 3849624"/>
+              <a:gd name="connsiteX0" fmla="*/ 122936 w 6739128"/>
+              <a:gd name="connsiteY0" fmla="*/ 0 h 3849624"/>
+              <a:gd name="connsiteX1" fmla="*/ 2011680 w 6739128"/>
+              <a:gd name="connsiteY1" fmla="*/ 0 h 3849624"/>
+              <a:gd name="connsiteX2" fmla="*/ 2011680 w 6739128"/>
+              <a:gd name="connsiteY2" fmla="*/ 338328 h 3849624"/>
+              <a:gd name="connsiteX3" fmla="*/ 6739128 w 6739128"/>
+              <a:gd name="connsiteY3" fmla="*/ 338328 h 3849624"/>
+              <a:gd name="connsiteX4" fmla="*/ 6739128 w 6739128"/>
+              <a:gd name="connsiteY4" fmla="*/ 3849624 h 3849624"/>
+              <a:gd name="connsiteX5" fmla="*/ 0 w 6739128"/>
+              <a:gd name="connsiteY5" fmla="*/ 3849624 h 3849624"/>
+              <a:gd name="connsiteX6" fmla="*/ 0 w 6739128"/>
+              <a:gd name="connsiteY6" fmla="*/ 0 h 3849624"/>
+              <a:gd name="connsiteX0" fmla="*/ 2011680 w 6739128"/>
+              <a:gd name="connsiteY0" fmla="*/ 0 h 3849624"/>
+              <a:gd name="connsiteX1" fmla="*/ 2011680 w 6739128"/>
+              <a:gd name="connsiteY1" fmla="*/ 338328 h 3849624"/>
+              <a:gd name="connsiteX2" fmla="*/ 6739128 w 6739128"/>
+              <a:gd name="connsiteY2" fmla="*/ 338328 h 3849624"/>
+              <a:gd name="connsiteX3" fmla="*/ 6739128 w 6739128"/>
+              <a:gd name="connsiteY3" fmla="*/ 3849624 h 3849624"/>
+              <a:gd name="connsiteX4" fmla="*/ 0 w 6739128"/>
+              <a:gd name="connsiteY4" fmla="*/ 3849624 h 3849624"/>
+              <a:gd name="connsiteX5" fmla="*/ 0 w 6739128"/>
+              <a:gd name="connsiteY5" fmla="*/ 0 h 3849624"/>
+              <a:gd name="connsiteX0" fmla="*/ 2011680 w 6739128"/>
+              <a:gd name="connsiteY0" fmla="*/ 0 h 3849624"/>
+              <a:gd name="connsiteX1" fmla="*/ 2011680 w 6739128"/>
+              <a:gd name="connsiteY1" fmla="*/ 338328 h 3849624"/>
+              <a:gd name="connsiteX2" fmla="*/ 6739128 w 6739128"/>
+              <a:gd name="connsiteY2" fmla="*/ 338328 h 3849624"/>
+              <a:gd name="connsiteX3" fmla="*/ 6739128 w 6739128"/>
+              <a:gd name="connsiteY3" fmla="*/ 3849624 h 3849624"/>
+              <a:gd name="connsiteX4" fmla="*/ 0 w 6739128"/>
+              <a:gd name="connsiteY4" fmla="*/ 3849624 h 3849624"/>
+              <a:gd name="connsiteX5" fmla="*/ 0 w 6739128"/>
+              <a:gd name="connsiteY5" fmla="*/ 0 h 3849624"/>
+              <a:gd name="connsiteX6" fmla="*/ 2011680 w 6739128"/>
+              <a:gd name="connsiteY6" fmla="*/ 0 h 3849624"/>
+              <a:gd name="connsiteX0" fmla="*/ 2011680 w 6739128"/>
+              <a:gd name="connsiteY0" fmla="*/ 0 h 3849624"/>
+              <a:gd name="connsiteX1" fmla="*/ 2552700 w 6739128"/>
+              <a:gd name="connsiteY1" fmla="*/ 330708 h 3849624"/>
+              <a:gd name="connsiteX2" fmla="*/ 6739128 w 6739128"/>
+              <a:gd name="connsiteY2" fmla="*/ 338328 h 3849624"/>
+              <a:gd name="connsiteX3" fmla="*/ 6739128 w 6739128"/>
+              <a:gd name="connsiteY3" fmla="*/ 3849624 h 3849624"/>
+              <a:gd name="connsiteX4" fmla="*/ 0 w 6739128"/>
+              <a:gd name="connsiteY4" fmla="*/ 3849624 h 3849624"/>
+              <a:gd name="connsiteX5" fmla="*/ 0 w 6739128"/>
+              <a:gd name="connsiteY5" fmla="*/ 0 h 3849624"/>
+              <a:gd name="connsiteX6" fmla="*/ 2011680 w 6739128"/>
+              <a:gd name="connsiteY6" fmla="*/ 0 h 3849624"/>
+              <a:gd name="connsiteX0" fmla="*/ 2545080 w 6739128"/>
+              <a:gd name="connsiteY0" fmla="*/ 7620 h 3849624"/>
+              <a:gd name="connsiteX1" fmla="*/ 2552700 w 6739128"/>
+              <a:gd name="connsiteY1" fmla="*/ 330708 h 3849624"/>
+              <a:gd name="connsiteX2" fmla="*/ 6739128 w 6739128"/>
+              <a:gd name="connsiteY2" fmla="*/ 338328 h 3849624"/>
+              <a:gd name="connsiteX3" fmla="*/ 6739128 w 6739128"/>
+              <a:gd name="connsiteY3" fmla="*/ 3849624 h 3849624"/>
+              <a:gd name="connsiteX4" fmla="*/ 0 w 6739128"/>
+              <a:gd name="connsiteY4" fmla="*/ 3849624 h 3849624"/>
+              <a:gd name="connsiteX5" fmla="*/ 0 w 6739128"/>
+              <a:gd name="connsiteY5" fmla="*/ 0 h 3849624"/>
+              <a:gd name="connsiteX6" fmla="*/ 2545080 w 6739128"/>
+              <a:gd name="connsiteY6" fmla="*/ 7620 h 3849624"/>
+            </a:gdLst>
+            <a:ahLst/>
+            <a:cxnLst>
+              <a:cxn ang="0">
+                <a:pos x="connsiteX0" y="connsiteY0"/>
+              </a:cxn>
+              <a:cxn ang="0">
+                <a:pos x="connsiteX1" y="connsiteY1"/>
+              </a:cxn>
+              <a:cxn ang="0">
+                <a:pos x="connsiteX2" y="connsiteY2"/>
+              </a:cxn>
+              <a:cxn ang="0">
+                <a:pos x="connsiteX3" y="connsiteY3"/>
+              </a:cxn>
+              <a:cxn ang="0">
+                <a:pos x="connsiteX4" y="connsiteY4"/>
+              </a:cxn>
+              <a:cxn ang="0">
+                <a:pos x="connsiteX5" y="connsiteY5"/>
+              </a:cxn>
+              <a:cxn ang="0">
+                <a:pos x="connsiteX6" y="connsiteY6"/>
+              </a:cxn>
+            </a:cxnLst>
+            <a:rect l="l" t="t" r="r" b="b"/>
+            <a:pathLst>
+              <a:path w="6739128" h="3849624">
+                <a:moveTo>
+                  <a:pt x="2545080" y="7620"/>
+                </a:moveTo>
+                <a:lnTo>
+                  <a:pt x="2552700" y="330708"/>
+                </a:lnTo>
+                <a:lnTo>
+                  <a:pt x="6739128" y="338328"/>
+                </a:lnTo>
+                <a:lnTo>
+                  <a:pt x="6739128" y="3849624"/>
+                </a:lnTo>
+                <a:lnTo>
+                  <a:pt x="0" y="3849624"/>
+                </a:lnTo>
+                <a:lnTo>
+                  <a:pt x="0" y="0"/>
+                </a:lnTo>
+                <a:lnTo>
+                  <a:pt x="2545080" y="7620"/>
+                </a:lnTo>
+                <a:close/>
+              </a:path>
+            </a:pathLst>
+          </a:custGeom>
+          <a:solidFill>
+            <a:schemeClr val="bg1">
+              <a:lumMod val="95000"/>
+            </a:schemeClr>
+          </a:solidFill>
+          <a:ln>
+            <a:solidFill>
+              <a:schemeClr val="tx1"/>
+            </a:solidFill>
+          </a:ln>
+        </p:spPr>
+        <p:style>
+          <a:lnRef idx="2">
+            <a:schemeClr val="accent1">
+              <a:shade val="50000"/>
+            </a:schemeClr>
+          </a:lnRef>
+          <a:fillRef idx="1">
+            <a:schemeClr val="accent1"/>
+          </a:fillRef>
+          <a:effectRef idx="0">
+            <a:schemeClr val="accent1"/>
+          </a:effectRef>
+          <a:fontRef idx="minor">
+            <a:schemeClr val="lt1"/>
+          </a:fontRef>
+        </p:style>
+        <p:txBody>
+          <a:bodyPr rtlCol="0" anchor="ctr"/>
+          <a:lstStyle/>
+          <a:p>
+            <a:pPr algn="ctr"/>
+            <a:endParaRPr lang="fr-CH" dirty="0"/>
+          </a:p>
+        </p:txBody>
+      </p:sp>
+      <p:sp>
+        <p:nvSpPr>
+          <p:cNvPr id="6" name="Rectangle 5"/>
+          <p:cNvSpPr/>
+          <p:nvPr/>
+        </p:nvSpPr>
+        <p:spPr>
+          <a:xfrm>
+            <a:off x="5455215" y="811171"/>
+            <a:ext cx="2329754" cy="420094"/>
+          </a:xfrm>
+          <a:prstGeom prst="rect">
+            <a:avLst/>
+          </a:prstGeom>
+          <a:solidFill>
+            <a:schemeClr val="bg1">
+              <a:lumMod val="95000"/>
+            </a:schemeClr>
+          </a:solidFill>
+        </p:spPr>
+        <p:style>
+          <a:lnRef idx="2">
+            <a:schemeClr val="accent3">
+              <a:shade val="50000"/>
+            </a:schemeClr>
+          </a:lnRef>
+          <a:fillRef idx="1">
+            <a:schemeClr val="accent3"/>
+          </a:fillRef>
+          <a:effectRef idx="0">
+            <a:schemeClr val="accent3"/>
+          </a:effectRef>
+          <a:fontRef idx="minor">
+            <a:schemeClr val="lt1"/>
+          </a:fontRef>
+        </p:style>
+        <p:txBody>
+          <a:bodyPr rtlCol="0" anchor="ctr"/>
+          <a:lstStyle/>
+          <a:p>
+            <a:pPr algn="ctr"/>
+            <a:endParaRPr lang="fr-CH"/>
+          </a:p>
+        </p:txBody>
+      </p:sp>
+      <p:sp>
+        <p:nvSpPr>
+          <p:cNvPr id="7" name="ZoneTexte 6"/>
+          <p:cNvSpPr txBox="1"/>
+          <p:nvPr/>
+        </p:nvSpPr>
+        <p:spPr>
+          <a:xfrm>
+            <a:off x="3051673" y="865059"/>
+            <a:ext cx="2179123" cy="276999"/>
+          </a:xfrm>
+          <a:prstGeom prst="rect">
+            <a:avLst/>
+          </a:prstGeom>
+          <a:noFill/>
+        </p:spPr>
+        <p:txBody>
+          <a:bodyPr wrap="none" rtlCol="0">
+            <a:spAutoFit/>
+          </a:bodyPr>
+          <a:lstStyle/>
+          <a:p>
+            <a:r>
+              <a:rPr lang="fr-CH" sz="1200" dirty="0" smtClean="0"/>
+              <a:t>Transformation de coordonnées</a:t>
+            </a:r>
+            <a:endParaRPr lang="fr-CH" sz="1200" dirty="0"/>
+          </a:p>
+        </p:txBody>
+      </p:sp>
+      <p:sp>
+        <p:nvSpPr>
+          <p:cNvPr id="8" name="Rectangle 7"/>
+          <p:cNvSpPr/>
+          <p:nvPr/>
+        </p:nvSpPr>
+        <p:spPr>
+          <a:xfrm>
+            <a:off x="3170604" y="2347603"/>
+            <a:ext cx="1310640" cy="190500"/>
+          </a:xfrm>
+          <a:prstGeom prst="rect">
+            <a:avLst/>
+          </a:prstGeom>
+        </p:spPr>
+        <p:style>
+          <a:lnRef idx="2">
+            <a:schemeClr val="dk1"/>
+          </a:lnRef>
+          <a:fillRef idx="1">
+            <a:schemeClr val="lt1"/>
+          </a:fillRef>
+          <a:effectRef idx="0">
+            <a:schemeClr val="dk1"/>
+          </a:effectRef>
+          <a:fontRef idx="minor">
+            <a:schemeClr val="dk1"/>
+          </a:fontRef>
+        </p:style>
+        <p:txBody>
+          <a:bodyPr rtlCol="0" anchor="ctr"/>
+          <a:lstStyle/>
+          <a:p>
+            <a:pPr algn="ctr"/>
+            <a:endParaRPr lang="fr-CH"/>
+          </a:p>
+        </p:txBody>
+      </p:sp>
+      <p:sp>
+        <p:nvSpPr>
+          <p:cNvPr id="9" name="Rectangle 8"/>
+          <p:cNvSpPr/>
+          <p:nvPr/>
+        </p:nvSpPr>
+        <p:spPr>
+          <a:xfrm>
+            <a:off x="4669380" y="2347603"/>
+            <a:ext cx="1310640" cy="190500"/>
+          </a:xfrm>
+          <a:prstGeom prst="rect">
+            <a:avLst/>
+          </a:prstGeom>
+        </p:spPr>
+        <p:style>
+          <a:lnRef idx="2">
+            <a:schemeClr val="dk1"/>
+          </a:lnRef>
+          <a:fillRef idx="1">
+            <a:schemeClr val="lt1"/>
+          </a:fillRef>
+          <a:effectRef idx="0">
+            <a:schemeClr val="dk1"/>
+          </a:effectRef>
+          <a:fontRef idx="minor">
+            <a:schemeClr val="dk1"/>
+          </a:fontRef>
+        </p:style>
+        <p:txBody>
+          <a:bodyPr rtlCol="0" anchor="ctr"/>
+          <a:lstStyle/>
+          <a:p>
+            <a:pPr algn="ctr"/>
+            <a:endParaRPr lang="fr-CH"/>
+          </a:p>
+        </p:txBody>
+      </p:sp>
+      <p:sp>
+        <p:nvSpPr>
+          <p:cNvPr id="11" name="Rectangle 10"/>
+          <p:cNvSpPr/>
+          <p:nvPr/>
+        </p:nvSpPr>
+        <p:spPr>
+          <a:xfrm>
+            <a:off x="7224121" y="2347603"/>
+            <a:ext cx="1310640" cy="190500"/>
+          </a:xfrm>
+          <a:prstGeom prst="rect">
+            <a:avLst/>
+          </a:prstGeom>
+        </p:spPr>
+        <p:style>
+          <a:lnRef idx="2">
+            <a:schemeClr val="dk1"/>
+          </a:lnRef>
+          <a:fillRef idx="1">
+            <a:schemeClr val="lt1"/>
+          </a:fillRef>
+          <a:effectRef idx="0">
+            <a:schemeClr val="dk1"/>
+          </a:effectRef>
+          <a:fontRef idx="minor">
+            <a:schemeClr val="dk1"/>
+          </a:fontRef>
+        </p:style>
+        <p:txBody>
+          <a:bodyPr rtlCol="0" anchor="ctr"/>
+          <a:lstStyle/>
+          <a:p>
+            <a:pPr algn="ctr"/>
+            <a:endParaRPr lang="fr-CH"/>
+          </a:p>
+        </p:txBody>
+      </p:sp>
+      <p:sp>
+        <p:nvSpPr>
+          <p:cNvPr id="12" name="ZoneTexte 11"/>
+          <p:cNvSpPr txBox="1"/>
+          <p:nvPr/>
+        </p:nvSpPr>
+        <p:spPr>
+          <a:xfrm>
+            <a:off x="3051673" y="1268856"/>
+            <a:ext cx="1413849" cy="276999"/>
+          </a:xfrm>
+          <a:prstGeom prst="rect">
+            <a:avLst/>
+          </a:prstGeom>
+          <a:noFill/>
+        </p:spPr>
+        <p:txBody>
+          <a:bodyPr wrap="none" rtlCol="0">
+            <a:spAutoFit/>
+          </a:bodyPr>
+          <a:lstStyle/>
+          <a:p>
+            <a:r>
+              <a:rPr lang="fr-CH" sz="1200" b="1" dirty="0" smtClean="0"/>
+              <a:t>Système de départ:</a:t>
+            </a:r>
+            <a:endParaRPr lang="fr-CH" sz="1200" b="1" dirty="0"/>
+          </a:p>
+        </p:txBody>
+      </p:sp>
+      <p:pic>
+        <p:nvPicPr>
+          <p:cNvPr id="16" name="Image 15"/>
+          <p:cNvPicPr>
+            <a:picLocks noChangeAspect="1"/>
+          </p:cNvPicPr>
+          <p:nvPr/>
+        </p:nvPicPr>
+        <p:blipFill>
+          <a:blip r:embed="rId3">
+            <a:extLst>
+              <a:ext uri="{28A0092B-C50C-407E-A947-70E740481C1C}">
+                <a14:useLocalDpi xmlns:a14="http://schemas.microsoft.com/office/drawing/2010/main" val="0"/>
+              </a:ext>
+            </a:extLst>
+          </a:blip>
+          <a:stretch>
+            <a:fillRect/>
+          </a:stretch>
+        </p:blipFill>
+        <p:spPr>
+          <a:xfrm>
+            <a:off x="3102024" y="1756331"/>
+            <a:ext cx="1640341" cy="308440"/>
+          </a:xfrm>
+          <a:prstGeom prst="rect">
+            <a:avLst/>
+          </a:prstGeom>
+        </p:spPr>
+      </p:pic>
+      <p:sp>
+        <p:nvSpPr>
+          <p:cNvPr id="13" name="ZoneTexte 12"/>
+          <p:cNvSpPr txBox="1"/>
+          <p:nvPr/>
+        </p:nvSpPr>
+        <p:spPr>
+          <a:xfrm>
+            <a:off x="3132504" y="1771571"/>
+            <a:ext cx="1354858" cy="261610"/>
+          </a:xfrm>
+          <a:prstGeom prst="rect">
+            <a:avLst/>
+          </a:prstGeom>
+          <a:noFill/>
+        </p:spPr>
+        <p:txBody>
+          <a:bodyPr wrap="none" rtlCol="0">
+            <a:spAutoFit/>
+          </a:bodyPr>
+          <a:lstStyle/>
+          <a:p>
+            <a:r>
+              <a:rPr lang="fr-CH" sz="1100" dirty="0" smtClean="0"/>
+              <a:t>CH1903+ EPSG:2056</a:t>
+            </a:r>
+            <a:endParaRPr lang="fr-CH" sz="1100" dirty="0"/>
+          </a:p>
+        </p:txBody>
+      </p:sp>
+      <p:sp>
+        <p:nvSpPr>
+          <p:cNvPr id="17" name="ZoneTexte 16"/>
+          <p:cNvSpPr txBox="1"/>
+          <p:nvPr/>
+        </p:nvSpPr>
+        <p:spPr>
+          <a:xfrm>
+            <a:off x="3051673" y="1535444"/>
+            <a:ext cx="843501" cy="261610"/>
+          </a:xfrm>
+          <a:prstGeom prst="rect">
+            <a:avLst/>
+          </a:prstGeom>
+          <a:noFill/>
+        </p:spPr>
+        <p:txBody>
+          <a:bodyPr wrap="none" rtlCol="0">
+            <a:spAutoFit/>
+          </a:bodyPr>
+          <a:lstStyle/>
+          <a:p>
+            <a:r>
+              <a:rPr lang="fr-CH" sz="1100" dirty="0" smtClean="0"/>
+              <a:t>Planimétrie</a:t>
+            </a:r>
+            <a:endParaRPr lang="fr-CH" sz="1100" dirty="0"/>
+          </a:p>
+        </p:txBody>
+      </p:sp>
+      <p:pic>
+        <p:nvPicPr>
+          <p:cNvPr id="18" name="Image 17"/>
+          <p:cNvPicPr>
+            <a:picLocks noChangeAspect="1"/>
+          </p:cNvPicPr>
+          <p:nvPr/>
+        </p:nvPicPr>
+        <p:blipFill>
+          <a:blip r:embed="rId3">
+            <a:extLst>
+              <a:ext uri="{28A0092B-C50C-407E-A947-70E740481C1C}">
+                <a14:useLocalDpi xmlns:a14="http://schemas.microsoft.com/office/drawing/2010/main" val="0"/>
+              </a:ext>
+            </a:extLst>
+          </a:blip>
+          <a:stretch>
+            <a:fillRect/>
+          </a:stretch>
+        </p:blipFill>
+        <p:spPr>
+          <a:xfrm>
+            <a:off x="7193641" y="1756331"/>
+            <a:ext cx="1640341" cy="308440"/>
+          </a:xfrm>
+          <a:prstGeom prst="rect">
+            <a:avLst/>
+          </a:prstGeom>
+        </p:spPr>
+      </p:pic>
+      <p:sp>
+        <p:nvSpPr>
+          <p:cNvPr id="19" name="ZoneTexte 18"/>
+          <p:cNvSpPr txBox="1"/>
+          <p:nvPr/>
+        </p:nvSpPr>
+        <p:spPr>
+          <a:xfrm>
+            <a:off x="7224121" y="1771571"/>
+            <a:ext cx="611065" cy="261610"/>
+          </a:xfrm>
+          <a:prstGeom prst="rect">
+            <a:avLst/>
+          </a:prstGeom>
+          <a:noFill/>
+        </p:spPr>
+        <p:txBody>
+          <a:bodyPr wrap="none" rtlCol="0">
+            <a:spAutoFit/>
+          </a:bodyPr>
+          <a:lstStyle/>
+          <a:p>
+            <a:r>
+              <a:rPr lang="fr-CH" sz="1100" dirty="0" smtClean="0"/>
+              <a:t>RAN 95</a:t>
+            </a:r>
+            <a:endParaRPr lang="fr-CH" sz="1100" dirty="0"/>
+          </a:p>
+        </p:txBody>
+      </p:sp>
+      <p:sp>
+        <p:nvSpPr>
+          <p:cNvPr id="20" name="ZoneTexte 19"/>
+          <p:cNvSpPr txBox="1"/>
+          <p:nvPr/>
+        </p:nvSpPr>
+        <p:spPr>
+          <a:xfrm>
+            <a:off x="7143290" y="1535444"/>
+            <a:ext cx="758541" cy="261610"/>
+          </a:xfrm>
+          <a:prstGeom prst="rect">
+            <a:avLst/>
+          </a:prstGeom>
+          <a:noFill/>
+        </p:spPr>
+        <p:txBody>
+          <a:bodyPr wrap="none" rtlCol="0">
+            <a:spAutoFit/>
+          </a:bodyPr>
+          <a:lstStyle/>
+          <a:p>
+            <a:r>
+              <a:rPr lang="fr-CH" sz="1100" dirty="0" smtClean="0"/>
+              <a:t>Altimétrie</a:t>
+            </a:r>
+            <a:endParaRPr lang="fr-CH" sz="1100" dirty="0"/>
+          </a:p>
+        </p:txBody>
+      </p:sp>
+      <p:sp>
+        <p:nvSpPr>
+          <p:cNvPr id="21" name="ZoneTexte 20"/>
+          <p:cNvSpPr txBox="1"/>
+          <p:nvPr/>
+        </p:nvSpPr>
+        <p:spPr>
+          <a:xfrm>
+            <a:off x="3084207" y="2094362"/>
+            <a:ext cx="681597" cy="261610"/>
+          </a:xfrm>
+          <a:prstGeom prst="rect">
+            <a:avLst/>
+          </a:prstGeom>
+          <a:noFill/>
+        </p:spPr>
+        <p:txBody>
+          <a:bodyPr wrap="none" rtlCol="0">
+            <a:spAutoFit/>
+          </a:bodyPr>
+          <a:lstStyle/>
+          <a:p>
+            <a:r>
+              <a:rPr lang="fr-CH" sz="1100" dirty="0" smtClean="0"/>
+              <a:t>Est/Long</a:t>
+            </a:r>
+            <a:endParaRPr lang="fr-CH" sz="1100" dirty="0"/>
+          </a:p>
+        </p:txBody>
+      </p:sp>
+      <p:sp>
+        <p:nvSpPr>
+          <p:cNvPr id="22" name="ZoneTexte 21"/>
+          <p:cNvSpPr txBox="1"/>
+          <p:nvPr/>
+        </p:nvSpPr>
+        <p:spPr>
+          <a:xfrm>
+            <a:off x="4610591" y="2085993"/>
+            <a:ext cx="700833" cy="261610"/>
+          </a:xfrm>
+          <a:prstGeom prst="rect">
+            <a:avLst/>
+          </a:prstGeom>
+          <a:noFill/>
+        </p:spPr>
+        <p:txBody>
+          <a:bodyPr wrap="none" rtlCol="0">
+            <a:spAutoFit/>
+          </a:bodyPr>
+          <a:lstStyle/>
+          <a:p>
+            <a:r>
+              <a:rPr lang="fr-CH" sz="1100" dirty="0" smtClean="0"/>
+              <a:t>Nord/</a:t>
+            </a:r>
+            <a:r>
+              <a:rPr lang="fr-CH" sz="1100" dirty="0" err="1" smtClean="0"/>
+              <a:t>Lat</a:t>
+            </a:r>
+            <a:endParaRPr lang="fr-CH" sz="1100" dirty="0"/>
+          </a:p>
+        </p:txBody>
+      </p:sp>
+      <p:sp>
+        <p:nvSpPr>
+          <p:cNvPr id="23" name="ZoneTexte 22"/>
+          <p:cNvSpPr txBox="1"/>
+          <p:nvPr/>
+        </p:nvSpPr>
+        <p:spPr>
+          <a:xfrm>
+            <a:off x="7127993" y="2094362"/>
+            <a:ext cx="1165704" cy="261610"/>
+          </a:xfrm>
+          <a:prstGeom prst="rect">
+            <a:avLst/>
+          </a:prstGeom>
+          <a:noFill/>
+        </p:spPr>
+        <p:txBody>
+          <a:bodyPr wrap="none" rtlCol="0">
+            <a:spAutoFit/>
+          </a:bodyPr>
+          <a:lstStyle/>
+          <a:p>
+            <a:r>
+              <a:rPr lang="fr-CH" sz="1100" dirty="0" smtClean="0"/>
+              <a:t>Altitude/Hauteur</a:t>
+            </a:r>
+            <a:endParaRPr lang="fr-CH" sz="1100" dirty="0"/>
+          </a:p>
+        </p:txBody>
+      </p:sp>
+      <p:sp>
+        <p:nvSpPr>
+          <p:cNvPr id="24" name="Rectangle 23"/>
+          <p:cNvSpPr/>
+          <p:nvPr/>
+        </p:nvSpPr>
+        <p:spPr>
+          <a:xfrm>
+            <a:off x="3170604" y="2943113"/>
+            <a:ext cx="1310640" cy="190500"/>
+          </a:xfrm>
+          <a:prstGeom prst="rect">
+            <a:avLst/>
+          </a:prstGeom>
+        </p:spPr>
+        <p:style>
+          <a:lnRef idx="2">
+            <a:schemeClr val="dk1"/>
+          </a:lnRef>
+          <a:fillRef idx="1">
+            <a:schemeClr val="lt1"/>
+          </a:fillRef>
+          <a:effectRef idx="0">
+            <a:schemeClr val="dk1"/>
+          </a:effectRef>
+          <a:fontRef idx="minor">
+            <a:schemeClr val="dk1"/>
+          </a:fontRef>
+        </p:style>
+        <p:txBody>
+          <a:bodyPr rtlCol="0" anchor="ctr"/>
+          <a:lstStyle/>
+          <a:p>
+            <a:pPr algn="ctr"/>
+            <a:endParaRPr lang="fr-CH"/>
+          </a:p>
+        </p:txBody>
+      </p:sp>
+      <p:sp>
+        <p:nvSpPr>
+          <p:cNvPr id="25" name="Rectangle 24"/>
+          <p:cNvSpPr/>
+          <p:nvPr/>
+        </p:nvSpPr>
+        <p:spPr>
+          <a:xfrm>
+            <a:off x="4669380" y="2942556"/>
+            <a:ext cx="1310640" cy="190500"/>
+          </a:xfrm>
+          <a:prstGeom prst="rect">
+            <a:avLst/>
+          </a:prstGeom>
+        </p:spPr>
+        <p:style>
+          <a:lnRef idx="2">
+            <a:schemeClr val="dk1"/>
+          </a:lnRef>
+          <a:fillRef idx="1">
+            <a:schemeClr val="lt1"/>
+          </a:fillRef>
+          <a:effectRef idx="0">
+            <a:schemeClr val="dk1"/>
+          </a:effectRef>
+          <a:fontRef idx="minor">
+            <a:schemeClr val="dk1"/>
+          </a:fontRef>
+        </p:style>
+        <p:txBody>
+          <a:bodyPr rtlCol="0" anchor="ctr"/>
+          <a:lstStyle/>
+          <a:p>
+            <a:pPr algn="ctr"/>
+            <a:endParaRPr lang="fr-CH"/>
+          </a:p>
+        </p:txBody>
+      </p:sp>
+      <p:sp>
+        <p:nvSpPr>
+          <p:cNvPr id="26" name="ZoneTexte 25"/>
+          <p:cNvSpPr txBox="1"/>
+          <p:nvPr/>
+        </p:nvSpPr>
+        <p:spPr>
+          <a:xfrm>
+            <a:off x="3102024" y="2577455"/>
+            <a:ext cx="1563248" cy="261610"/>
+          </a:xfrm>
+          <a:prstGeom prst="rect">
+            <a:avLst/>
+          </a:prstGeom>
+          <a:noFill/>
+        </p:spPr>
+        <p:txBody>
+          <a:bodyPr wrap="none" rtlCol="0">
+            <a:spAutoFit/>
+          </a:bodyPr>
+          <a:lstStyle/>
+          <a:p>
+            <a:r>
+              <a:rPr lang="fr-CH" sz="1100" dirty="0" smtClean="0"/>
+              <a:t>Déviation de la verticale</a:t>
+            </a:r>
+            <a:endParaRPr lang="fr-CH" sz="1100" dirty="0"/>
+          </a:p>
+        </p:txBody>
+      </p:sp>
+      <p:sp>
+        <p:nvSpPr>
+          <p:cNvPr id="27" name="ZoneTexte 26"/>
+          <p:cNvSpPr txBox="1"/>
+          <p:nvPr/>
+        </p:nvSpPr>
+        <p:spPr>
+          <a:xfrm>
+            <a:off x="3102024" y="2715291"/>
+            <a:ext cx="269626" cy="261610"/>
+          </a:xfrm>
+          <a:prstGeom prst="rect">
+            <a:avLst/>
+          </a:prstGeom>
+          <a:noFill/>
+        </p:spPr>
+        <p:txBody>
+          <a:bodyPr wrap="none" rtlCol="0">
+            <a:spAutoFit/>
+          </a:bodyPr>
+          <a:lstStyle/>
+          <a:p>
+            <a:r>
+              <a:rPr lang="fr-CH" sz="1100" dirty="0" smtClean="0">
+                <a:latin typeface="Symbol" panose="05050102010706020507" pitchFamily="18" charset="2"/>
+              </a:rPr>
+              <a:t>h</a:t>
+            </a:r>
+            <a:endParaRPr lang="fr-CH" sz="1100" dirty="0">
+              <a:latin typeface="Symbol" panose="05050102010706020507" pitchFamily="18" charset="2"/>
+            </a:endParaRPr>
+          </a:p>
+        </p:txBody>
+      </p:sp>
+      <p:sp>
+        <p:nvSpPr>
+          <p:cNvPr id="28" name="ZoneTexte 27"/>
+          <p:cNvSpPr txBox="1"/>
+          <p:nvPr/>
+        </p:nvSpPr>
+        <p:spPr>
+          <a:xfrm>
+            <a:off x="4591402" y="2715291"/>
+            <a:ext cx="253596" cy="261610"/>
+          </a:xfrm>
+          <a:prstGeom prst="rect">
+            <a:avLst/>
+          </a:prstGeom>
+          <a:noFill/>
+        </p:spPr>
+        <p:txBody>
+          <a:bodyPr wrap="none" rtlCol="0">
+            <a:spAutoFit/>
+          </a:bodyPr>
+          <a:lstStyle/>
+          <a:p>
+            <a:r>
+              <a:rPr lang="fr-CH" sz="1100" dirty="0">
+                <a:latin typeface="Symbol" panose="05050102010706020507" pitchFamily="18" charset="2"/>
+              </a:rPr>
+              <a:t>x</a:t>
+            </a:r>
+          </a:p>
+        </p:txBody>
+      </p:sp>
+      <p:sp>
+        <p:nvSpPr>
+          <p:cNvPr id="29" name="Rectangle 28"/>
+          <p:cNvSpPr/>
+          <p:nvPr/>
+        </p:nvSpPr>
+        <p:spPr>
+          <a:xfrm>
+            <a:off x="7224121" y="2939542"/>
+            <a:ext cx="1310640" cy="190500"/>
+          </a:xfrm>
+          <a:prstGeom prst="rect">
+            <a:avLst/>
+          </a:prstGeom>
+        </p:spPr>
+        <p:style>
+          <a:lnRef idx="2">
+            <a:schemeClr val="dk1"/>
+          </a:lnRef>
+          <a:fillRef idx="1">
+            <a:schemeClr val="lt1"/>
+          </a:fillRef>
+          <a:effectRef idx="0">
+            <a:schemeClr val="dk1"/>
+          </a:effectRef>
+          <a:fontRef idx="minor">
+            <a:schemeClr val="dk1"/>
+          </a:fontRef>
+        </p:style>
+        <p:txBody>
+          <a:bodyPr rtlCol="0" anchor="ctr"/>
+          <a:lstStyle/>
+          <a:p>
+            <a:pPr algn="ctr"/>
+            <a:endParaRPr lang="fr-CH"/>
+          </a:p>
+        </p:txBody>
+      </p:sp>
+      <p:sp>
+        <p:nvSpPr>
+          <p:cNvPr id="30" name="ZoneTexte 29"/>
+          <p:cNvSpPr txBox="1"/>
+          <p:nvPr/>
+        </p:nvSpPr>
+        <p:spPr>
+          <a:xfrm>
+            <a:off x="7143290" y="2715291"/>
+            <a:ext cx="1048685" cy="261610"/>
+          </a:xfrm>
+          <a:prstGeom prst="rect">
+            <a:avLst/>
+          </a:prstGeom>
+          <a:noFill/>
+        </p:spPr>
+        <p:txBody>
+          <a:bodyPr wrap="none" rtlCol="0">
+            <a:spAutoFit/>
+          </a:bodyPr>
+          <a:lstStyle/>
+          <a:p>
+            <a:r>
+              <a:rPr lang="fr-CH" sz="1100" dirty="0" smtClean="0"/>
+              <a:t>Cote du </a:t>
+            </a:r>
+            <a:r>
+              <a:rPr lang="fr-CH" sz="1100" dirty="0" err="1" smtClean="0"/>
+              <a:t>géoide</a:t>
+            </a:r>
+            <a:endParaRPr lang="fr-CH" sz="1100" dirty="0"/>
+          </a:p>
+        </p:txBody>
+      </p:sp>
+      <p:sp>
+        <p:nvSpPr>
+          <p:cNvPr id="31" name="ZoneTexte 30"/>
+          <p:cNvSpPr txBox="1"/>
+          <p:nvPr/>
+        </p:nvSpPr>
+        <p:spPr>
+          <a:xfrm>
+            <a:off x="3052357" y="3410136"/>
+            <a:ext cx="1353256" cy="276999"/>
+          </a:xfrm>
+          <a:prstGeom prst="rect">
+            <a:avLst/>
+          </a:prstGeom>
+          <a:noFill/>
+        </p:spPr>
+        <p:txBody>
+          <a:bodyPr wrap="none" rtlCol="0">
+            <a:spAutoFit/>
+          </a:bodyPr>
+          <a:lstStyle/>
+          <a:p>
+            <a:r>
+              <a:rPr lang="fr-CH" sz="1200" b="1" dirty="0" smtClean="0"/>
+              <a:t>Système d’arrivée:</a:t>
+            </a:r>
+            <a:endParaRPr lang="fr-CH" sz="1200" b="1" dirty="0"/>
+          </a:p>
+        </p:txBody>
+      </p:sp>
+      <p:pic>
+        <p:nvPicPr>
+          <p:cNvPr id="32" name="Image 31"/>
+          <p:cNvPicPr>
+            <a:picLocks noChangeAspect="1"/>
+          </p:cNvPicPr>
+          <p:nvPr/>
+        </p:nvPicPr>
+        <p:blipFill>
+          <a:blip r:embed="rId3">
+            <a:extLst>
+              <a:ext uri="{28A0092B-C50C-407E-A947-70E740481C1C}">
+                <a14:useLocalDpi xmlns:a14="http://schemas.microsoft.com/office/drawing/2010/main" val="0"/>
+              </a:ext>
+            </a:extLst>
+          </a:blip>
+          <a:stretch>
+            <a:fillRect/>
+          </a:stretch>
+        </p:blipFill>
+        <p:spPr>
+          <a:xfrm>
+            <a:off x="3132504" y="3863838"/>
+            <a:ext cx="1640341" cy="308440"/>
+          </a:xfrm>
+          <a:prstGeom prst="rect">
+            <a:avLst/>
+          </a:prstGeom>
+        </p:spPr>
+      </p:pic>
+      <p:sp>
+        <p:nvSpPr>
+          <p:cNvPr id="33" name="ZoneTexte 32"/>
+          <p:cNvSpPr txBox="1"/>
+          <p:nvPr/>
+        </p:nvSpPr>
+        <p:spPr>
+          <a:xfrm>
+            <a:off x="3162984" y="3879078"/>
+            <a:ext cx="1207382" cy="261610"/>
+          </a:xfrm>
+          <a:prstGeom prst="rect">
+            <a:avLst/>
+          </a:prstGeom>
+          <a:noFill/>
+        </p:spPr>
+        <p:txBody>
+          <a:bodyPr wrap="none" rtlCol="0">
+            <a:spAutoFit/>
+          </a:bodyPr>
+          <a:lstStyle/>
+          <a:p>
+            <a:r>
+              <a:rPr lang="fr-CH" sz="1100" dirty="0" smtClean="0"/>
+              <a:t>RGF93 EPSG:2154</a:t>
+            </a:r>
+            <a:endParaRPr lang="fr-CH" sz="1100" dirty="0"/>
+          </a:p>
+        </p:txBody>
+      </p:sp>
+      <p:sp>
+        <p:nvSpPr>
+          <p:cNvPr id="34" name="ZoneTexte 33"/>
+          <p:cNvSpPr txBox="1"/>
+          <p:nvPr/>
+        </p:nvSpPr>
+        <p:spPr>
+          <a:xfrm>
+            <a:off x="3082153" y="3642951"/>
+            <a:ext cx="843501" cy="261610"/>
+          </a:xfrm>
+          <a:prstGeom prst="rect">
+            <a:avLst/>
+          </a:prstGeom>
+          <a:noFill/>
+        </p:spPr>
+        <p:txBody>
+          <a:bodyPr wrap="none" rtlCol="0">
+            <a:spAutoFit/>
+          </a:bodyPr>
+          <a:lstStyle/>
+          <a:p>
+            <a:r>
+              <a:rPr lang="fr-CH" sz="1100" dirty="0" smtClean="0"/>
+              <a:t>Planimétrie</a:t>
+            </a:r>
+            <a:endParaRPr lang="fr-CH" sz="1100" dirty="0"/>
+          </a:p>
+        </p:txBody>
+      </p:sp>
+      <p:pic>
+        <p:nvPicPr>
+          <p:cNvPr id="35" name="Image 34"/>
+          <p:cNvPicPr>
+            <a:picLocks noChangeAspect="1"/>
+          </p:cNvPicPr>
+          <p:nvPr/>
+        </p:nvPicPr>
+        <p:blipFill>
+          <a:blip r:embed="rId3">
+            <a:extLst>
+              <a:ext uri="{28A0092B-C50C-407E-A947-70E740481C1C}">
+                <a14:useLocalDpi xmlns:a14="http://schemas.microsoft.com/office/drawing/2010/main" val="0"/>
+              </a:ext>
+            </a:extLst>
+          </a:blip>
+          <a:stretch>
+            <a:fillRect/>
+          </a:stretch>
+        </p:blipFill>
+        <p:spPr>
+          <a:xfrm>
+            <a:off x="7224121" y="3863838"/>
+            <a:ext cx="1640341" cy="308440"/>
+          </a:xfrm>
+          <a:prstGeom prst="rect">
+            <a:avLst/>
+          </a:prstGeom>
+        </p:spPr>
+      </p:pic>
+      <p:sp>
+        <p:nvSpPr>
+          <p:cNvPr id="36" name="ZoneTexte 35"/>
+          <p:cNvSpPr txBox="1"/>
+          <p:nvPr/>
+        </p:nvSpPr>
+        <p:spPr>
+          <a:xfrm>
+            <a:off x="7254601" y="3879078"/>
+            <a:ext cx="316112" cy="261610"/>
+          </a:xfrm>
+          <a:prstGeom prst="rect">
+            <a:avLst/>
+          </a:prstGeom>
+          <a:noFill/>
+        </p:spPr>
+        <p:txBody>
+          <a:bodyPr wrap="none" rtlCol="0">
+            <a:spAutoFit/>
+          </a:bodyPr>
+          <a:lstStyle/>
+          <a:p>
+            <a:r>
+              <a:rPr lang="fr-CH" sz="1100" dirty="0" smtClean="0"/>
+              <a:t>??</a:t>
+            </a:r>
+            <a:endParaRPr lang="fr-CH" sz="1100" dirty="0"/>
+          </a:p>
+        </p:txBody>
+      </p:sp>
+      <p:sp>
+        <p:nvSpPr>
+          <p:cNvPr id="37" name="ZoneTexte 36"/>
+          <p:cNvSpPr txBox="1"/>
+          <p:nvPr/>
+        </p:nvSpPr>
+        <p:spPr>
+          <a:xfrm>
+            <a:off x="7173770" y="3642951"/>
+            <a:ext cx="758541" cy="261610"/>
+          </a:xfrm>
+          <a:prstGeom prst="rect">
+            <a:avLst/>
+          </a:prstGeom>
+          <a:noFill/>
+        </p:spPr>
+        <p:txBody>
+          <a:bodyPr wrap="none" rtlCol="0">
+            <a:spAutoFit/>
+          </a:bodyPr>
+          <a:lstStyle/>
+          <a:p>
+            <a:r>
+              <a:rPr lang="fr-CH" sz="1100" dirty="0" smtClean="0"/>
+              <a:t>Altimétrie</a:t>
+            </a:r>
+            <a:endParaRPr lang="fr-CH" sz="1100" dirty="0"/>
+          </a:p>
+        </p:txBody>
+      </p:sp>
+      <p:sp>
+        <p:nvSpPr>
+          <p:cNvPr id="38" name="Forme libre 37"/>
+          <p:cNvSpPr/>
+          <p:nvPr/>
+        </p:nvSpPr>
+        <p:spPr>
+          <a:xfrm>
+            <a:off x="3099816" y="3557016"/>
+            <a:ext cx="6300216" cy="1700784"/>
+          </a:xfrm>
+          <a:custGeom>
+            <a:avLst/>
+            <a:gdLst>
+              <a:gd name="connsiteX0" fmla="*/ 1243584 w 6300216"/>
+              <a:gd name="connsiteY0" fmla="*/ 0 h 1700784"/>
+              <a:gd name="connsiteX1" fmla="*/ 6300216 w 6300216"/>
+              <a:gd name="connsiteY1" fmla="*/ 0 h 1700784"/>
+              <a:gd name="connsiteX2" fmla="*/ 6300216 w 6300216"/>
+              <a:gd name="connsiteY2" fmla="*/ 1700784 h 1700784"/>
+              <a:gd name="connsiteX3" fmla="*/ 0 w 6300216"/>
+              <a:gd name="connsiteY3" fmla="*/ 1700784 h 1700784"/>
+              <a:gd name="connsiteX4" fmla="*/ 0 w 6300216"/>
+              <a:gd name="connsiteY4" fmla="*/ 0 h 1700784"/>
+            </a:gdLst>
+            <a:ahLst/>
+            <a:cxnLst>
+              <a:cxn ang="0">
+                <a:pos x="connsiteX0" y="connsiteY0"/>
+              </a:cxn>
+              <a:cxn ang="0">
+                <a:pos x="connsiteX1" y="connsiteY1"/>
+              </a:cxn>
+              <a:cxn ang="0">
+                <a:pos x="connsiteX2" y="connsiteY2"/>
+              </a:cxn>
+              <a:cxn ang="0">
+                <a:pos x="connsiteX3" y="connsiteY3"/>
+              </a:cxn>
+              <a:cxn ang="0">
+                <a:pos x="connsiteX4" y="connsiteY4"/>
+              </a:cxn>
+            </a:cxnLst>
+            <a:rect l="l" t="t" r="r" b="b"/>
+            <a:pathLst>
+              <a:path w="6300216" h="1700784">
+                <a:moveTo>
+                  <a:pt x="1243584" y="0"/>
+                </a:moveTo>
+                <a:lnTo>
+                  <a:pt x="6300216" y="0"/>
+                </a:lnTo>
+                <a:lnTo>
+                  <a:pt x="6300216" y="1700784"/>
+                </a:lnTo>
+                <a:lnTo>
+                  <a:pt x="0" y="1700784"/>
+                </a:lnTo>
+                <a:lnTo>
+                  <a:pt x="0" y="0"/>
+                </a:lnTo>
+              </a:path>
+            </a:pathLst>
+          </a:custGeom>
+        </p:spPr>
+        <p:style>
+          <a:lnRef idx="3">
+            <a:schemeClr val="dk1"/>
+          </a:lnRef>
+          <a:fillRef idx="0">
+            <a:schemeClr val="dk1"/>
+          </a:fillRef>
+          <a:effectRef idx="2">
+            <a:schemeClr val="dk1"/>
+          </a:effectRef>
+          <a:fontRef idx="minor">
+            <a:schemeClr val="tx1"/>
+          </a:fontRef>
+        </p:style>
+        <p:txBody>
+          <a:bodyPr rtlCol="0" anchor="ctr"/>
+          <a:lstStyle/>
+          <a:p>
+            <a:pPr algn="ctr"/>
+            <a:endParaRPr lang="fr-CH"/>
+          </a:p>
+        </p:txBody>
+      </p:sp>
+      <p:sp>
+        <p:nvSpPr>
+          <p:cNvPr id="39" name="Forme libre 38"/>
+          <p:cNvSpPr/>
+          <p:nvPr/>
+        </p:nvSpPr>
+        <p:spPr>
+          <a:xfrm>
+            <a:off x="3099816" y="1423817"/>
+            <a:ext cx="6300216" cy="1865482"/>
+          </a:xfrm>
+          <a:custGeom>
+            <a:avLst/>
+            <a:gdLst>
+              <a:gd name="connsiteX0" fmla="*/ 1243584 w 6300216"/>
+              <a:gd name="connsiteY0" fmla="*/ 0 h 1700784"/>
+              <a:gd name="connsiteX1" fmla="*/ 6300216 w 6300216"/>
+              <a:gd name="connsiteY1" fmla="*/ 0 h 1700784"/>
+              <a:gd name="connsiteX2" fmla="*/ 6300216 w 6300216"/>
+              <a:gd name="connsiteY2" fmla="*/ 1700784 h 1700784"/>
+              <a:gd name="connsiteX3" fmla="*/ 0 w 6300216"/>
+              <a:gd name="connsiteY3" fmla="*/ 1700784 h 1700784"/>
+              <a:gd name="connsiteX4" fmla="*/ 0 w 6300216"/>
+              <a:gd name="connsiteY4" fmla="*/ 0 h 1700784"/>
+              <a:gd name="connsiteX0" fmla="*/ 1289304 w 6300216"/>
+              <a:gd name="connsiteY0" fmla="*/ 0 h 1700784"/>
+              <a:gd name="connsiteX1" fmla="*/ 6300216 w 6300216"/>
+              <a:gd name="connsiteY1" fmla="*/ 0 h 1700784"/>
+              <a:gd name="connsiteX2" fmla="*/ 6300216 w 6300216"/>
+              <a:gd name="connsiteY2" fmla="*/ 1700784 h 1700784"/>
+              <a:gd name="connsiteX3" fmla="*/ 0 w 6300216"/>
+              <a:gd name="connsiteY3" fmla="*/ 1700784 h 1700784"/>
+              <a:gd name="connsiteX4" fmla="*/ 0 w 6300216"/>
+              <a:gd name="connsiteY4" fmla="*/ 0 h 1700784"/>
+              <a:gd name="connsiteX0" fmla="*/ 1335024 w 6300216"/>
+              <a:gd name="connsiteY0" fmla="*/ 0 h 1700784"/>
+              <a:gd name="connsiteX1" fmla="*/ 6300216 w 6300216"/>
+              <a:gd name="connsiteY1" fmla="*/ 0 h 1700784"/>
+              <a:gd name="connsiteX2" fmla="*/ 6300216 w 6300216"/>
+              <a:gd name="connsiteY2" fmla="*/ 1700784 h 1700784"/>
+              <a:gd name="connsiteX3" fmla="*/ 0 w 6300216"/>
+              <a:gd name="connsiteY3" fmla="*/ 1700784 h 1700784"/>
+              <a:gd name="connsiteX4" fmla="*/ 0 w 6300216"/>
+              <a:gd name="connsiteY4" fmla="*/ 0 h 1700784"/>
+            </a:gdLst>
+            <a:ahLst/>
+            <a:cxnLst>
+              <a:cxn ang="0">
+                <a:pos x="connsiteX0" y="connsiteY0"/>
+              </a:cxn>
+              <a:cxn ang="0">
+                <a:pos x="connsiteX1" y="connsiteY1"/>
+              </a:cxn>
+              <a:cxn ang="0">
+                <a:pos x="connsiteX2" y="connsiteY2"/>
+              </a:cxn>
+              <a:cxn ang="0">
+                <a:pos x="connsiteX3" y="connsiteY3"/>
+              </a:cxn>
+              <a:cxn ang="0">
+                <a:pos x="connsiteX4" y="connsiteY4"/>
+              </a:cxn>
+            </a:cxnLst>
+            <a:rect l="l" t="t" r="r" b="b"/>
+            <a:pathLst>
+              <a:path w="6300216" h="1700784">
+                <a:moveTo>
+                  <a:pt x="1335024" y="0"/>
+                </a:moveTo>
+                <a:lnTo>
+                  <a:pt x="6300216" y="0"/>
+                </a:lnTo>
+                <a:lnTo>
+                  <a:pt x="6300216" y="1700784"/>
+                </a:lnTo>
+                <a:lnTo>
+                  <a:pt x="0" y="1700784"/>
+                </a:lnTo>
+                <a:lnTo>
+                  <a:pt x="0" y="0"/>
+                </a:lnTo>
+              </a:path>
+            </a:pathLst>
+          </a:custGeom>
+        </p:spPr>
+        <p:style>
+          <a:lnRef idx="3">
+            <a:schemeClr val="dk1"/>
+          </a:lnRef>
+          <a:fillRef idx="0">
+            <a:schemeClr val="dk1"/>
+          </a:fillRef>
+          <a:effectRef idx="2">
+            <a:schemeClr val="dk1"/>
+          </a:effectRef>
+          <a:fontRef idx="minor">
+            <a:schemeClr val="tx1"/>
+          </a:fontRef>
+        </p:style>
+        <p:txBody>
+          <a:bodyPr rtlCol="0" anchor="ctr"/>
+          <a:lstStyle/>
+          <a:p>
+            <a:pPr algn="ctr"/>
+            <a:endParaRPr lang="fr-CH"/>
+          </a:p>
+        </p:txBody>
+      </p:sp>
+      <p:sp>
+        <p:nvSpPr>
+          <p:cNvPr id="46" name="Rectangle 45"/>
+          <p:cNvSpPr/>
+          <p:nvPr/>
+        </p:nvSpPr>
+        <p:spPr>
+          <a:xfrm>
+            <a:off x="3186057" y="4392867"/>
+            <a:ext cx="1310640" cy="190500"/>
+          </a:xfrm>
+          <a:prstGeom prst="rect">
+            <a:avLst/>
+          </a:prstGeom>
+          <a:solidFill>
+            <a:schemeClr val="bg1">
+              <a:lumMod val="75000"/>
+            </a:schemeClr>
+          </a:solidFill>
+        </p:spPr>
+        <p:style>
+          <a:lnRef idx="2">
+            <a:schemeClr val="dk1"/>
+          </a:lnRef>
+          <a:fillRef idx="1">
+            <a:schemeClr val="lt1"/>
+          </a:fillRef>
+          <a:effectRef idx="0">
+            <a:schemeClr val="dk1"/>
+          </a:effectRef>
+          <a:fontRef idx="minor">
+            <a:schemeClr val="dk1"/>
+          </a:fontRef>
+        </p:style>
+        <p:txBody>
+          <a:bodyPr rtlCol="0" anchor="ctr"/>
+          <a:lstStyle/>
+          <a:p>
+            <a:pPr algn="ctr"/>
+            <a:endParaRPr lang="fr-CH"/>
+          </a:p>
+        </p:txBody>
+      </p:sp>
+      <p:sp>
+        <p:nvSpPr>
+          <p:cNvPr id="47" name="Rectangle 46"/>
+          <p:cNvSpPr/>
+          <p:nvPr/>
+        </p:nvSpPr>
+        <p:spPr>
+          <a:xfrm>
+            <a:off x="4684833" y="4392867"/>
+            <a:ext cx="1310640" cy="190500"/>
+          </a:xfrm>
+          <a:prstGeom prst="rect">
+            <a:avLst/>
+          </a:prstGeom>
+          <a:solidFill>
+            <a:schemeClr val="bg1">
+              <a:lumMod val="75000"/>
+            </a:schemeClr>
+          </a:solidFill>
+        </p:spPr>
+        <p:style>
+          <a:lnRef idx="2">
+            <a:schemeClr val="dk1"/>
+          </a:lnRef>
+          <a:fillRef idx="1">
+            <a:schemeClr val="lt1"/>
+          </a:fillRef>
+          <a:effectRef idx="0">
+            <a:schemeClr val="dk1"/>
+          </a:effectRef>
+          <a:fontRef idx="minor">
+            <a:schemeClr val="dk1"/>
+          </a:fontRef>
+        </p:style>
+        <p:txBody>
+          <a:bodyPr rtlCol="0" anchor="ctr"/>
+          <a:lstStyle/>
+          <a:p>
+            <a:pPr algn="ctr"/>
+            <a:endParaRPr lang="fr-CH"/>
+          </a:p>
+        </p:txBody>
+      </p:sp>
+      <p:sp>
+        <p:nvSpPr>
+          <p:cNvPr id="48" name="Rectangle 47"/>
+          <p:cNvSpPr/>
+          <p:nvPr/>
+        </p:nvSpPr>
+        <p:spPr>
+          <a:xfrm>
+            <a:off x="7239574" y="4392867"/>
+            <a:ext cx="1310640" cy="190500"/>
+          </a:xfrm>
+          <a:prstGeom prst="rect">
+            <a:avLst/>
+          </a:prstGeom>
+          <a:solidFill>
+            <a:schemeClr val="bg1">
+              <a:lumMod val="75000"/>
+            </a:schemeClr>
+          </a:solidFill>
+        </p:spPr>
+        <p:style>
+          <a:lnRef idx="2">
+            <a:schemeClr val="dk1"/>
+          </a:lnRef>
+          <a:fillRef idx="1">
+            <a:schemeClr val="lt1"/>
+          </a:fillRef>
+          <a:effectRef idx="0">
+            <a:schemeClr val="dk1"/>
+          </a:effectRef>
+          <a:fontRef idx="minor">
+            <a:schemeClr val="dk1"/>
+          </a:fontRef>
+        </p:style>
+        <p:txBody>
+          <a:bodyPr rtlCol="0" anchor="ctr"/>
+          <a:lstStyle/>
+          <a:p>
+            <a:pPr algn="ctr"/>
+            <a:endParaRPr lang="fr-CH"/>
+          </a:p>
+        </p:txBody>
+      </p:sp>
+      <p:sp>
+        <p:nvSpPr>
+          <p:cNvPr id="49" name="ZoneTexte 48"/>
+          <p:cNvSpPr txBox="1"/>
+          <p:nvPr/>
+        </p:nvSpPr>
+        <p:spPr>
+          <a:xfrm>
+            <a:off x="3099660" y="4139626"/>
+            <a:ext cx="354584" cy="261610"/>
+          </a:xfrm>
+          <a:prstGeom prst="rect">
+            <a:avLst/>
+          </a:prstGeom>
+          <a:noFill/>
+        </p:spPr>
+        <p:txBody>
+          <a:bodyPr wrap="none" rtlCol="0">
+            <a:spAutoFit/>
+          </a:bodyPr>
+          <a:lstStyle/>
+          <a:p>
+            <a:r>
+              <a:rPr lang="fr-CH" sz="1100" dirty="0" smtClean="0"/>
+              <a:t>Est</a:t>
+            </a:r>
+            <a:endParaRPr lang="fr-CH" sz="1100" dirty="0"/>
+          </a:p>
+        </p:txBody>
+      </p:sp>
+      <p:sp>
+        <p:nvSpPr>
+          <p:cNvPr id="50" name="ZoneTexte 49"/>
+          <p:cNvSpPr txBox="1"/>
+          <p:nvPr/>
+        </p:nvSpPr>
+        <p:spPr>
+          <a:xfrm>
+            <a:off x="4626044" y="4131257"/>
+            <a:ext cx="473206" cy="261610"/>
+          </a:xfrm>
+          <a:prstGeom prst="rect">
+            <a:avLst/>
+          </a:prstGeom>
+          <a:noFill/>
+        </p:spPr>
+        <p:txBody>
+          <a:bodyPr wrap="none" rtlCol="0">
+            <a:spAutoFit/>
+          </a:bodyPr>
+          <a:lstStyle/>
+          <a:p>
+            <a:r>
+              <a:rPr lang="fr-CH" sz="1100" dirty="0" smtClean="0"/>
+              <a:t>Nord</a:t>
+            </a:r>
+            <a:endParaRPr lang="fr-CH" sz="1100" dirty="0"/>
+          </a:p>
+        </p:txBody>
+      </p:sp>
+      <p:sp>
+        <p:nvSpPr>
+          <p:cNvPr id="51" name="ZoneTexte 50"/>
+          <p:cNvSpPr txBox="1"/>
+          <p:nvPr/>
+        </p:nvSpPr>
+        <p:spPr>
+          <a:xfrm>
+            <a:off x="7143446" y="4139626"/>
+            <a:ext cx="641522" cy="261610"/>
+          </a:xfrm>
+          <a:prstGeom prst="rect">
+            <a:avLst/>
+          </a:prstGeom>
+          <a:noFill/>
+        </p:spPr>
+        <p:txBody>
+          <a:bodyPr wrap="none" rtlCol="0">
+            <a:spAutoFit/>
+          </a:bodyPr>
+          <a:lstStyle/>
+          <a:p>
+            <a:r>
+              <a:rPr lang="fr-CH" sz="1100" dirty="0" smtClean="0"/>
+              <a:t>Altitude</a:t>
+            </a:r>
+            <a:endParaRPr lang="fr-CH" sz="1100" dirty="0"/>
+          </a:p>
+        </p:txBody>
+      </p:sp>
+      <p:sp>
+        <p:nvSpPr>
+          <p:cNvPr id="52" name="Rectangle 51"/>
+          <p:cNvSpPr/>
+          <p:nvPr/>
+        </p:nvSpPr>
+        <p:spPr>
+          <a:xfrm>
+            <a:off x="3186057" y="4988377"/>
+            <a:ext cx="1310640" cy="190500"/>
+          </a:xfrm>
+          <a:prstGeom prst="rect">
+            <a:avLst/>
+          </a:prstGeom>
+          <a:solidFill>
+            <a:schemeClr val="bg1">
+              <a:lumMod val="75000"/>
+            </a:schemeClr>
+          </a:solidFill>
+        </p:spPr>
+        <p:style>
+          <a:lnRef idx="2">
+            <a:schemeClr val="dk1"/>
+          </a:lnRef>
+          <a:fillRef idx="1">
+            <a:schemeClr val="lt1"/>
+          </a:fillRef>
+          <a:effectRef idx="0">
+            <a:schemeClr val="dk1"/>
+          </a:effectRef>
+          <a:fontRef idx="minor">
+            <a:schemeClr val="dk1"/>
+          </a:fontRef>
+        </p:style>
+        <p:txBody>
+          <a:bodyPr rtlCol="0" anchor="ctr"/>
+          <a:lstStyle/>
+          <a:p>
+            <a:pPr algn="ctr"/>
+            <a:endParaRPr lang="fr-CH"/>
+          </a:p>
+        </p:txBody>
+      </p:sp>
+      <p:sp>
+        <p:nvSpPr>
+          <p:cNvPr id="53" name="Rectangle 52"/>
+          <p:cNvSpPr/>
+          <p:nvPr/>
+        </p:nvSpPr>
+        <p:spPr>
+          <a:xfrm>
+            <a:off x="4684833" y="4987820"/>
+            <a:ext cx="1310640" cy="190500"/>
+          </a:xfrm>
+          <a:prstGeom prst="rect">
+            <a:avLst/>
+          </a:prstGeom>
+          <a:solidFill>
+            <a:schemeClr val="bg1">
+              <a:lumMod val="75000"/>
+            </a:schemeClr>
+          </a:solidFill>
+        </p:spPr>
+        <p:style>
+          <a:lnRef idx="2">
+            <a:schemeClr val="dk1"/>
+          </a:lnRef>
+          <a:fillRef idx="1">
+            <a:schemeClr val="lt1"/>
+          </a:fillRef>
+          <a:effectRef idx="0">
+            <a:schemeClr val="dk1"/>
+          </a:effectRef>
+          <a:fontRef idx="minor">
+            <a:schemeClr val="dk1"/>
+          </a:fontRef>
+        </p:style>
+        <p:txBody>
+          <a:bodyPr rtlCol="0" anchor="ctr"/>
+          <a:lstStyle/>
+          <a:p>
+            <a:pPr algn="ctr"/>
+            <a:endParaRPr lang="fr-CH"/>
+          </a:p>
+        </p:txBody>
+      </p:sp>
+      <p:sp>
+        <p:nvSpPr>
+          <p:cNvPr id="54" name="ZoneTexte 53"/>
+          <p:cNvSpPr txBox="1"/>
+          <p:nvPr/>
+        </p:nvSpPr>
+        <p:spPr>
+          <a:xfrm>
+            <a:off x="3117477" y="4622719"/>
+            <a:ext cx="1563248" cy="261610"/>
+          </a:xfrm>
+          <a:prstGeom prst="rect">
+            <a:avLst/>
+          </a:prstGeom>
+          <a:noFill/>
+        </p:spPr>
+        <p:txBody>
+          <a:bodyPr wrap="none" rtlCol="0">
+            <a:spAutoFit/>
+          </a:bodyPr>
+          <a:lstStyle/>
+          <a:p>
+            <a:r>
+              <a:rPr lang="fr-CH" sz="1100" dirty="0" smtClean="0"/>
+              <a:t>Déviation de la verticale</a:t>
+            </a:r>
+            <a:endParaRPr lang="fr-CH" sz="1100" dirty="0"/>
+          </a:p>
+        </p:txBody>
+      </p:sp>
+      <p:sp>
+        <p:nvSpPr>
+          <p:cNvPr id="55" name="ZoneTexte 54"/>
+          <p:cNvSpPr txBox="1"/>
+          <p:nvPr/>
+        </p:nvSpPr>
+        <p:spPr>
+          <a:xfrm>
+            <a:off x="3117477" y="4760555"/>
+            <a:ext cx="269626" cy="261610"/>
+          </a:xfrm>
+          <a:prstGeom prst="rect">
+            <a:avLst/>
+          </a:prstGeom>
+          <a:noFill/>
+        </p:spPr>
+        <p:txBody>
+          <a:bodyPr wrap="none" rtlCol="0">
+            <a:spAutoFit/>
+          </a:bodyPr>
+          <a:lstStyle/>
+          <a:p>
+            <a:r>
+              <a:rPr lang="fr-CH" sz="1100" dirty="0" smtClean="0">
+                <a:latin typeface="Symbol" panose="05050102010706020507" pitchFamily="18" charset="2"/>
+              </a:rPr>
+              <a:t>h</a:t>
+            </a:r>
+            <a:endParaRPr lang="fr-CH" sz="1100" dirty="0">
+              <a:latin typeface="Symbol" panose="05050102010706020507" pitchFamily="18" charset="2"/>
+            </a:endParaRPr>
+          </a:p>
+        </p:txBody>
+      </p:sp>
+      <p:sp>
+        <p:nvSpPr>
+          <p:cNvPr id="56" name="ZoneTexte 55"/>
+          <p:cNvSpPr txBox="1"/>
+          <p:nvPr/>
+        </p:nvSpPr>
+        <p:spPr>
+          <a:xfrm>
+            <a:off x="4606855" y="4760555"/>
+            <a:ext cx="253596" cy="261610"/>
+          </a:xfrm>
+          <a:prstGeom prst="rect">
+            <a:avLst/>
+          </a:prstGeom>
+          <a:noFill/>
+        </p:spPr>
+        <p:txBody>
+          <a:bodyPr wrap="none" rtlCol="0">
+            <a:spAutoFit/>
+          </a:bodyPr>
+          <a:lstStyle/>
+          <a:p>
+            <a:r>
+              <a:rPr lang="fr-CH" sz="1100" dirty="0">
+                <a:latin typeface="Symbol" panose="05050102010706020507" pitchFamily="18" charset="2"/>
+              </a:rPr>
+              <a:t>x</a:t>
+            </a:r>
+          </a:p>
+        </p:txBody>
+      </p:sp>
+      <p:sp>
+        <p:nvSpPr>
+          <p:cNvPr id="57" name="Rectangle 56"/>
+          <p:cNvSpPr/>
+          <p:nvPr/>
+        </p:nvSpPr>
+        <p:spPr>
+          <a:xfrm>
+            <a:off x="7239574" y="4984806"/>
+            <a:ext cx="1310640" cy="190500"/>
+          </a:xfrm>
+          <a:prstGeom prst="rect">
+            <a:avLst/>
+          </a:prstGeom>
+          <a:solidFill>
+            <a:schemeClr val="bg1">
+              <a:lumMod val="75000"/>
+            </a:schemeClr>
+          </a:solidFill>
+        </p:spPr>
+        <p:style>
+          <a:lnRef idx="2">
+            <a:schemeClr val="dk1"/>
+          </a:lnRef>
+          <a:fillRef idx="1">
+            <a:schemeClr val="lt1"/>
+          </a:fillRef>
+          <a:effectRef idx="0">
+            <a:schemeClr val="dk1"/>
+          </a:effectRef>
+          <a:fontRef idx="minor">
+            <a:schemeClr val="dk1"/>
+          </a:fontRef>
+        </p:style>
+        <p:txBody>
+          <a:bodyPr rtlCol="0" anchor="ctr"/>
+          <a:lstStyle/>
+          <a:p>
+            <a:pPr algn="ctr"/>
+            <a:endParaRPr lang="fr-CH"/>
+          </a:p>
+        </p:txBody>
+      </p:sp>
+      <p:sp>
+        <p:nvSpPr>
+          <p:cNvPr id="58" name="ZoneTexte 57"/>
+          <p:cNvSpPr txBox="1"/>
+          <p:nvPr/>
+        </p:nvSpPr>
+        <p:spPr>
+          <a:xfrm>
+            <a:off x="7158743" y="4760555"/>
+            <a:ext cx="1048685" cy="261610"/>
+          </a:xfrm>
+          <a:prstGeom prst="rect">
+            <a:avLst/>
+          </a:prstGeom>
+          <a:noFill/>
+        </p:spPr>
+        <p:txBody>
+          <a:bodyPr wrap="none" rtlCol="0">
+            <a:spAutoFit/>
+          </a:bodyPr>
+          <a:lstStyle/>
+          <a:p>
+            <a:r>
+              <a:rPr lang="fr-CH" sz="1100" dirty="0" smtClean="0"/>
+              <a:t>Cote du </a:t>
+            </a:r>
+            <a:r>
+              <a:rPr lang="fr-CH" sz="1100" dirty="0" err="1" smtClean="0"/>
+              <a:t>géoide</a:t>
+            </a:r>
+            <a:endParaRPr lang="fr-CH" sz="1100" dirty="0"/>
+          </a:p>
+        </p:txBody>
+      </p:sp>
+      <p:pic>
+        <p:nvPicPr>
+          <p:cNvPr id="59" name="Image 58"/>
+          <p:cNvPicPr>
+            <a:picLocks noChangeAspect="1"/>
+          </p:cNvPicPr>
+          <p:nvPr/>
+        </p:nvPicPr>
+        <p:blipFill>
+          <a:blip r:embed="rId4">
+            <a:extLst>
+              <a:ext uri="{28A0092B-C50C-407E-A947-70E740481C1C}">
+                <a14:useLocalDpi xmlns:a14="http://schemas.microsoft.com/office/drawing/2010/main" val="0"/>
+              </a:ext>
+            </a:extLst>
+          </a:blip>
+          <a:stretch>
+            <a:fillRect/>
+          </a:stretch>
+        </p:blipFill>
+        <p:spPr>
+          <a:xfrm>
+            <a:off x="3646887" y="5405813"/>
+            <a:ext cx="1198111" cy="310621"/>
+          </a:xfrm>
+          <a:prstGeom prst="rect">
+            <a:avLst/>
+          </a:prstGeom>
+        </p:spPr>
+      </p:pic>
+      <p:pic>
+        <p:nvPicPr>
+          <p:cNvPr id="60" name="Image 59"/>
+          <p:cNvPicPr>
+            <a:picLocks noChangeAspect="1"/>
+          </p:cNvPicPr>
+          <p:nvPr/>
+        </p:nvPicPr>
+        <p:blipFill>
+          <a:blip r:embed="rId5">
+            <a:extLst>
+              <a:ext uri="{28A0092B-C50C-407E-A947-70E740481C1C}">
+                <a14:useLocalDpi xmlns:a14="http://schemas.microsoft.com/office/drawing/2010/main" val="0"/>
+              </a:ext>
+            </a:extLst>
+          </a:blip>
+          <a:stretch>
+            <a:fillRect/>
+          </a:stretch>
+        </p:blipFill>
+        <p:spPr>
+          <a:xfrm>
+            <a:off x="7095677" y="5401459"/>
+            <a:ext cx="1750381" cy="319327"/>
+          </a:xfrm>
+          <a:prstGeom prst="rect">
+            <a:avLst/>
+          </a:prstGeom>
+        </p:spPr>
+      </p:pic>
+      <p:sp>
+        <p:nvSpPr>
+          <p:cNvPr id="61" name="ZoneTexte 60"/>
+          <p:cNvSpPr txBox="1"/>
+          <p:nvPr/>
+        </p:nvSpPr>
+        <p:spPr>
+          <a:xfrm>
+            <a:off x="5569789" y="874460"/>
+            <a:ext cx="1776961" cy="276999"/>
+          </a:xfrm>
+          <a:prstGeom prst="rect">
+            <a:avLst/>
+          </a:prstGeom>
+          <a:noFill/>
+        </p:spPr>
+        <p:txBody>
+          <a:bodyPr wrap="none" rtlCol="0">
+            <a:spAutoFit/>
+          </a:bodyPr>
+          <a:lstStyle/>
+          <a:p>
+            <a:r>
+              <a:rPr lang="fr-CH" sz="1200" dirty="0" smtClean="0"/>
+              <a:t>Transformation via fichier</a:t>
+            </a:r>
+            <a:endParaRPr lang="fr-CH" sz="1200" dirty="0"/>
+          </a:p>
+        </p:txBody>
+      </p:sp>
+      <p:pic>
+        <p:nvPicPr>
+          <p:cNvPr id="62" name="Image 61"/>
+          <p:cNvPicPr>
+            <a:picLocks noChangeAspect="1"/>
+          </p:cNvPicPr>
+          <p:nvPr/>
+        </p:nvPicPr>
+        <p:blipFill>
+          <a:blip r:embed="rId6"/>
+          <a:stretch>
+            <a:fillRect/>
+          </a:stretch>
+        </p:blipFill>
+        <p:spPr>
+          <a:xfrm>
+            <a:off x="9390160" y="641221"/>
+            <a:ext cx="466725" cy="447675"/>
+          </a:xfrm>
+          <a:prstGeom prst="rect">
+            <a:avLst/>
+          </a:prstGeom>
+        </p:spPr>
+      </p:pic>
+      <p:sp>
+        <p:nvSpPr>
+          <p:cNvPr id="63" name="Ellipse 62"/>
+          <p:cNvSpPr/>
+          <p:nvPr/>
+        </p:nvSpPr>
+        <p:spPr>
+          <a:xfrm>
+            <a:off x="30027" y="52779"/>
+            <a:ext cx="2832910" cy="991722"/>
+          </a:xfrm>
+          <a:prstGeom prst="ellipse">
+            <a:avLst/>
+          </a:prstGeom>
+        </p:spPr>
+        <p:style>
+          <a:lnRef idx="2">
+            <a:schemeClr val="accent1">
+              <a:shade val="50000"/>
+            </a:schemeClr>
+          </a:lnRef>
+          <a:fillRef idx="1">
+            <a:schemeClr val="accent1"/>
+          </a:fillRef>
+          <a:effectRef idx="0">
+            <a:schemeClr val="accent1"/>
+          </a:effectRef>
+          <a:fontRef idx="minor">
+            <a:schemeClr val="lt1"/>
+          </a:fontRef>
+        </p:style>
+        <p:txBody>
+          <a:bodyPr rtlCol="0" anchor="ctr"/>
+          <a:lstStyle/>
+          <a:p>
+            <a:pPr algn="ctr"/>
+            <a:r>
+              <a:rPr lang="fr-CH" dirty="0" smtClean="0"/>
+              <a:t>2 Possibilité de transformation:</a:t>
+            </a:r>
+          </a:p>
+          <a:p>
+            <a:pPr algn="ctr"/>
+            <a:r>
+              <a:rPr lang="fr-CH" dirty="0" smtClean="0"/>
+              <a:t>Fichier / point</a:t>
+            </a:r>
+            <a:endParaRPr lang="fr-CH" dirty="0"/>
+          </a:p>
+        </p:txBody>
+      </p:sp>
+      <p:cxnSp>
+        <p:nvCxnSpPr>
+          <p:cNvPr id="65" name="Connecteur droit avec flèche 64"/>
+          <p:cNvCxnSpPr/>
+          <p:nvPr/>
+        </p:nvCxnSpPr>
+        <p:spPr>
+          <a:xfrm>
+            <a:off x="2760477" y="448056"/>
+            <a:ext cx="3697792" cy="363115"/>
+          </a:xfrm>
+          <a:prstGeom prst="straightConnector1">
+            <a:avLst/>
+          </a:prstGeom>
+          <a:ln>
+            <a:tailEnd type="triangle"/>
+          </a:ln>
+        </p:spPr>
+        <p:style>
+          <a:lnRef idx="3">
+            <a:schemeClr val="accent1"/>
+          </a:lnRef>
+          <a:fillRef idx="0">
+            <a:schemeClr val="accent1"/>
+          </a:fillRef>
+          <a:effectRef idx="2">
+            <a:schemeClr val="accent1"/>
+          </a:effectRef>
+          <a:fontRef idx="minor">
+            <a:schemeClr val="tx1"/>
+          </a:fontRef>
+        </p:style>
+      </p:cxnSp>
+      <p:cxnSp>
+        <p:nvCxnSpPr>
+          <p:cNvPr id="67" name="Connecteur droit avec flèche 66"/>
+          <p:cNvCxnSpPr>
+            <a:stCxn id="63" idx="5"/>
+            <a:endCxn id="7" idx="1"/>
+          </p:cNvCxnSpPr>
+          <p:nvPr/>
+        </p:nvCxnSpPr>
+        <p:spPr>
+          <a:xfrm>
+            <a:off x="2448067" y="899267"/>
+            <a:ext cx="603606" cy="104292"/>
+          </a:xfrm>
+          <a:prstGeom prst="straightConnector1">
+            <a:avLst/>
+          </a:prstGeom>
+          <a:ln>
+            <a:tailEnd type="triangle"/>
+          </a:ln>
+        </p:spPr>
+        <p:style>
+          <a:lnRef idx="3">
+            <a:schemeClr val="accent1"/>
+          </a:lnRef>
+          <a:fillRef idx="0">
+            <a:schemeClr val="accent1"/>
+          </a:fillRef>
+          <a:effectRef idx="2">
+            <a:schemeClr val="accent1"/>
+          </a:effectRef>
+          <a:fontRef idx="minor">
+            <a:schemeClr val="tx1"/>
+          </a:fontRef>
+        </p:style>
+      </p:cxnSp>
+      <p:sp>
+        <p:nvSpPr>
+          <p:cNvPr id="68" name="Ellipse 67"/>
+          <p:cNvSpPr/>
+          <p:nvPr/>
+        </p:nvSpPr>
+        <p:spPr>
+          <a:xfrm>
+            <a:off x="53067" y="1779527"/>
+            <a:ext cx="2832910" cy="1326652"/>
+          </a:xfrm>
+          <a:prstGeom prst="ellipse">
+            <a:avLst/>
+          </a:prstGeom>
+        </p:spPr>
+        <p:style>
+          <a:lnRef idx="2">
+            <a:schemeClr val="accent1">
+              <a:shade val="50000"/>
+            </a:schemeClr>
+          </a:lnRef>
+          <a:fillRef idx="1">
+            <a:schemeClr val="accent1"/>
+          </a:fillRef>
+          <a:effectRef idx="0">
+            <a:schemeClr val="accent1"/>
+          </a:effectRef>
+          <a:fontRef idx="minor">
+            <a:schemeClr val="lt1"/>
+          </a:fontRef>
+        </p:style>
+        <p:txBody>
+          <a:bodyPr rtlCol="0" anchor="ctr"/>
+          <a:lstStyle/>
+          <a:p>
+            <a:pPr algn="ctr"/>
+            <a:r>
+              <a:rPr lang="fr-CH" dirty="0" smtClean="0"/>
+              <a:t>Nous rentrons les différents paramètre de départ</a:t>
+            </a:r>
+            <a:endParaRPr lang="fr-CH" dirty="0"/>
+          </a:p>
+        </p:txBody>
+      </p:sp>
+      <p:sp>
+        <p:nvSpPr>
+          <p:cNvPr id="69" name="Ellipse 68"/>
+          <p:cNvSpPr/>
+          <p:nvPr/>
+        </p:nvSpPr>
+        <p:spPr>
+          <a:xfrm>
+            <a:off x="41640" y="3578844"/>
+            <a:ext cx="2832910" cy="938292"/>
+          </a:xfrm>
+          <a:prstGeom prst="ellipse">
+            <a:avLst/>
+          </a:prstGeom>
+        </p:spPr>
+        <p:style>
+          <a:lnRef idx="2">
+            <a:schemeClr val="accent1">
+              <a:shade val="50000"/>
+            </a:schemeClr>
+          </a:lnRef>
+          <a:fillRef idx="1">
+            <a:schemeClr val="accent1"/>
+          </a:fillRef>
+          <a:effectRef idx="0">
+            <a:schemeClr val="accent1"/>
+          </a:effectRef>
+          <a:fontRef idx="minor">
+            <a:schemeClr val="lt1"/>
+          </a:fontRef>
+        </p:style>
+        <p:txBody>
+          <a:bodyPr rtlCol="0" anchor="ctr"/>
+          <a:lstStyle/>
+          <a:p>
+            <a:pPr algn="ctr"/>
+            <a:r>
+              <a:rPr lang="fr-CH" dirty="0" smtClean="0"/>
+              <a:t>Nous choisissons les systèmes d’arrivées</a:t>
+            </a:r>
+            <a:endParaRPr lang="fr-CH" dirty="0"/>
+          </a:p>
+        </p:txBody>
+      </p:sp>
+      <p:sp>
+        <p:nvSpPr>
+          <p:cNvPr id="70" name="Ellipse 69"/>
+          <p:cNvSpPr/>
+          <p:nvPr/>
+        </p:nvSpPr>
+        <p:spPr>
+          <a:xfrm>
+            <a:off x="11683" y="5197332"/>
+            <a:ext cx="2832910" cy="938292"/>
+          </a:xfrm>
+          <a:prstGeom prst="ellipse">
+            <a:avLst/>
+          </a:prstGeom>
+        </p:spPr>
+        <p:style>
+          <a:lnRef idx="2">
+            <a:schemeClr val="accent1">
+              <a:shade val="50000"/>
+            </a:schemeClr>
+          </a:lnRef>
+          <a:fillRef idx="1">
+            <a:schemeClr val="accent1"/>
+          </a:fillRef>
+          <a:effectRef idx="0">
+            <a:schemeClr val="accent1"/>
+          </a:effectRef>
+          <a:fontRef idx="minor">
+            <a:schemeClr val="lt1"/>
+          </a:fontRef>
+        </p:style>
+        <p:txBody>
+          <a:bodyPr rtlCol="0" anchor="ctr"/>
+          <a:lstStyle/>
+          <a:p>
+            <a:pPr algn="ctr"/>
+            <a:r>
+              <a:rPr lang="fr-CH" dirty="0" smtClean="0"/>
+              <a:t>Calculer la transfo ou ajouter à la carte</a:t>
+            </a:r>
+            <a:endParaRPr lang="fr-CH" dirty="0"/>
+          </a:p>
+        </p:txBody>
+      </p:sp>
     </p:spTree>
     <p:extLst>
       <p:ext uri="{BB962C8B-B14F-4D97-AF65-F5344CB8AC3E}">
         <p14:creationId xmlns:p14="http://schemas.microsoft.com/office/powerpoint/2010/main" val="3943842937"/>
+      </p:ext>
+    </p:extLst>
+  </p:cSld>
+  <p:clrMapOvr>
+    <a:masterClrMapping/>
+  </p:clrMapOvr>
+  <p:timing>
+    <p:tnLst>
+      <p:par>
+        <p:cTn id="1" dur="indefinite" restart="never" nodeType="tmRoot"/>
+      </p:par>
+    </p:tnLst>
+  </p:timing>
+</p:sld>
+</file>
+
+<file path=ppt/slides/slide6.xml><?xml version="1.0" encoding="utf-8"?>
+<p:sld xmlns:a="http://schemas.openxmlformats.org/drawingml/2006/main" xmlns:r="http://schemas.openxmlformats.org/officeDocument/2006/relationships" xmlns:p="http://schemas.openxmlformats.org/presentationml/2006/main">
+  <p:cSld>
+    <p:bg>
+      <p:bgPr>
+        <a:blipFill dpi="0" rotWithShape="1">
+          <a:blip r:embed="rId2">
+            <a:lum/>
+          </a:blip>
+          <a:srcRect/>
+          <a:stretch>
+            <a:fillRect/>
+          </a:stretch>
+        </a:blipFill>
+        <a:effectLst/>
+      </p:bgPr>
+    </p:bg>
+    <p:spTree>
+      <p:nvGrpSpPr>
+        <p:cNvPr id="1" name=""/>
+        <p:cNvGrpSpPr/>
+        <p:nvPr/>
+      </p:nvGrpSpPr>
+      <p:grpSpPr>
+        <a:xfrm>
+          <a:off x="0" y="0"/>
+          <a:ext cx="0" cy="0"/>
+          <a:chOff x="0" y="0"/>
+          <a:chExt cx="0" cy="0"/>
+        </a:xfrm>
+      </p:grpSpPr>
+      <p:sp>
+        <p:nvSpPr>
+          <p:cNvPr id="2" name="Rectangle 1"/>
+          <p:cNvSpPr/>
+          <p:nvPr/>
+        </p:nvSpPr>
+        <p:spPr>
+          <a:xfrm>
+            <a:off x="2523744" y="548640"/>
+            <a:ext cx="7488936" cy="5486400"/>
+          </a:xfrm>
+          <a:prstGeom prst="rect">
+            <a:avLst/>
+          </a:prstGeom>
+        </p:spPr>
+        <p:style>
+          <a:lnRef idx="2">
+            <a:schemeClr val="dk1"/>
+          </a:lnRef>
+          <a:fillRef idx="1">
+            <a:schemeClr val="lt1"/>
+          </a:fillRef>
+          <a:effectRef idx="0">
+            <a:schemeClr val="dk1"/>
+          </a:effectRef>
+          <a:fontRef idx="minor">
+            <a:schemeClr val="dk1"/>
+          </a:fontRef>
+        </p:style>
+        <p:txBody>
+          <a:bodyPr rtlCol="0" anchor="ctr"/>
+          <a:lstStyle/>
+          <a:p>
+            <a:pPr algn="ctr"/>
+            <a:endParaRPr lang="fr-CH" dirty="0"/>
+          </a:p>
+        </p:txBody>
+      </p:sp>
+      <p:sp>
+        <p:nvSpPr>
+          <p:cNvPr id="5" name="Forme libre 4"/>
+          <p:cNvSpPr/>
+          <p:nvPr/>
+        </p:nvSpPr>
+        <p:spPr>
+          <a:xfrm>
+            <a:off x="2898648" y="794162"/>
+            <a:ext cx="6739128" cy="5076285"/>
+          </a:xfrm>
+          <a:custGeom>
+            <a:avLst/>
+            <a:gdLst>
+              <a:gd name="connsiteX0" fmla="*/ 0 w 6793992"/>
+              <a:gd name="connsiteY0" fmla="*/ 0 h 3849624"/>
+              <a:gd name="connsiteX1" fmla="*/ 2066544 w 6793992"/>
+              <a:gd name="connsiteY1" fmla="*/ 0 h 3849624"/>
+              <a:gd name="connsiteX2" fmla="*/ 2066544 w 6793992"/>
+              <a:gd name="connsiteY2" fmla="*/ 338328 h 3849624"/>
+              <a:gd name="connsiteX3" fmla="*/ 6793992 w 6793992"/>
+              <a:gd name="connsiteY3" fmla="*/ 338328 h 3849624"/>
+              <a:gd name="connsiteX4" fmla="*/ 6793992 w 6793992"/>
+              <a:gd name="connsiteY4" fmla="*/ 3849624 h 3849624"/>
+              <a:gd name="connsiteX5" fmla="*/ 54864 w 6793992"/>
+              <a:gd name="connsiteY5" fmla="*/ 3849624 h 3849624"/>
+              <a:gd name="connsiteX6" fmla="*/ 54864 w 6793992"/>
+              <a:gd name="connsiteY6" fmla="*/ 0 h 3849624"/>
+              <a:gd name="connsiteX0" fmla="*/ 122936 w 6739128"/>
+              <a:gd name="connsiteY0" fmla="*/ 0 h 3849624"/>
+              <a:gd name="connsiteX1" fmla="*/ 2011680 w 6739128"/>
+              <a:gd name="connsiteY1" fmla="*/ 0 h 3849624"/>
+              <a:gd name="connsiteX2" fmla="*/ 2011680 w 6739128"/>
+              <a:gd name="connsiteY2" fmla="*/ 338328 h 3849624"/>
+              <a:gd name="connsiteX3" fmla="*/ 6739128 w 6739128"/>
+              <a:gd name="connsiteY3" fmla="*/ 338328 h 3849624"/>
+              <a:gd name="connsiteX4" fmla="*/ 6739128 w 6739128"/>
+              <a:gd name="connsiteY4" fmla="*/ 3849624 h 3849624"/>
+              <a:gd name="connsiteX5" fmla="*/ 0 w 6739128"/>
+              <a:gd name="connsiteY5" fmla="*/ 3849624 h 3849624"/>
+              <a:gd name="connsiteX6" fmla="*/ 0 w 6739128"/>
+              <a:gd name="connsiteY6" fmla="*/ 0 h 3849624"/>
+              <a:gd name="connsiteX0" fmla="*/ 2011680 w 6739128"/>
+              <a:gd name="connsiteY0" fmla="*/ 0 h 3849624"/>
+              <a:gd name="connsiteX1" fmla="*/ 2011680 w 6739128"/>
+              <a:gd name="connsiteY1" fmla="*/ 338328 h 3849624"/>
+              <a:gd name="connsiteX2" fmla="*/ 6739128 w 6739128"/>
+              <a:gd name="connsiteY2" fmla="*/ 338328 h 3849624"/>
+              <a:gd name="connsiteX3" fmla="*/ 6739128 w 6739128"/>
+              <a:gd name="connsiteY3" fmla="*/ 3849624 h 3849624"/>
+              <a:gd name="connsiteX4" fmla="*/ 0 w 6739128"/>
+              <a:gd name="connsiteY4" fmla="*/ 3849624 h 3849624"/>
+              <a:gd name="connsiteX5" fmla="*/ 0 w 6739128"/>
+              <a:gd name="connsiteY5" fmla="*/ 0 h 3849624"/>
+              <a:gd name="connsiteX0" fmla="*/ 2011680 w 6739128"/>
+              <a:gd name="connsiteY0" fmla="*/ 0 h 3849624"/>
+              <a:gd name="connsiteX1" fmla="*/ 2011680 w 6739128"/>
+              <a:gd name="connsiteY1" fmla="*/ 338328 h 3849624"/>
+              <a:gd name="connsiteX2" fmla="*/ 6739128 w 6739128"/>
+              <a:gd name="connsiteY2" fmla="*/ 338328 h 3849624"/>
+              <a:gd name="connsiteX3" fmla="*/ 6739128 w 6739128"/>
+              <a:gd name="connsiteY3" fmla="*/ 3849624 h 3849624"/>
+              <a:gd name="connsiteX4" fmla="*/ 0 w 6739128"/>
+              <a:gd name="connsiteY4" fmla="*/ 3849624 h 3849624"/>
+              <a:gd name="connsiteX5" fmla="*/ 0 w 6739128"/>
+              <a:gd name="connsiteY5" fmla="*/ 0 h 3849624"/>
+              <a:gd name="connsiteX6" fmla="*/ 2011680 w 6739128"/>
+              <a:gd name="connsiteY6" fmla="*/ 0 h 3849624"/>
+              <a:gd name="connsiteX0" fmla="*/ 2011680 w 6739128"/>
+              <a:gd name="connsiteY0" fmla="*/ 0 h 3849624"/>
+              <a:gd name="connsiteX1" fmla="*/ 2552700 w 6739128"/>
+              <a:gd name="connsiteY1" fmla="*/ 330708 h 3849624"/>
+              <a:gd name="connsiteX2" fmla="*/ 6739128 w 6739128"/>
+              <a:gd name="connsiteY2" fmla="*/ 338328 h 3849624"/>
+              <a:gd name="connsiteX3" fmla="*/ 6739128 w 6739128"/>
+              <a:gd name="connsiteY3" fmla="*/ 3849624 h 3849624"/>
+              <a:gd name="connsiteX4" fmla="*/ 0 w 6739128"/>
+              <a:gd name="connsiteY4" fmla="*/ 3849624 h 3849624"/>
+              <a:gd name="connsiteX5" fmla="*/ 0 w 6739128"/>
+              <a:gd name="connsiteY5" fmla="*/ 0 h 3849624"/>
+              <a:gd name="connsiteX6" fmla="*/ 2011680 w 6739128"/>
+              <a:gd name="connsiteY6" fmla="*/ 0 h 3849624"/>
+              <a:gd name="connsiteX0" fmla="*/ 2545080 w 6739128"/>
+              <a:gd name="connsiteY0" fmla="*/ 7620 h 3849624"/>
+              <a:gd name="connsiteX1" fmla="*/ 2552700 w 6739128"/>
+              <a:gd name="connsiteY1" fmla="*/ 330708 h 3849624"/>
+              <a:gd name="connsiteX2" fmla="*/ 6739128 w 6739128"/>
+              <a:gd name="connsiteY2" fmla="*/ 338328 h 3849624"/>
+              <a:gd name="connsiteX3" fmla="*/ 6739128 w 6739128"/>
+              <a:gd name="connsiteY3" fmla="*/ 3849624 h 3849624"/>
+              <a:gd name="connsiteX4" fmla="*/ 0 w 6739128"/>
+              <a:gd name="connsiteY4" fmla="*/ 3849624 h 3849624"/>
+              <a:gd name="connsiteX5" fmla="*/ 0 w 6739128"/>
+              <a:gd name="connsiteY5" fmla="*/ 0 h 3849624"/>
+              <a:gd name="connsiteX6" fmla="*/ 2545080 w 6739128"/>
+              <a:gd name="connsiteY6" fmla="*/ 7620 h 3849624"/>
+            </a:gdLst>
+            <a:ahLst/>
+            <a:cxnLst>
+              <a:cxn ang="0">
+                <a:pos x="connsiteX0" y="connsiteY0"/>
+              </a:cxn>
+              <a:cxn ang="0">
+                <a:pos x="connsiteX1" y="connsiteY1"/>
+              </a:cxn>
+              <a:cxn ang="0">
+                <a:pos x="connsiteX2" y="connsiteY2"/>
+              </a:cxn>
+              <a:cxn ang="0">
+                <a:pos x="connsiteX3" y="connsiteY3"/>
+              </a:cxn>
+              <a:cxn ang="0">
+                <a:pos x="connsiteX4" y="connsiteY4"/>
+              </a:cxn>
+              <a:cxn ang="0">
+                <a:pos x="connsiteX5" y="connsiteY5"/>
+              </a:cxn>
+              <a:cxn ang="0">
+                <a:pos x="connsiteX6" y="connsiteY6"/>
+              </a:cxn>
+            </a:cxnLst>
+            <a:rect l="l" t="t" r="r" b="b"/>
+            <a:pathLst>
+              <a:path w="6739128" h="3849624">
+                <a:moveTo>
+                  <a:pt x="2545080" y="7620"/>
+                </a:moveTo>
+                <a:lnTo>
+                  <a:pt x="2552700" y="330708"/>
+                </a:lnTo>
+                <a:lnTo>
+                  <a:pt x="6739128" y="338328"/>
+                </a:lnTo>
+                <a:lnTo>
+                  <a:pt x="6739128" y="3849624"/>
+                </a:lnTo>
+                <a:lnTo>
+                  <a:pt x="0" y="3849624"/>
+                </a:lnTo>
+                <a:lnTo>
+                  <a:pt x="0" y="0"/>
+                </a:lnTo>
+                <a:lnTo>
+                  <a:pt x="2545080" y="7620"/>
+                </a:lnTo>
+                <a:close/>
+              </a:path>
+            </a:pathLst>
+          </a:custGeom>
+          <a:solidFill>
+            <a:schemeClr val="bg1">
+              <a:lumMod val="95000"/>
+            </a:schemeClr>
+          </a:solidFill>
+          <a:ln>
+            <a:solidFill>
+              <a:schemeClr val="tx1"/>
+            </a:solidFill>
+          </a:ln>
+        </p:spPr>
+        <p:style>
+          <a:lnRef idx="2">
+            <a:schemeClr val="accent1">
+              <a:shade val="50000"/>
+            </a:schemeClr>
+          </a:lnRef>
+          <a:fillRef idx="1">
+            <a:schemeClr val="accent1"/>
+          </a:fillRef>
+          <a:effectRef idx="0">
+            <a:schemeClr val="accent1"/>
+          </a:effectRef>
+          <a:fontRef idx="minor">
+            <a:schemeClr val="lt1"/>
+          </a:fontRef>
+        </p:style>
+        <p:txBody>
+          <a:bodyPr rtlCol="0" anchor="ctr"/>
+          <a:lstStyle/>
+          <a:p>
+            <a:pPr algn="ctr"/>
+            <a:endParaRPr lang="fr-CH" dirty="0"/>
+          </a:p>
+        </p:txBody>
+      </p:sp>
+      <p:sp>
+        <p:nvSpPr>
+          <p:cNvPr id="6" name="Rectangle 5"/>
+          <p:cNvSpPr/>
+          <p:nvPr/>
+        </p:nvSpPr>
+        <p:spPr>
+          <a:xfrm>
+            <a:off x="5455215" y="811171"/>
+            <a:ext cx="2329754" cy="420094"/>
+          </a:xfrm>
+          <a:prstGeom prst="rect">
+            <a:avLst/>
+          </a:prstGeom>
+          <a:solidFill>
+            <a:schemeClr val="bg1">
+              <a:lumMod val="95000"/>
+            </a:schemeClr>
+          </a:solidFill>
+        </p:spPr>
+        <p:style>
+          <a:lnRef idx="2">
+            <a:schemeClr val="accent3">
+              <a:shade val="50000"/>
+            </a:schemeClr>
+          </a:lnRef>
+          <a:fillRef idx="1">
+            <a:schemeClr val="accent3"/>
+          </a:fillRef>
+          <a:effectRef idx="0">
+            <a:schemeClr val="accent3"/>
+          </a:effectRef>
+          <a:fontRef idx="minor">
+            <a:schemeClr val="lt1"/>
+          </a:fontRef>
+        </p:style>
+        <p:txBody>
+          <a:bodyPr rtlCol="0" anchor="ctr"/>
+          <a:lstStyle/>
+          <a:p>
+            <a:pPr algn="ctr"/>
+            <a:endParaRPr lang="fr-CH"/>
+          </a:p>
+        </p:txBody>
+      </p:sp>
+      <p:sp>
+        <p:nvSpPr>
+          <p:cNvPr id="7" name="ZoneTexte 6"/>
+          <p:cNvSpPr txBox="1"/>
+          <p:nvPr/>
+        </p:nvSpPr>
+        <p:spPr>
+          <a:xfrm>
+            <a:off x="3051673" y="865059"/>
+            <a:ext cx="1776961" cy="276999"/>
+          </a:xfrm>
+          <a:prstGeom prst="rect">
+            <a:avLst/>
+          </a:prstGeom>
+          <a:noFill/>
+        </p:spPr>
+        <p:txBody>
+          <a:bodyPr wrap="none" rtlCol="0">
+            <a:spAutoFit/>
+          </a:bodyPr>
+          <a:lstStyle/>
+          <a:p>
+            <a:r>
+              <a:rPr lang="fr-CH" sz="1200" dirty="0" smtClean="0"/>
+              <a:t>Transformation via fichier</a:t>
+            </a:r>
+            <a:endParaRPr lang="fr-CH" sz="1200" dirty="0"/>
+          </a:p>
+        </p:txBody>
+      </p:sp>
+      <p:sp>
+        <p:nvSpPr>
+          <p:cNvPr id="12" name="ZoneTexte 11"/>
+          <p:cNvSpPr txBox="1"/>
+          <p:nvPr/>
+        </p:nvSpPr>
+        <p:spPr>
+          <a:xfrm>
+            <a:off x="3051673" y="2956092"/>
+            <a:ext cx="1413849" cy="276999"/>
+          </a:xfrm>
+          <a:prstGeom prst="rect">
+            <a:avLst/>
+          </a:prstGeom>
+          <a:noFill/>
+        </p:spPr>
+        <p:txBody>
+          <a:bodyPr wrap="none" rtlCol="0">
+            <a:spAutoFit/>
+          </a:bodyPr>
+          <a:lstStyle/>
+          <a:p>
+            <a:r>
+              <a:rPr lang="fr-CH" sz="1200" b="1" dirty="0" smtClean="0"/>
+              <a:t>Système de départ:</a:t>
+            </a:r>
+            <a:endParaRPr lang="fr-CH" sz="1200" b="1" dirty="0"/>
+          </a:p>
+        </p:txBody>
+      </p:sp>
+      <p:pic>
+        <p:nvPicPr>
+          <p:cNvPr id="16" name="Image 15"/>
+          <p:cNvPicPr>
+            <a:picLocks noChangeAspect="1"/>
+          </p:cNvPicPr>
+          <p:nvPr/>
+        </p:nvPicPr>
+        <p:blipFill>
+          <a:blip r:embed="rId3">
+            <a:extLst>
+              <a:ext uri="{28A0092B-C50C-407E-A947-70E740481C1C}">
+                <a14:useLocalDpi xmlns:a14="http://schemas.microsoft.com/office/drawing/2010/main" val="0"/>
+              </a:ext>
+            </a:extLst>
+          </a:blip>
+          <a:stretch>
+            <a:fillRect/>
+          </a:stretch>
+        </p:blipFill>
+        <p:spPr>
+          <a:xfrm>
+            <a:off x="3102024" y="3443567"/>
+            <a:ext cx="1640341" cy="308440"/>
+          </a:xfrm>
+          <a:prstGeom prst="rect">
+            <a:avLst/>
+          </a:prstGeom>
+        </p:spPr>
+      </p:pic>
+      <p:sp>
+        <p:nvSpPr>
+          <p:cNvPr id="13" name="ZoneTexte 12"/>
+          <p:cNvSpPr txBox="1"/>
+          <p:nvPr/>
+        </p:nvSpPr>
+        <p:spPr>
+          <a:xfrm>
+            <a:off x="3132504" y="3458807"/>
+            <a:ext cx="1354858" cy="261610"/>
+          </a:xfrm>
+          <a:prstGeom prst="rect">
+            <a:avLst/>
+          </a:prstGeom>
+          <a:noFill/>
+        </p:spPr>
+        <p:txBody>
+          <a:bodyPr wrap="none" rtlCol="0">
+            <a:spAutoFit/>
+          </a:bodyPr>
+          <a:lstStyle/>
+          <a:p>
+            <a:r>
+              <a:rPr lang="fr-CH" sz="1100" dirty="0" smtClean="0"/>
+              <a:t>CH1903+ EPSG:2056</a:t>
+            </a:r>
+            <a:endParaRPr lang="fr-CH" sz="1100" dirty="0"/>
+          </a:p>
+        </p:txBody>
+      </p:sp>
+      <p:sp>
+        <p:nvSpPr>
+          <p:cNvPr id="17" name="ZoneTexte 16"/>
+          <p:cNvSpPr txBox="1"/>
+          <p:nvPr/>
+        </p:nvSpPr>
+        <p:spPr>
+          <a:xfrm>
+            <a:off x="3051673" y="3222680"/>
+            <a:ext cx="843501" cy="261610"/>
+          </a:xfrm>
+          <a:prstGeom prst="rect">
+            <a:avLst/>
+          </a:prstGeom>
+          <a:noFill/>
+        </p:spPr>
+        <p:txBody>
+          <a:bodyPr wrap="none" rtlCol="0">
+            <a:spAutoFit/>
+          </a:bodyPr>
+          <a:lstStyle/>
+          <a:p>
+            <a:r>
+              <a:rPr lang="fr-CH" sz="1100" dirty="0" smtClean="0"/>
+              <a:t>Planimétrie</a:t>
+            </a:r>
+            <a:endParaRPr lang="fr-CH" sz="1100" dirty="0"/>
+          </a:p>
+        </p:txBody>
+      </p:sp>
+      <p:pic>
+        <p:nvPicPr>
+          <p:cNvPr id="18" name="Image 17"/>
+          <p:cNvPicPr>
+            <a:picLocks noChangeAspect="1"/>
+          </p:cNvPicPr>
+          <p:nvPr/>
+        </p:nvPicPr>
+        <p:blipFill>
+          <a:blip r:embed="rId3">
+            <a:extLst>
+              <a:ext uri="{28A0092B-C50C-407E-A947-70E740481C1C}">
+                <a14:useLocalDpi xmlns:a14="http://schemas.microsoft.com/office/drawing/2010/main" val="0"/>
+              </a:ext>
+            </a:extLst>
+          </a:blip>
+          <a:stretch>
+            <a:fillRect/>
+          </a:stretch>
+        </p:blipFill>
+        <p:spPr>
+          <a:xfrm>
+            <a:off x="7193641" y="3443567"/>
+            <a:ext cx="1640341" cy="308440"/>
+          </a:xfrm>
+          <a:prstGeom prst="rect">
+            <a:avLst/>
+          </a:prstGeom>
+        </p:spPr>
+      </p:pic>
+      <p:sp>
+        <p:nvSpPr>
+          <p:cNvPr id="19" name="ZoneTexte 18"/>
+          <p:cNvSpPr txBox="1"/>
+          <p:nvPr/>
+        </p:nvSpPr>
+        <p:spPr>
+          <a:xfrm>
+            <a:off x="7224121" y="3458807"/>
+            <a:ext cx="611065" cy="261610"/>
+          </a:xfrm>
+          <a:prstGeom prst="rect">
+            <a:avLst/>
+          </a:prstGeom>
+          <a:noFill/>
+        </p:spPr>
+        <p:txBody>
+          <a:bodyPr wrap="none" rtlCol="0">
+            <a:spAutoFit/>
+          </a:bodyPr>
+          <a:lstStyle/>
+          <a:p>
+            <a:r>
+              <a:rPr lang="fr-CH" sz="1100" dirty="0" smtClean="0"/>
+              <a:t>RAN 95</a:t>
+            </a:r>
+            <a:endParaRPr lang="fr-CH" sz="1100" dirty="0"/>
+          </a:p>
+        </p:txBody>
+      </p:sp>
+      <p:sp>
+        <p:nvSpPr>
+          <p:cNvPr id="20" name="ZoneTexte 19"/>
+          <p:cNvSpPr txBox="1"/>
+          <p:nvPr/>
+        </p:nvSpPr>
+        <p:spPr>
+          <a:xfrm>
+            <a:off x="7143290" y="3222680"/>
+            <a:ext cx="758541" cy="261610"/>
+          </a:xfrm>
+          <a:prstGeom prst="rect">
+            <a:avLst/>
+          </a:prstGeom>
+          <a:noFill/>
+        </p:spPr>
+        <p:txBody>
+          <a:bodyPr wrap="none" rtlCol="0">
+            <a:spAutoFit/>
+          </a:bodyPr>
+          <a:lstStyle/>
+          <a:p>
+            <a:r>
+              <a:rPr lang="fr-CH" sz="1100" dirty="0" smtClean="0"/>
+              <a:t>Altimétrie</a:t>
+            </a:r>
+            <a:endParaRPr lang="fr-CH" sz="1100" dirty="0"/>
+          </a:p>
+        </p:txBody>
+      </p:sp>
+      <p:sp>
+        <p:nvSpPr>
+          <p:cNvPr id="31" name="ZoneTexte 30"/>
+          <p:cNvSpPr txBox="1"/>
+          <p:nvPr/>
+        </p:nvSpPr>
+        <p:spPr>
+          <a:xfrm>
+            <a:off x="3052357" y="4128108"/>
+            <a:ext cx="1353256" cy="276999"/>
+          </a:xfrm>
+          <a:prstGeom prst="rect">
+            <a:avLst/>
+          </a:prstGeom>
+          <a:noFill/>
+        </p:spPr>
+        <p:txBody>
+          <a:bodyPr wrap="none" rtlCol="0">
+            <a:spAutoFit/>
+          </a:bodyPr>
+          <a:lstStyle/>
+          <a:p>
+            <a:r>
+              <a:rPr lang="fr-CH" sz="1200" b="1" dirty="0" smtClean="0"/>
+              <a:t>Système d’arrivée:</a:t>
+            </a:r>
+            <a:endParaRPr lang="fr-CH" sz="1200" b="1" dirty="0"/>
+          </a:p>
+        </p:txBody>
+      </p:sp>
+      <p:pic>
+        <p:nvPicPr>
+          <p:cNvPr id="32" name="Image 31"/>
+          <p:cNvPicPr>
+            <a:picLocks noChangeAspect="1"/>
+          </p:cNvPicPr>
+          <p:nvPr/>
+        </p:nvPicPr>
+        <p:blipFill>
+          <a:blip r:embed="rId3">
+            <a:extLst>
+              <a:ext uri="{28A0092B-C50C-407E-A947-70E740481C1C}">
+                <a14:useLocalDpi xmlns:a14="http://schemas.microsoft.com/office/drawing/2010/main" val="0"/>
+              </a:ext>
+            </a:extLst>
+          </a:blip>
+          <a:stretch>
+            <a:fillRect/>
+          </a:stretch>
+        </p:blipFill>
+        <p:spPr>
+          <a:xfrm>
+            <a:off x="3132504" y="4581810"/>
+            <a:ext cx="1640341" cy="308440"/>
+          </a:xfrm>
+          <a:prstGeom prst="rect">
+            <a:avLst/>
+          </a:prstGeom>
+        </p:spPr>
+      </p:pic>
+      <p:sp>
+        <p:nvSpPr>
+          <p:cNvPr id="33" name="ZoneTexte 32"/>
+          <p:cNvSpPr txBox="1"/>
+          <p:nvPr/>
+        </p:nvSpPr>
+        <p:spPr>
+          <a:xfrm>
+            <a:off x="3162984" y="4597050"/>
+            <a:ext cx="1207382" cy="261610"/>
+          </a:xfrm>
+          <a:prstGeom prst="rect">
+            <a:avLst/>
+          </a:prstGeom>
+          <a:noFill/>
+        </p:spPr>
+        <p:txBody>
+          <a:bodyPr wrap="none" rtlCol="0">
+            <a:spAutoFit/>
+          </a:bodyPr>
+          <a:lstStyle/>
+          <a:p>
+            <a:r>
+              <a:rPr lang="fr-CH" sz="1100" dirty="0" smtClean="0"/>
+              <a:t>RGF93 EPSG:2154</a:t>
+            </a:r>
+            <a:endParaRPr lang="fr-CH" sz="1100" dirty="0"/>
+          </a:p>
+        </p:txBody>
+      </p:sp>
+      <p:sp>
+        <p:nvSpPr>
+          <p:cNvPr id="34" name="ZoneTexte 33"/>
+          <p:cNvSpPr txBox="1"/>
+          <p:nvPr/>
+        </p:nvSpPr>
+        <p:spPr>
+          <a:xfrm>
+            <a:off x="3082153" y="4360923"/>
+            <a:ext cx="843501" cy="261610"/>
+          </a:xfrm>
+          <a:prstGeom prst="rect">
+            <a:avLst/>
+          </a:prstGeom>
+          <a:noFill/>
+        </p:spPr>
+        <p:txBody>
+          <a:bodyPr wrap="none" rtlCol="0">
+            <a:spAutoFit/>
+          </a:bodyPr>
+          <a:lstStyle/>
+          <a:p>
+            <a:r>
+              <a:rPr lang="fr-CH" sz="1100" dirty="0" smtClean="0"/>
+              <a:t>Planimétrie</a:t>
+            </a:r>
+            <a:endParaRPr lang="fr-CH" sz="1100" dirty="0"/>
+          </a:p>
+        </p:txBody>
+      </p:sp>
+      <p:pic>
+        <p:nvPicPr>
+          <p:cNvPr id="35" name="Image 34"/>
+          <p:cNvPicPr>
+            <a:picLocks noChangeAspect="1"/>
+          </p:cNvPicPr>
+          <p:nvPr/>
+        </p:nvPicPr>
+        <p:blipFill>
+          <a:blip r:embed="rId3">
+            <a:extLst>
+              <a:ext uri="{28A0092B-C50C-407E-A947-70E740481C1C}">
+                <a14:useLocalDpi xmlns:a14="http://schemas.microsoft.com/office/drawing/2010/main" val="0"/>
+              </a:ext>
+            </a:extLst>
+          </a:blip>
+          <a:stretch>
+            <a:fillRect/>
+          </a:stretch>
+        </p:blipFill>
+        <p:spPr>
+          <a:xfrm>
+            <a:off x="7224121" y="4581810"/>
+            <a:ext cx="1640341" cy="308440"/>
+          </a:xfrm>
+          <a:prstGeom prst="rect">
+            <a:avLst/>
+          </a:prstGeom>
+        </p:spPr>
+      </p:pic>
+      <p:sp>
+        <p:nvSpPr>
+          <p:cNvPr id="36" name="ZoneTexte 35"/>
+          <p:cNvSpPr txBox="1"/>
+          <p:nvPr/>
+        </p:nvSpPr>
+        <p:spPr>
+          <a:xfrm>
+            <a:off x="7254601" y="4597050"/>
+            <a:ext cx="316112" cy="261610"/>
+          </a:xfrm>
+          <a:prstGeom prst="rect">
+            <a:avLst/>
+          </a:prstGeom>
+          <a:noFill/>
+        </p:spPr>
+        <p:txBody>
+          <a:bodyPr wrap="none" rtlCol="0">
+            <a:spAutoFit/>
+          </a:bodyPr>
+          <a:lstStyle/>
+          <a:p>
+            <a:r>
+              <a:rPr lang="fr-CH" sz="1100" dirty="0" smtClean="0"/>
+              <a:t>??</a:t>
+            </a:r>
+            <a:endParaRPr lang="fr-CH" sz="1100" dirty="0"/>
+          </a:p>
+        </p:txBody>
+      </p:sp>
+      <p:sp>
+        <p:nvSpPr>
+          <p:cNvPr id="37" name="ZoneTexte 36"/>
+          <p:cNvSpPr txBox="1"/>
+          <p:nvPr/>
+        </p:nvSpPr>
+        <p:spPr>
+          <a:xfrm>
+            <a:off x="7173770" y="4360923"/>
+            <a:ext cx="758541" cy="261610"/>
+          </a:xfrm>
+          <a:prstGeom prst="rect">
+            <a:avLst/>
+          </a:prstGeom>
+          <a:noFill/>
+        </p:spPr>
+        <p:txBody>
+          <a:bodyPr wrap="none" rtlCol="0">
+            <a:spAutoFit/>
+          </a:bodyPr>
+          <a:lstStyle/>
+          <a:p>
+            <a:r>
+              <a:rPr lang="fr-CH" sz="1100" dirty="0" smtClean="0"/>
+              <a:t>Altimétrie</a:t>
+            </a:r>
+            <a:endParaRPr lang="fr-CH" sz="1100" dirty="0"/>
+          </a:p>
+        </p:txBody>
+      </p:sp>
+      <p:sp>
+        <p:nvSpPr>
+          <p:cNvPr id="38" name="Forme libre 37"/>
+          <p:cNvSpPr/>
+          <p:nvPr/>
+        </p:nvSpPr>
+        <p:spPr>
+          <a:xfrm>
+            <a:off x="3099816" y="4274988"/>
+            <a:ext cx="6300216" cy="785996"/>
+          </a:xfrm>
+          <a:custGeom>
+            <a:avLst/>
+            <a:gdLst>
+              <a:gd name="connsiteX0" fmla="*/ 1243584 w 6300216"/>
+              <a:gd name="connsiteY0" fmla="*/ 0 h 1700784"/>
+              <a:gd name="connsiteX1" fmla="*/ 6300216 w 6300216"/>
+              <a:gd name="connsiteY1" fmla="*/ 0 h 1700784"/>
+              <a:gd name="connsiteX2" fmla="*/ 6300216 w 6300216"/>
+              <a:gd name="connsiteY2" fmla="*/ 1700784 h 1700784"/>
+              <a:gd name="connsiteX3" fmla="*/ 0 w 6300216"/>
+              <a:gd name="connsiteY3" fmla="*/ 1700784 h 1700784"/>
+              <a:gd name="connsiteX4" fmla="*/ 0 w 6300216"/>
+              <a:gd name="connsiteY4" fmla="*/ 0 h 1700784"/>
+            </a:gdLst>
+            <a:ahLst/>
+            <a:cxnLst>
+              <a:cxn ang="0">
+                <a:pos x="connsiteX0" y="connsiteY0"/>
+              </a:cxn>
+              <a:cxn ang="0">
+                <a:pos x="connsiteX1" y="connsiteY1"/>
+              </a:cxn>
+              <a:cxn ang="0">
+                <a:pos x="connsiteX2" y="connsiteY2"/>
+              </a:cxn>
+              <a:cxn ang="0">
+                <a:pos x="connsiteX3" y="connsiteY3"/>
+              </a:cxn>
+              <a:cxn ang="0">
+                <a:pos x="connsiteX4" y="connsiteY4"/>
+              </a:cxn>
+            </a:cxnLst>
+            <a:rect l="l" t="t" r="r" b="b"/>
+            <a:pathLst>
+              <a:path w="6300216" h="1700784">
+                <a:moveTo>
+                  <a:pt x="1243584" y="0"/>
+                </a:moveTo>
+                <a:lnTo>
+                  <a:pt x="6300216" y="0"/>
+                </a:lnTo>
+                <a:lnTo>
+                  <a:pt x="6300216" y="1700784"/>
+                </a:lnTo>
+                <a:lnTo>
+                  <a:pt x="0" y="1700784"/>
+                </a:lnTo>
+                <a:lnTo>
+                  <a:pt x="0" y="0"/>
+                </a:lnTo>
+              </a:path>
+            </a:pathLst>
+          </a:custGeom>
+        </p:spPr>
+        <p:style>
+          <a:lnRef idx="3">
+            <a:schemeClr val="dk1"/>
+          </a:lnRef>
+          <a:fillRef idx="0">
+            <a:schemeClr val="dk1"/>
+          </a:fillRef>
+          <a:effectRef idx="2">
+            <a:schemeClr val="dk1"/>
+          </a:effectRef>
+          <a:fontRef idx="minor">
+            <a:schemeClr val="tx1"/>
+          </a:fontRef>
+        </p:style>
+        <p:txBody>
+          <a:bodyPr rtlCol="0" anchor="ctr"/>
+          <a:lstStyle/>
+          <a:p>
+            <a:pPr algn="ctr"/>
+            <a:endParaRPr lang="fr-CH"/>
+          </a:p>
+        </p:txBody>
+      </p:sp>
+      <p:sp>
+        <p:nvSpPr>
+          <p:cNvPr id="39" name="Forme libre 38"/>
+          <p:cNvSpPr/>
+          <p:nvPr/>
+        </p:nvSpPr>
+        <p:spPr>
+          <a:xfrm>
+            <a:off x="3099816" y="3111053"/>
+            <a:ext cx="6300216" cy="865895"/>
+          </a:xfrm>
+          <a:custGeom>
+            <a:avLst/>
+            <a:gdLst>
+              <a:gd name="connsiteX0" fmla="*/ 1243584 w 6300216"/>
+              <a:gd name="connsiteY0" fmla="*/ 0 h 1700784"/>
+              <a:gd name="connsiteX1" fmla="*/ 6300216 w 6300216"/>
+              <a:gd name="connsiteY1" fmla="*/ 0 h 1700784"/>
+              <a:gd name="connsiteX2" fmla="*/ 6300216 w 6300216"/>
+              <a:gd name="connsiteY2" fmla="*/ 1700784 h 1700784"/>
+              <a:gd name="connsiteX3" fmla="*/ 0 w 6300216"/>
+              <a:gd name="connsiteY3" fmla="*/ 1700784 h 1700784"/>
+              <a:gd name="connsiteX4" fmla="*/ 0 w 6300216"/>
+              <a:gd name="connsiteY4" fmla="*/ 0 h 1700784"/>
+              <a:gd name="connsiteX0" fmla="*/ 1289304 w 6300216"/>
+              <a:gd name="connsiteY0" fmla="*/ 0 h 1700784"/>
+              <a:gd name="connsiteX1" fmla="*/ 6300216 w 6300216"/>
+              <a:gd name="connsiteY1" fmla="*/ 0 h 1700784"/>
+              <a:gd name="connsiteX2" fmla="*/ 6300216 w 6300216"/>
+              <a:gd name="connsiteY2" fmla="*/ 1700784 h 1700784"/>
+              <a:gd name="connsiteX3" fmla="*/ 0 w 6300216"/>
+              <a:gd name="connsiteY3" fmla="*/ 1700784 h 1700784"/>
+              <a:gd name="connsiteX4" fmla="*/ 0 w 6300216"/>
+              <a:gd name="connsiteY4" fmla="*/ 0 h 1700784"/>
+              <a:gd name="connsiteX0" fmla="*/ 1335024 w 6300216"/>
+              <a:gd name="connsiteY0" fmla="*/ 0 h 1700784"/>
+              <a:gd name="connsiteX1" fmla="*/ 6300216 w 6300216"/>
+              <a:gd name="connsiteY1" fmla="*/ 0 h 1700784"/>
+              <a:gd name="connsiteX2" fmla="*/ 6300216 w 6300216"/>
+              <a:gd name="connsiteY2" fmla="*/ 1700784 h 1700784"/>
+              <a:gd name="connsiteX3" fmla="*/ 0 w 6300216"/>
+              <a:gd name="connsiteY3" fmla="*/ 1700784 h 1700784"/>
+              <a:gd name="connsiteX4" fmla="*/ 0 w 6300216"/>
+              <a:gd name="connsiteY4" fmla="*/ 0 h 1700784"/>
+            </a:gdLst>
+            <a:ahLst/>
+            <a:cxnLst>
+              <a:cxn ang="0">
+                <a:pos x="connsiteX0" y="connsiteY0"/>
+              </a:cxn>
+              <a:cxn ang="0">
+                <a:pos x="connsiteX1" y="connsiteY1"/>
+              </a:cxn>
+              <a:cxn ang="0">
+                <a:pos x="connsiteX2" y="connsiteY2"/>
+              </a:cxn>
+              <a:cxn ang="0">
+                <a:pos x="connsiteX3" y="connsiteY3"/>
+              </a:cxn>
+              <a:cxn ang="0">
+                <a:pos x="connsiteX4" y="connsiteY4"/>
+              </a:cxn>
+            </a:cxnLst>
+            <a:rect l="l" t="t" r="r" b="b"/>
+            <a:pathLst>
+              <a:path w="6300216" h="1700784">
+                <a:moveTo>
+                  <a:pt x="1335024" y="0"/>
+                </a:moveTo>
+                <a:lnTo>
+                  <a:pt x="6300216" y="0"/>
+                </a:lnTo>
+                <a:lnTo>
+                  <a:pt x="6300216" y="1700784"/>
+                </a:lnTo>
+                <a:lnTo>
+                  <a:pt x="0" y="1700784"/>
+                </a:lnTo>
+                <a:lnTo>
+                  <a:pt x="0" y="0"/>
+                </a:lnTo>
+              </a:path>
+            </a:pathLst>
+          </a:custGeom>
+        </p:spPr>
+        <p:style>
+          <a:lnRef idx="3">
+            <a:schemeClr val="dk1"/>
+          </a:lnRef>
+          <a:fillRef idx="0">
+            <a:schemeClr val="dk1"/>
+          </a:fillRef>
+          <a:effectRef idx="2">
+            <a:schemeClr val="dk1"/>
+          </a:effectRef>
+          <a:fontRef idx="minor">
+            <a:schemeClr val="tx1"/>
+          </a:fontRef>
+        </p:style>
+        <p:txBody>
+          <a:bodyPr rtlCol="0" anchor="ctr"/>
+          <a:lstStyle/>
+          <a:p>
+            <a:pPr algn="ctr"/>
+            <a:endParaRPr lang="fr-CH"/>
+          </a:p>
+        </p:txBody>
+      </p:sp>
+      <p:pic>
+        <p:nvPicPr>
+          <p:cNvPr id="59" name="Image 58"/>
+          <p:cNvPicPr>
+            <a:picLocks noChangeAspect="1"/>
+          </p:cNvPicPr>
+          <p:nvPr/>
+        </p:nvPicPr>
+        <p:blipFill>
+          <a:blip r:embed="rId4">
+            <a:extLst>
+              <a:ext uri="{28A0092B-C50C-407E-A947-70E740481C1C}">
+                <a14:useLocalDpi xmlns:a14="http://schemas.microsoft.com/office/drawing/2010/main" val="0"/>
+              </a:ext>
+            </a:extLst>
+          </a:blip>
+          <a:stretch>
+            <a:fillRect/>
+          </a:stretch>
+        </p:blipFill>
+        <p:spPr>
+          <a:xfrm>
+            <a:off x="3646887" y="5405813"/>
+            <a:ext cx="1198111" cy="310621"/>
+          </a:xfrm>
+          <a:prstGeom prst="rect">
+            <a:avLst/>
+          </a:prstGeom>
+        </p:spPr>
+      </p:pic>
+      <p:pic>
+        <p:nvPicPr>
+          <p:cNvPr id="60" name="Image 59"/>
+          <p:cNvPicPr>
+            <a:picLocks noChangeAspect="1"/>
+          </p:cNvPicPr>
+          <p:nvPr/>
+        </p:nvPicPr>
+        <p:blipFill>
+          <a:blip r:embed="rId5">
+            <a:extLst>
+              <a:ext uri="{28A0092B-C50C-407E-A947-70E740481C1C}">
+                <a14:useLocalDpi xmlns:a14="http://schemas.microsoft.com/office/drawing/2010/main" val="0"/>
+              </a:ext>
+            </a:extLst>
+          </a:blip>
+          <a:stretch>
+            <a:fillRect/>
+          </a:stretch>
+        </p:blipFill>
+        <p:spPr>
+          <a:xfrm>
+            <a:off x="7095677" y="5401459"/>
+            <a:ext cx="1750381" cy="319327"/>
+          </a:xfrm>
+          <a:prstGeom prst="rect">
+            <a:avLst/>
+          </a:prstGeom>
+        </p:spPr>
+      </p:pic>
+      <p:sp>
+        <p:nvSpPr>
+          <p:cNvPr id="61" name="ZoneTexte 60"/>
+          <p:cNvSpPr txBox="1"/>
+          <p:nvPr/>
+        </p:nvSpPr>
+        <p:spPr>
+          <a:xfrm>
+            <a:off x="5514925" y="874460"/>
+            <a:ext cx="2179123" cy="276999"/>
+          </a:xfrm>
+          <a:prstGeom prst="rect">
+            <a:avLst/>
+          </a:prstGeom>
+          <a:noFill/>
+        </p:spPr>
+        <p:txBody>
+          <a:bodyPr wrap="none" rtlCol="0">
+            <a:spAutoFit/>
+          </a:bodyPr>
+          <a:lstStyle/>
+          <a:p>
+            <a:r>
+              <a:rPr lang="fr-CH" sz="1200" dirty="0" smtClean="0"/>
+              <a:t>Transformation de coordonnées</a:t>
+            </a:r>
+            <a:endParaRPr lang="fr-CH" sz="1200" dirty="0"/>
+          </a:p>
+        </p:txBody>
+      </p:sp>
+      <p:pic>
+        <p:nvPicPr>
+          <p:cNvPr id="3" name="Image 2"/>
+          <p:cNvPicPr>
+            <a:picLocks noChangeAspect="1"/>
+          </p:cNvPicPr>
+          <p:nvPr/>
+        </p:nvPicPr>
+        <p:blipFill>
+          <a:blip r:embed="rId6">
+            <a:extLst>
+              <a:ext uri="{28A0092B-C50C-407E-A947-70E740481C1C}">
+                <a14:useLocalDpi xmlns:a14="http://schemas.microsoft.com/office/drawing/2010/main" val="0"/>
+              </a:ext>
+            </a:extLst>
+          </a:blip>
+          <a:stretch>
+            <a:fillRect/>
+          </a:stretch>
+        </p:blipFill>
+        <p:spPr>
+          <a:xfrm>
+            <a:off x="3099816" y="1399143"/>
+            <a:ext cx="1892139" cy="331124"/>
+          </a:xfrm>
+          <a:prstGeom prst="rect">
+            <a:avLst/>
+          </a:prstGeom>
+        </p:spPr>
+      </p:pic>
+      <p:sp>
+        <p:nvSpPr>
+          <p:cNvPr id="70" name="ZoneTexte 69"/>
+          <p:cNvSpPr txBox="1"/>
+          <p:nvPr/>
+        </p:nvSpPr>
+        <p:spPr>
+          <a:xfrm>
+            <a:off x="3051673" y="1837877"/>
+            <a:ext cx="1103892" cy="276999"/>
+          </a:xfrm>
+          <a:prstGeom prst="rect">
+            <a:avLst/>
+          </a:prstGeom>
+          <a:noFill/>
+        </p:spPr>
+        <p:txBody>
+          <a:bodyPr wrap="none" rtlCol="0">
+            <a:spAutoFit/>
+          </a:bodyPr>
+          <a:lstStyle/>
+          <a:p>
+            <a:r>
+              <a:rPr lang="fr-CH" sz="1200" b="1" dirty="0" smtClean="0"/>
+              <a:t>Détails fichier:</a:t>
+            </a:r>
+            <a:endParaRPr lang="fr-CH" sz="1200" b="1" dirty="0"/>
+          </a:p>
+        </p:txBody>
+      </p:sp>
+      <p:sp>
+        <p:nvSpPr>
+          <p:cNvPr id="73" name="ZoneTexte 72"/>
+          <p:cNvSpPr txBox="1"/>
+          <p:nvPr/>
+        </p:nvSpPr>
+        <p:spPr>
+          <a:xfrm>
+            <a:off x="3051673" y="2104465"/>
+            <a:ext cx="817853" cy="261610"/>
+          </a:xfrm>
+          <a:prstGeom prst="rect">
+            <a:avLst/>
+          </a:prstGeom>
+          <a:noFill/>
+        </p:spPr>
+        <p:txBody>
+          <a:bodyPr wrap="none" rtlCol="0">
+            <a:spAutoFit/>
+          </a:bodyPr>
+          <a:lstStyle/>
+          <a:p>
+            <a:r>
+              <a:rPr lang="fr-CH" sz="1100" dirty="0" smtClean="0"/>
+              <a:t>Séparateur</a:t>
+            </a:r>
+            <a:endParaRPr lang="fr-CH" sz="1100" dirty="0"/>
+          </a:p>
+        </p:txBody>
+      </p:sp>
+      <p:sp>
+        <p:nvSpPr>
+          <p:cNvPr id="77" name="Forme libre 76"/>
+          <p:cNvSpPr/>
+          <p:nvPr/>
+        </p:nvSpPr>
+        <p:spPr>
+          <a:xfrm>
+            <a:off x="3099816" y="1992838"/>
+            <a:ext cx="6300216" cy="865895"/>
+          </a:xfrm>
+          <a:custGeom>
+            <a:avLst/>
+            <a:gdLst>
+              <a:gd name="connsiteX0" fmla="*/ 1243584 w 6300216"/>
+              <a:gd name="connsiteY0" fmla="*/ 0 h 1700784"/>
+              <a:gd name="connsiteX1" fmla="*/ 6300216 w 6300216"/>
+              <a:gd name="connsiteY1" fmla="*/ 0 h 1700784"/>
+              <a:gd name="connsiteX2" fmla="*/ 6300216 w 6300216"/>
+              <a:gd name="connsiteY2" fmla="*/ 1700784 h 1700784"/>
+              <a:gd name="connsiteX3" fmla="*/ 0 w 6300216"/>
+              <a:gd name="connsiteY3" fmla="*/ 1700784 h 1700784"/>
+              <a:gd name="connsiteX4" fmla="*/ 0 w 6300216"/>
+              <a:gd name="connsiteY4" fmla="*/ 0 h 1700784"/>
+              <a:gd name="connsiteX0" fmla="*/ 1289304 w 6300216"/>
+              <a:gd name="connsiteY0" fmla="*/ 0 h 1700784"/>
+              <a:gd name="connsiteX1" fmla="*/ 6300216 w 6300216"/>
+              <a:gd name="connsiteY1" fmla="*/ 0 h 1700784"/>
+              <a:gd name="connsiteX2" fmla="*/ 6300216 w 6300216"/>
+              <a:gd name="connsiteY2" fmla="*/ 1700784 h 1700784"/>
+              <a:gd name="connsiteX3" fmla="*/ 0 w 6300216"/>
+              <a:gd name="connsiteY3" fmla="*/ 1700784 h 1700784"/>
+              <a:gd name="connsiteX4" fmla="*/ 0 w 6300216"/>
+              <a:gd name="connsiteY4" fmla="*/ 0 h 1700784"/>
+              <a:gd name="connsiteX0" fmla="*/ 1335024 w 6300216"/>
+              <a:gd name="connsiteY0" fmla="*/ 0 h 1700784"/>
+              <a:gd name="connsiteX1" fmla="*/ 6300216 w 6300216"/>
+              <a:gd name="connsiteY1" fmla="*/ 0 h 1700784"/>
+              <a:gd name="connsiteX2" fmla="*/ 6300216 w 6300216"/>
+              <a:gd name="connsiteY2" fmla="*/ 1700784 h 1700784"/>
+              <a:gd name="connsiteX3" fmla="*/ 0 w 6300216"/>
+              <a:gd name="connsiteY3" fmla="*/ 1700784 h 1700784"/>
+              <a:gd name="connsiteX4" fmla="*/ 0 w 6300216"/>
+              <a:gd name="connsiteY4" fmla="*/ 0 h 1700784"/>
+              <a:gd name="connsiteX0" fmla="*/ 978408 w 6300216"/>
+              <a:gd name="connsiteY0" fmla="*/ 0 h 1700784"/>
+              <a:gd name="connsiteX1" fmla="*/ 6300216 w 6300216"/>
+              <a:gd name="connsiteY1" fmla="*/ 0 h 1700784"/>
+              <a:gd name="connsiteX2" fmla="*/ 6300216 w 6300216"/>
+              <a:gd name="connsiteY2" fmla="*/ 1700784 h 1700784"/>
+              <a:gd name="connsiteX3" fmla="*/ 0 w 6300216"/>
+              <a:gd name="connsiteY3" fmla="*/ 1700784 h 1700784"/>
+              <a:gd name="connsiteX4" fmla="*/ 0 w 6300216"/>
+              <a:gd name="connsiteY4" fmla="*/ 0 h 1700784"/>
+              <a:gd name="connsiteX0" fmla="*/ 1005840 w 6300216"/>
+              <a:gd name="connsiteY0" fmla="*/ 0 h 1700784"/>
+              <a:gd name="connsiteX1" fmla="*/ 6300216 w 6300216"/>
+              <a:gd name="connsiteY1" fmla="*/ 0 h 1700784"/>
+              <a:gd name="connsiteX2" fmla="*/ 6300216 w 6300216"/>
+              <a:gd name="connsiteY2" fmla="*/ 1700784 h 1700784"/>
+              <a:gd name="connsiteX3" fmla="*/ 0 w 6300216"/>
+              <a:gd name="connsiteY3" fmla="*/ 1700784 h 1700784"/>
+              <a:gd name="connsiteX4" fmla="*/ 0 w 6300216"/>
+              <a:gd name="connsiteY4" fmla="*/ 0 h 1700784"/>
+            </a:gdLst>
+            <a:ahLst/>
+            <a:cxnLst>
+              <a:cxn ang="0">
+                <a:pos x="connsiteX0" y="connsiteY0"/>
+              </a:cxn>
+              <a:cxn ang="0">
+                <a:pos x="connsiteX1" y="connsiteY1"/>
+              </a:cxn>
+              <a:cxn ang="0">
+                <a:pos x="connsiteX2" y="connsiteY2"/>
+              </a:cxn>
+              <a:cxn ang="0">
+                <a:pos x="connsiteX3" y="connsiteY3"/>
+              </a:cxn>
+              <a:cxn ang="0">
+                <a:pos x="connsiteX4" y="connsiteY4"/>
+              </a:cxn>
+            </a:cxnLst>
+            <a:rect l="l" t="t" r="r" b="b"/>
+            <a:pathLst>
+              <a:path w="6300216" h="1700784">
+                <a:moveTo>
+                  <a:pt x="1005840" y="0"/>
+                </a:moveTo>
+                <a:lnTo>
+                  <a:pt x="6300216" y="0"/>
+                </a:lnTo>
+                <a:lnTo>
+                  <a:pt x="6300216" y="1700784"/>
+                </a:lnTo>
+                <a:lnTo>
+                  <a:pt x="0" y="1700784"/>
+                </a:lnTo>
+                <a:lnTo>
+                  <a:pt x="0" y="0"/>
+                </a:lnTo>
+              </a:path>
+            </a:pathLst>
+          </a:custGeom>
+        </p:spPr>
+        <p:style>
+          <a:lnRef idx="3">
+            <a:schemeClr val="dk1"/>
+          </a:lnRef>
+          <a:fillRef idx="0">
+            <a:schemeClr val="dk1"/>
+          </a:fillRef>
+          <a:effectRef idx="2">
+            <a:schemeClr val="dk1"/>
+          </a:effectRef>
+          <a:fontRef idx="minor">
+            <a:schemeClr val="tx1"/>
+          </a:fontRef>
+        </p:style>
+        <p:txBody>
+          <a:bodyPr rtlCol="0" anchor="ctr"/>
+          <a:lstStyle/>
+          <a:p>
+            <a:pPr algn="ctr"/>
+            <a:endParaRPr lang="fr-CH"/>
+          </a:p>
+        </p:txBody>
+      </p:sp>
+      <p:pic>
+        <p:nvPicPr>
+          <p:cNvPr id="4" name="Image 3"/>
+          <p:cNvPicPr>
+            <a:picLocks noChangeAspect="1"/>
+          </p:cNvPicPr>
+          <p:nvPr/>
+        </p:nvPicPr>
+        <p:blipFill>
+          <a:blip r:embed="rId7">
+            <a:extLst>
+              <a:ext uri="{28A0092B-C50C-407E-A947-70E740481C1C}">
+                <a14:useLocalDpi xmlns:a14="http://schemas.microsoft.com/office/drawing/2010/main" val="0"/>
+              </a:ext>
+            </a:extLst>
+          </a:blip>
+          <a:stretch>
+            <a:fillRect/>
+          </a:stretch>
+        </p:blipFill>
+        <p:spPr>
+          <a:xfrm>
+            <a:off x="3151826" y="2321553"/>
+            <a:ext cx="704154" cy="316038"/>
+          </a:xfrm>
+          <a:prstGeom prst="rect">
+            <a:avLst/>
+          </a:prstGeom>
+        </p:spPr>
+      </p:pic>
+      <p:sp>
+        <p:nvSpPr>
+          <p:cNvPr id="78" name="ZoneTexte 77"/>
+          <p:cNvSpPr txBox="1"/>
+          <p:nvPr/>
+        </p:nvSpPr>
+        <p:spPr>
+          <a:xfrm>
+            <a:off x="4223354" y="2361035"/>
+            <a:ext cx="712054" cy="261610"/>
+          </a:xfrm>
+          <a:prstGeom prst="rect">
+            <a:avLst/>
+          </a:prstGeom>
+          <a:noFill/>
+        </p:spPr>
+        <p:txBody>
+          <a:bodyPr wrap="none" rtlCol="0">
+            <a:spAutoFit/>
+          </a:bodyPr>
+          <a:lstStyle/>
+          <a:p>
+            <a:r>
+              <a:rPr lang="fr-CH" sz="1100" dirty="0" smtClean="0"/>
+              <a:t>Colonnes</a:t>
+            </a:r>
+            <a:endParaRPr lang="fr-CH" sz="1100" dirty="0"/>
+          </a:p>
+        </p:txBody>
+      </p:sp>
+      <p:sp>
+        <p:nvSpPr>
+          <p:cNvPr id="79" name="ZoneTexte 78"/>
+          <p:cNvSpPr txBox="1"/>
+          <p:nvPr/>
+        </p:nvSpPr>
+        <p:spPr>
+          <a:xfrm>
+            <a:off x="4839753" y="2109594"/>
+            <a:ext cx="655949" cy="261610"/>
+          </a:xfrm>
+          <a:prstGeom prst="rect">
+            <a:avLst/>
+          </a:prstGeom>
+          <a:noFill/>
+        </p:spPr>
+        <p:txBody>
+          <a:bodyPr wrap="none" rtlCol="0">
+            <a:spAutoFit/>
+          </a:bodyPr>
+          <a:lstStyle/>
+          <a:p>
+            <a:r>
+              <a:rPr lang="fr-CH" sz="1100" dirty="0" smtClean="0"/>
+              <a:t>Numéro</a:t>
+            </a:r>
+            <a:endParaRPr lang="fr-CH" sz="1100" dirty="0"/>
+          </a:p>
+        </p:txBody>
+      </p:sp>
+      <p:sp>
+        <p:nvSpPr>
+          <p:cNvPr id="80" name="ZoneTexte 79"/>
+          <p:cNvSpPr txBox="1"/>
+          <p:nvPr/>
+        </p:nvSpPr>
+        <p:spPr>
+          <a:xfrm>
+            <a:off x="5473292" y="2114876"/>
+            <a:ext cx="681597" cy="261610"/>
+          </a:xfrm>
+          <a:prstGeom prst="rect">
+            <a:avLst/>
+          </a:prstGeom>
+          <a:noFill/>
+        </p:spPr>
+        <p:txBody>
+          <a:bodyPr wrap="none" rtlCol="0">
+            <a:spAutoFit/>
+          </a:bodyPr>
+          <a:lstStyle/>
+          <a:p>
+            <a:r>
+              <a:rPr lang="fr-CH" sz="1100" dirty="0" smtClean="0"/>
+              <a:t>Est/Long</a:t>
+            </a:r>
+            <a:endParaRPr lang="fr-CH" sz="1100" dirty="0"/>
+          </a:p>
+        </p:txBody>
+      </p:sp>
+      <p:sp>
+        <p:nvSpPr>
+          <p:cNvPr id="81" name="ZoneTexte 80"/>
+          <p:cNvSpPr txBox="1"/>
+          <p:nvPr/>
+        </p:nvSpPr>
+        <p:spPr>
+          <a:xfrm>
+            <a:off x="6139048" y="2112502"/>
+            <a:ext cx="700833" cy="261610"/>
+          </a:xfrm>
+          <a:prstGeom prst="rect">
+            <a:avLst/>
+          </a:prstGeom>
+          <a:noFill/>
+        </p:spPr>
+        <p:txBody>
+          <a:bodyPr wrap="none" rtlCol="0">
+            <a:spAutoFit/>
+          </a:bodyPr>
+          <a:lstStyle/>
+          <a:p>
+            <a:r>
+              <a:rPr lang="fr-CH" sz="1100" dirty="0" smtClean="0"/>
+              <a:t>Nord/</a:t>
+            </a:r>
+            <a:r>
+              <a:rPr lang="fr-CH" sz="1100" dirty="0" err="1" smtClean="0"/>
+              <a:t>Lat</a:t>
+            </a:r>
+            <a:endParaRPr lang="fr-CH" sz="1100" dirty="0"/>
+          </a:p>
+        </p:txBody>
+      </p:sp>
+      <p:sp>
+        <p:nvSpPr>
+          <p:cNvPr id="82" name="ZoneTexte 81"/>
+          <p:cNvSpPr txBox="1"/>
+          <p:nvPr/>
+        </p:nvSpPr>
+        <p:spPr>
+          <a:xfrm>
+            <a:off x="6885793" y="2112629"/>
+            <a:ext cx="641522" cy="261610"/>
+          </a:xfrm>
+          <a:prstGeom prst="rect">
+            <a:avLst/>
+          </a:prstGeom>
+          <a:noFill/>
+        </p:spPr>
+        <p:txBody>
+          <a:bodyPr wrap="none" rtlCol="0">
+            <a:spAutoFit/>
+          </a:bodyPr>
+          <a:lstStyle/>
+          <a:p>
+            <a:r>
+              <a:rPr lang="fr-CH" sz="1100" dirty="0" smtClean="0"/>
+              <a:t>Altitude</a:t>
+            </a:r>
+            <a:endParaRPr lang="fr-CH" sz="1100" dirty="0"/>
+          </a:p>
+        </p:txBody>
+      </p:sp>
+      <p:sp>
+        <p:nvSpPr>
+          <p:cNvPr id="83" name="ZoneTexte 82"/>
+          <p:cNvSpPr txBox="1"/>
+          <p:nvPr/>
+        </p:nvSpPr>
+        <p:spPr>
+          <a:xfrm>
+            <a:off x="7526690" y="2099425"/>
+            <a:ext cx="955711" cy="261610"/>
+          </a:xfrm>
+          <a:prstGeom prst="rect">
+            <a:avLst/>
+          </a:prstGeom>
+          <a:noFill/>
+        </p:spPr>
+        <p:txBody>
+          <a:bodyPr wrap="none" rtlCol="0">
+            <a:spAutoFit/>
+          </a:bodyPr>
+          <a:lstStyle/>
+          <a:p>
+            <a:r>
+              <a:rPr lang="fr-CH" sz="1100" dirty="0" smtClean="0"/>
+              <a:t>Déviation </a:t>
+            </a:r>
+            <a:r>
+              <a:rPr lang="fr-CH" sz="1100" dirty="0" smtClean="0">
+                <a:latin typeface="Symbol" panose="05050102010706020507" pitchFamily="18" charset="2"/>
+              </a:rPr>
+              <a:t>h/x</a:t>
+            </a:r>
+            <a:endParaRPr lang="fr-CH" sz="1100" dirty="0"/>
+          </a:p>
+        </p:txBody>
+      </p:sp>
+      <p:sp>
+        <p:nvSpPr>
+          <p:cNvPr id="84" name="ZoneTexte 83"/>
+          <p:cNvSpPr txBox="1"/>
+          <p:nvPr/>
+        </p:nvSpPr>
+        <p:spPr>
+          <a:xfrm>
+            <a:off x="8474332" y="2105978"/>
+            <a:ext cx="869149" cy="261610"/>
+          </a:xfrm>
+          <a:prstGeom prst="rect">
+            <a:avLst/>
+          </a:prstGeom>
+          <a:noFill/>
+        </p:spPr>
+        <p:txBody>
+          <a:bodyPr wrap="none" rtlCol="0">
+            <a:spAutoFit/>
+          </a:bodyPr>
+          <a:lstStyle/>
+          <a:p>
+            <a:r>
+              <a:rPr lang="fr-CH" sz="1100" dirty="0" smtClean="0"/>
+              <a:t>Cote </a:t>
+            </a:r>
+            <a:r>
+              <a:rPr lang="fr-CH" sz="1100" dirty="0" err="1" smtClean="0"/>
+              <a:t>géoide</a:t>
+            </a:r>
+            <a:endParaRPr lang="fr-CH" sz="1100" dirty="0"/>
+          </a:p>
+        </p:txBody>
+      </p:sp>
+      <p:pic>
+        <p:nvPicPr>
+          <p:cNvPr id="10" name="Image 9"/>
+          <p:cNvPicPr>
+            <a:picLocks noChangeAspect="1"/>
+          </p:cNvPicPr>
+          <p:nvPr/>
+        </p:nvPicPr>
+        <p:blipFill>
+          <a:blip r:embed="rId8">
+            <a:extLst>
+              <a:ext uri="{28A0092B-C50C-407E-A947-70E740481C1C}">
+                <a14:useLocalDpi xmlns:a14="http://schemas.microsoft.com/office/drawing/2010/main" val="0"/>
+              </a:ext>
+            </a:extLst>
+          </a:blip>
+          <a:stretch>
+            <a:fillRect/>
+          </a:stretch>
+        </p:blipFill>
+        <p:spPr>
+          <a:xfrm>
+            <a:off x="4953751" y="2347869"/>
+            <a:ext cx="379945" cy="298111"/>
+          </a:xfrm>
+          <a:prstGeom prst="rect">
+            <a:avLst/>
+          </a:prstGeom>
+        </p:spPr>
+      </p:pic>
+      <p:sp>
+        <p:nvSpPr>
+          <p:cNvPr id="85" name="ZoneTexte 84"/>
+          <p:cNvSpPr txBox="1"/>
+          <p:nvPr/>
+        </p:nvSpPr>
+        <p:spPr>
+          <a:xfrm>
+            <a:off x="4944535" y="2366075"/>
+            <a:ext cx="256802" cy="261610"/>
+          </a:xfrm>
+          <a:prstGeom prst="rect">
+            <a:avLst/>
+          </a:prstGeom>
+          <a:noFill/>
+        </p:spPr>
+        <p:txBody>
+          <a:bodyPr wrap="none" rtlCol="0">
+            <a:spAutoFit/>
+          </a:bodyPr>
+          <a:lstStyle/>
+          <a:p>
+            <a:r>
+              <a:rPr lang="fr-CH" sz="1100" dirty="0" smtClean="0"/>
+              <a:t>1</a:t>
+            </a:r>
+            <a:endParaRPr lang="fr-CH" sz="1100" dirty="0"/>
+          </a:p>
+        </p:txBody>
+      </p:sp>
+      <p:pic>
+        <p:nvPicPr>
+          <p:cNvPr id="86" name="Image 85"/>
+          <p:cNvPicPr>
+            <a:picLocks noChangeAspect="1"/>
+          </p:cNvPicPr>
+          <p:nvPr/>
+        </p:nvPicPr>
+        <p:blipFill>
+          <a:blip r:embed="rId8">
+            <a:extLst>
+              <a:ext uri="{28A0092B-C50C-407E-A947-70E740481C1C}">
+                <a14:useLocalDpi xmlns:a14="http://schemas.microsoft.com/office/drawing/2010/main" val="0"/>
+              </a:ext>
+            </a:extLst>
+          </a:blip>
+          <a:stretch>
+            <a:fillRect/>
+          </a:stretch>
+        </p:blipFill>
+        <p:spPr>
+          <a:xfrm>
+            <a:off x="5622723" y="2347869"/>
+            <a:ext cx="379945" cy="298111"/>
+          </a:xfrm>
+          <a:prstGeom prst="rect">
+            <a:avLst/>
+          </a:prstGeom>
+        </p:spPr>
+      </p:pic>
+      <p:sp>
+        <p:nvSpPr>
+          <p:cNvPr id="87" name="ZoneTexte 86"/>
+          <p:cNvSpPr txBox="1"/>
+          <p:nvPr/>
+        </p:nvSpPr>
+        <p:spPr>
+          <a:xfrm>
+            <a:off x="5613507" y="2366075"/>
+            <a:ext cx="256802" cy="261610"/>
+          </a:xfrm>
+          <a:prstGeom prst="rect">
+            <a:avLst/>
+          </a:prstGeom>
+          <a:noFill/>
+        </p:spPr>
+        <p:txBody>
+          <a:bodyPr wrap="none" rtlCol="0">
+            <a:spAutoFit/>
+          </a:bodyPr>
+          <a:lstStyle/>
+          <a:p>
+            <a:r>
+              <a:rPr lang="fr-CH" sz="1100" dirty="0"/>
+              <a:t>2</a:t>
+            </a:r>
+            <a:endParaRPr lang="fr-CH" sz="1100" dirty="0"/>
+          </a:p>
+        </p:txBody>
+      </p:sp>
+      <p:pic>
+        <p:nvPicPr>
+          <p:cNvPr id="88" name="Image 87"/>
+          <p:cNvPicPr>
+            <a:picLocks noChangeAspect="1"/>
+          </p:cNvPicPr>
+          <p:nvPr/>
+        </p:nvPicPr>
+        <p:blipFill>
+          <a:blip r:embed="rId8">
+            <a:extLst>
+              <a:ext uri="{28A0092B-C50C-407E-A947-70E740481C1C}">
+                <a14:useLocalDpi xmlns:a14="http://schemas.microsoft.com/office/drawing/2010/main" val="0"/>
+              </a:ext>
+            </a:extLst>
+          </a:blip>
+          <a:stretch>
+            <a:fillRect/>
+          </a:stretch>
+        </p:blipFill>
+        <p:spPr>
+          <a:xfrm>
+            <a:off x="6333324" y="2347869"/>
+            <a:ext cx="379945" cy="298111"/>
+          </a:xfrm>
+          <a:prstGeom prst="rect">
+            <a:avLst/>
+          </a:prstGeom>
+        </p:spPr>
+      </p:pic>
+      <p:sp>
+        <p:nvSpPr>
+          <p:cNvPr id="89" name="ZoneTexte 88"/>
+          <p:cNvSpPr txBox="1"/>
+          <p:nvPr/>
+        </p:nvSpPr>
+        <p:spPr>
+          <a:xfrm>
+            <a:off x="6324108" y="2366075"/>
+            <a:ext cx="256802" cy="261610"/>
+          </a:xfrm>
+          <a:prstGeom prst="rect">
+            <a:avLst/>
+          </a:prstGeom>
+          <a:noFill/>
+        </p:spPr>
+        <p:txBody>
+          <a:bodyPr wrap="none" rtlCol="0">
+            <a:spAutoFit/>
+          </a:bodyPr>
+          <a:lstStyle/>
+          <a:p>
+            <a:r>
+              <a:rPr lang="fr-CH" sz="1100" dirty="0" smtClean="0"/>
+              <a:t>3</a:t>
+            </a:r>
+            <a:endParaRPr lang="fr-CH" sz="1100" dirty="0"/>
+          </a:p>
+        </p:txBody>
+      </p:sp>
+      <p:pic>
+        <p:nvPicPr>
+          <p:cNvPr id="90" name="Image 89"/>
+          <p:cNvPicPr>
+            <a:picLocks noChangeAspect="1"/>
+          </p:cNvPicPr>
+          <p:nvPr/>
+        </p:nvPicPr>
+        <p:blipFill>
+          <a:blip r:embed="rId8">
+            <a:extLst>
+              <a:ext uri="{28A0092B-C50C-407E-A947-70E740481C1C}">
+                <a14:useLocalDpi xmlns:a14="http://schemas.microsoft.com/office/drawing/2010/main" val="0"/>
+              </a:ext>
+            </a:extLst>
+          </a:blip>
+          <a:stretch>
+            <a:fillRect/>
+          </a:stretch>
+        </p:blipFill>
+        <p:spPr>
+          <a:xfrm>
+            <a:off x="7029289" y="2344974"/>
+            <a:ext cx="379945" cy="298111"/>
+          </a:xfrm>
+          <a:prstGeom prst="rect">
+            <a:avLst/>
+          </a:prstGeom>
+        </p:spPr>
+      </p:pic>
+      <p:sp>
+        <p:nvSpPr>
+          <p:cNvPr id="91" name="ZoneTexte 90"/>
+          <p:cNvSpPr txBox="1"/>
+          <p:nvPr/>
+        </p:nvSpPr>
+        <p:spPr>
+          <a:xfrm>
+            <a:off x="7020073" y="2363180"/>
+            <a:ext cx="256802" cy="261610"/>
+          </a:xfrm>
+          <a:prstGeom prst="rect">
+            <a:avLst/>
+          </a:prstGeom>
+          <a:noFill/>
+        </p:spPr>
+        <p:txBody>
+          <a:bodyPr wrap="none" rtlCol="0">
+            <a:spAutoFit/>
+          </a:bodyPr>
+          <a:lstStyle/>
+          <a:p>
+            <a:r>
+              <a:rPr lang="fr-CH" sz="1100" dirty="0"/>
+              <a:t>4</a:t>
+            </a:r>
+            <a:endParaRPr lang="fr-CH" sz="1100" dirty="0"/>
+          </a:p>
+        </p:txBody>
+      </p:sp>
+      <p:pic>
+        <p:nvPicPr>
+          <p:cNvPr id="92" name="Image 91"/>
+          <p:cNvPicPr>
+            <a:picLocks noChangeAspect="1"/>
+          </p:cNvPicPr>
+          <p:nvPr/>
+        </p:nvPicPr>
+        <p:blipFill>
+          <a:blip r:embed="rId8">
+            <a:extLst>
+              <a:ext uri="{28A0092B-C50C-407E-A947-70E740481C1C}">
+                <a14:useLocalDpi xmlns:a14="http://schemas.microsoft.com/office/drawing/2010/main" val="0"/>
+              </a:ext>
+            </a:extLst>
+          </a:blip>
+          <a:stretch>
+            <a:fillRect/>
+          </a:stretch>
+        </p:blipFill>
+        <p:spPr>
+          <a:xfrm>
+            <a:off x="7842746" y="2344974"/>
+            <a:ext cx="379945" cy="298111"/>
+          </a:xfrm>
+          <a:prstGeom prst="rect">
+            <a:avLst/>
+          </a:prstGeom>
+        </p:spPr>
+      </p:pic>
+      <p:sp>
+        <p:nvSpPr>
+          <p:cNvPr id="93" name="ZoneTexte 92"/>
+          <p:cNvSpPr txBox="1"/>
+          <p:nvPr/>
+        </p:nvSpPr>
+        <p:spPr>
+          <a:xfrm>
+            <a:off x="7796954" y="2363180"/>
+            <a:ext cx="383438" cy="261610"/>
+          </a:xfrm>
+          <a:prstGeom prst="rect">
+            <a:avLst/>
+          </a:prstGeom>
+          <a:noFill/>
+        </p:spPr>
+        <p:txBody>
+          <a:bodyPr wrap="none" rtlCol="0">
+            <a:spAutoFit/>
+          </a:bodyPr>
+          <a:lstStyle/>
+          <a:p>
+            <a:r>
+              <a:rPr lang="fr-CH" sz="1100" dirty="0" smtClean="0"/>
+              <a:t>5/6</a:t>
+            </a:r>
+            <a:endParaRPr lang="fr-CH" sz="1100" dirty="0"/>
+          </a:p>
+        </p:txBody>
+      </p:sp>
+      <p:pic>
+        <p:nvPicPr>
+          <p:cNvPr id="94" name="Image 93"/>
+          <p:cNvPicPr>
+            <a:picLocks noChangeAspect="1"/>
+          </p:cNvPicPr>
+          <p:nvPr/>
+        </p:nvPicPr>
+        <p:blipFill>
+          <a:blip r:embed="rId8">
+            <a:extLst>
+              <a:ext uri="{28A0092B-C50C-407E-A947-70E740481C1C}">
+                <a14:useLocalDpi xmlns:a14="http://schemas.microsoft.com/office/drawing/2010/main" val="0"/>
+              </a:ext>
+            </a:extLst>
+          </a:blip>
+          <a:stretch>
+            <a:fillRect/>
+          </a:stretch>
+        </p:blipFill>
+        <p:spPr>
+          <a:xfrm>
+            <a:off x="8695959" y="2344974"/>
+            <a:ext cx="379945" cy="298111"/>
+          </a:xfrm>
+          <a:prstGeom prst="rect">
+            <a:avLst/>
+          </a:prstGeom>
+        </p:spPr>
+      </p:pic>
+      <p:sp>
+        <p:nvSpPr>
+          <p:cNvPr id="95" name="ZoneTexte 94"/>
+          <p:cNvSpPr txBox="1"/>
+          <p:nvPr/>
+        </p:nvSpPr>
+        <p:spPr>
+          <a:xfrm>
+            <a:off x="8686743" y="2363180"/>
+            <a:ext cx="256802" cy="261610"/>
+          </a:xfrm>
+          <a:prstGeom prst="rect">
+            <a:avLst/>
+          </a:prstGeom>
+          <a:noFill/>
+        </p:spPr>
+        <p:txBody>
+          <a:bodyPr wrap="none" rtlCol="0">
+            <a:spAutoFit/>
+          </a:bodyPr>
+          <a:lstStyle/>
+          <a:p>
+            <a:r>
+              <a:rPr lang="fr-CH" sz="1100" dirty="0"/>
+              <a:t>7</a:t>
+            </a:r>
+            <a:endParaRPr lang="fr-CH" sz="1100" dirty="0"/>
+          </a:p>
+        </p:txBody>
+      </p:sp>
+      <p:pic>
+        <p:nvPicPr>
+          <p:cNvPr id="96" name="Image 95"/>
+          <p:cNvPicPr>
+            <a:picLocks noChangeAspect="1"/>
+          </p:cNvPicPr>
+          <p:nvPr/>
+        </p:nvPicPr>
+        <p:blipFill>
+          <a:blip r:embed="rId9"/>
+          <a:stretch>
+            <a:fillRect/>
+          </a:stretch>
+        </p:blipFill>
+        <p:spPr>
+          <a:xfrm>
+            <a:off x="9390160" y="641221"/>
+            <a:ext cx="466725" cy="447675"/>
+          </a:xfrm>
+          <a:prstGeom prst="rect">
+            <a:avLst/>
+          </a:prstGeom>
+        </p:spPr>
+      </p:pic>
+      <p:sp>
+        <p:nvSpPr>
+          <p:cNvPr id="97" name="Ellipse 96"/>
+          <p:cNvSpPr/>
+          <p:nvPr/>
+        </p:nvSpPr>
+        <p:spPr>
+          <a:xfrm>
+            <a:off x="56567" y="1929924"/>
+            <a:ext cx="2832910" cy="991722"/>
+          </a:xfrm>
+          <a:prstGeom prst="ellipse">
+            <a:avLst/>
+          </a:prstGeom>
+        </p:spPr>
+        <p:style>
+          <a:lnRef idx="2">
+            <a:schemeClr val="accent1">
+              <a:shade val="50000"/>
+            </a:schemeClr>
+          </a:lnRef>
+          <a:fillRef idx="1">
+            <a:schemeClr val="accent1"/>
+          </a:fillRef>
+          <a:effectRef idx="0">
+            <a:schemeClr val="accent1"/>
+          </a:effectRef>
+          <a:fontRef idx="minor">
+            <a:schemeClr val="lt1"/>
+          </a:fontRef>
+        </p:style>
+        <p:txBody>
+          <a:bodyPr rtlCol="0" anchor="ctr"/>
+          <a:lstStyle/>
+          <a:p>
+            <a:pPr algn="ctr"/>
+            <a:r>
+              <a:rPr lang="fr-CH" dirty="0" smtClean="0"/>
+              <a:t>Spécifier les séparateurs et le colonne du fichier</a:t>
+            </a:r>
+            <a:endParaRPr lang="fr-CH" dirty="0"/>
+          </a:p>
+        </p:txBody>
+      </p:sp>
+    </p:spTree>
+    <p:extLst>
+      <p:ext uri="{BB962C8B-B14F-4D97-AF65-F5344CB8AC3E}">
+        <p14:creationId xmlns:p14="http://schemas.microsoft.com/office/powerpoint/2010/main" val="3332733840"/>
+      </p:ext>
+    </p:extLst>
+  </p:cSld>
+  <p:clrMapOvr>
+    <a:masterClrMapping/>
+  </p:clrMapOvr>
+  <p:timing>
+    <p:tnLst>
+      <p:par>
+        <p:cTn id="1" dur="indefinite" restart="never" nodeType="tmRoot"/>
+      </p:par>
+    </p:tnLst>
+  </p:timing>
+</p:sld>
+</file>
+
+<file path=ppt/slides/slide7.xml><?xml version="1.0" encoding="utf-8"?>
+<p:sld xmlns:a="http://schemas.openxmlformats.org/drawingml/2006/main" xmlns:r="http://schemas.openxmlformats.org/officeDocument/2006/relationships" xmlns:p="http://schemas.openxmlformats.org/presentationml/2006/main">
+  <p:cSld>
+    <p:bg>
+      <p:bgPr>
+        <a:blipFill dpi="0" rotWithShape="1">
+          <a:blip r:embed="rId2">
+            <a:lum/>
+          </a:blip>
+          <a:srcRect/>
+          <a:stretch>
+            <a:fillRect/>
+          </a:stretch>
+        </a:blipFill>
+        <a:effectLst/>
+      </p:bgPr>
+    </p:bg>
+    <p:spTree>
+      <p:nvGrpSpPr>
+        <p:cNvPr id="1" name=""/>
+        <p:cNvGrpSpPr/>
+        <p:nvPr/>
+      </p:nvGrpSpPr>
+      <p:grpSpPr>
+        <a:xfrm>
+          <a:off x="0" y="0"/>
+          <a:ext cx="0" cy="0"/>
+          <a:chOff x="0" y="0"/>
+          <a:chExt cx="0" cy="0"/>
+        </a:xfrm>
+      </p:grpSpPr>
+      <p:sp>
+        <p:nvSpPr>
+          <p:cNvPr id="2" name="Rectangle 1"/>
+          <p:cNvSpPr/>
+          <p:nvPr/>
+        </p:nvSpPr>
+        <p:spPr>
+          <a:xfrm>
+            <a:off x="2523744" y="548640"/>
+            <a:ext cx="7488936" cy="5486400"/>
+          </a:xfrm>
+          <a:prstGeom prst="rect">
+            <a:avLst/>
+          </a:prstGeom>
+        </p:spPr>
+        <p:style>
+          <a:lnRef idx="2">
+            <a:schemeClr val="dk1"/>
+          </a:lnRef>
+          <a:fillRef idx="1">
+            <a:schemeClr val="lt1"/>
+          </a:fillRef>
+          <a:effectRef idx="0">
+            <a:schemeClr val="dk1"/>
+          </a:effectRef>
+          <a:fontRef idx="minor">
+            <a:schemeClr val="dk1"/>
+          </a:fontRef>
+        </p:style>
+        <p:txBody>
+          <a:bodyPr rtlCol="0" anchor="ctr"/>
+          <a:lstStyle/>
+          <a:p>
+            <a:pPr algn="ctr"/>
+            <a:endParaRPr lang="fr-CH" dirty="0"/>
+          </a:p>
+        </p:txBody>
+      </p:sp>
+      <p:sp>
+        <p:nvSpPr>
+          <p:cNvPr id="5" name="Forme libre 4"/>
+          <p:cNvSpPr/>
+          <p:nvPr/>
+        </p:nvSpPr>
+        <p:spPr>
+          <a:xfrm>
+            <a:off x="2898648" y="794162"/>
+            <a:ext cx="6739128" cy="5076285"/>
+          </a:xfrm>
+          <a:custGeom>
+            <a:avLst/>
+            <a:gdLst>
+              <a:gd name="connsiteX0" fmla="*/ 0 w 6793992"/>
+              <a:gd name="connsiteY0" fmla="*/ 0 h 3849624"/>
+              <a:gd name="connsiteX1" fmla="*/ 2066544 w 6793992"/>
+              <a:gd name="connsiteY1" fmla="*/ 0 h 3849624"/>
+              <a:gd name="connsiteX2" fmla="*/ 2066544 w 6793992"/>
+              <a:gd name="connsiteY2" fmla="*/ 338328 h 3849624"/>
+              <a:gd name="connsiteX3" fmla="*/ 6793992 w 6793992"/>
+              <a:gd name="connsiteY3" fmla="*/ 338328 h 3849624"/>
+              <a:gd name="connsiteX4" fmla="*/ 6793992 w 6793992"/>
+              <a:gd name="connsiteY4" fmla="*/ 3849624 h 3849624"/>
+              <a:gd name="connsiteX5" fmla="*/ 54864 w 6793992"/>
+              <a:gd name="connsiteY5" fmla="*/ 3849624 h 3849624"/>
+              <a:gd name="connsiteX6" fmla="*/ 54864 w 6793992"/>
+              <a:gd name="connsiteY6" fmla="*/ 0 h 3849624"/>
+              <a:gd name="connsiteX0" fmla="*/ 122936 w 6739128"/>
+              <a:gd name="connsiteY0" fmla="*/ 0 h 3849624"/>
+              <a:gd name="connsiteX1" fmla="*/ 2011680 w 6739128"/>
+              <a:gd name="connsiteY1" fmla="*/ 0 h 3849624"/>
+              <a:gd name="connsiteX2" fmla="*/ 2011680 w 6739128"/>
+              <a:gd name="connsiteY2" fmla="*/ 338328 h 3849624"/>
+              <a:gd name="connsiteX3" fmla="*/ 6739128 w 6739128"/>
+              <a:gd name="connsiteY3" fmla="*/ 338328 h 3849624"/>
+              <a:gd name="connsiteX4" fmla="*/ 6739128 w 6739128"/>
+              <a:gd name="connsiteY4" fmla="*/ 3849624 h 3849624"/>
+              <a:gd name="connsiteX5" fmla="*/ 0 w 6739128"/>
+              <a:gd name="connsiteY5" fmla="*/ 3849624 h 3849624"/>
+              <a:gd name="connsiteX6" fmla="*/ 0 w 6739128"/>
+              <a:gd name="connsiteY6" fmla="*/ 0 h 3849624"/>
+              <a:gd name="connsiteX0" fmla="*/ 2011680 w 6739128"/>
+              <a:gd name="connsiteY0" fmla="*/ 0 h 3849624"/>
+              <a:gd name="connsiteX1" fmla="*/ 2011680 w 6739128"/>
+              <a:gd name="connsiteY1" fmla="*/ 338328 h 3849624"/>
+              <a:gd name="connsiteX2" fmla="*/ 6739128 w 6739128"/>
+              <a:gd name="connsiteY2" fmla="*/ 338328 h 3849624"/>
+              <a:gd name="connsiteX3" fmla="*/ 6739128 w 6739128"/>
+              <a:gd name="connsiteY3" fmla="*/ 3849624 h 3849624"/>
+              <a:gd name="connsiteX4" fmla="*/ 0 w 6739128"/>
+              <a:gd name="connsiteY4" fmla="*/ 3849624 h 3849624"/>
+              <a:gd name="connsiteX5" fmla="*/ 0 w 6739128"/>
+              <a:gd name="connsiteY5" fmla="*/ 0 h 3849624"/>
+              <a:gd name="connsiteX0" fmla="*/ 2011680 w 6739128"/>
+              <a:gd name="connsiteY0" fmla="*/ 0 h 3849624"/>
+              <a:gd name="connsiteX1" fmla="*/ 2011680 w 6739128"/>
+              <a:gd name="connsiteY1" fmla="*/ 338328 h 3849624"/>
+              <a:gd name="connsiteX2" fmla="*/ 6739128 w 6739128"/>
+              <a:gd name="connsiteY2" fmla="*/ 338328 h 3849624"/>
+              <a:gd name="connsiteX3" fmla="*/ 6739128 w 6739128"/>
+              <a:gd name="connsiteY3" fmla="*/ 3849624 h 3849624"/>
+              <a:gd name="connsiteX4" fmla="*/ 0 w 6739128"/>
+              <a:gd name="connsiteY4" fmla="*/ 3849624 h 3849624"/>
+              <a:gd name="connsiteX5" fmla="*/ 0 w 6739128"/>
+              <a:gd name="connsiteY5" fmla="*/ 0 h 3849624"/>
+              <a:gd name="connsiteX6" fmla="*/ 2011680 w 6739128"/>
+              <a:gd name="connsiteY6" fmla="*/ 0 h 3849624"/>
+              <a:gd name="connsiteX0" fmla="*/ 2011680 w 6739128"/>
+              <a:gd name="connsiteY0" fmla="*/ 0 h 3849624"/>
+              <a:gd name="connsiteX1" fmla="*/ 2552700 w 6739128"/>
+              <a:gd name="connsiteY1" fmla="*/ 330708 h 3849624"/>
+              <a:gd name="connsiteX2" fmla="*/ 6739128 w 6739128"/>
+              <a:gd name="connsiteY2" fmla="*/ 338328 h 3849624"/>
+              <a:gd name="connsiteX3" fmla="*/ 6739128 w 6739128"/>
+              <a:gd name="connsiteY3" fmla="*/ 3849624 h 3849624"/>
+              <a:gd name="connsiteX4" fmla="*/ 0 w 6739128"/>
+              <a:gd name="connsiteY4" fmla="*/ 3849624 h 3849624"/>
+              <a:gd name="connsiteX5" fmla="*/ 0 w 6739128"/>
+              <a:gd name="connsiteY5" fmla="*/ 0 h 3849624"/>
+              <a:gd name="connsiteX6" fmla="*/ 2011680 w 6739128"/>
+              <a:gd name="connsiteY6" fmla="*/ 0 h 3849624"/>
+              <a:gd name="connsiteX0" fmla="*/ 2545080 w 6739128"/>
+              <a:gd name="connsiteY0" fmla="*/ 7620 h 3849624"/>
+              <a:gd name="connsiteX1" fmla="*/ 2552700 w 6739128"/>
+              <a:gd name="connsiteY1" fmla="*/ 330708 h 3849624"/>
+              <a:gd name="connsiteX2" fmla="*/ 6739128 w 6739128"/>
+              <a:gd name="connsiteY2" fmla="*/ 338328 h 3849624"/>
+              <a:gd name="connsiteX3" fmla="*/ 6739128 w 6739128"/>
+              <a:gd name="connsiteY3" fmla="*/ 3849624 h 3849624"/>
+              <a:gd name="connsiteX4" fmla="*/ 0 w 6739128"/>
+              <a:gd name="connsiteY4" fmla="*/ 3849624 h 3849624"/>
+              <a:gd name="connsiteX5" fmla="*/ 0 w 6739128"/>
+              <a:gd name="connsiteY5" fmla="*/ 0 h 3849624"/>
+              <a:gd name="connsiteX6" fmla="*/ 2545080 w 6739128"/>
+              <a:gd name="connsiteY6" fmla="*/ 7620 h 3849624"/>
+            </a:gdLst>
+            <a:ahLst/>
+            <a:cxnLst>
+              <a:cxn ang="0">
+                <a:pos x="connsiteX0" y="connsiteY0"/>
+              </a:cxn>
+              <a:cxn ang="0">
+                <a:pos x="connsiteX1" y="connsiteY1"/>
+              </a:cxn>
+              <a:cxn ang="0">
+                <a:pos x="connsiteX2" y="connsiteY2"/>
+              </a:cxn>
+              <a:cxn ang="0">
+                <a:pos x="connsiteX3" y="connsiteY3"/>
+              </a:cxn>
+              <a:cxn ang="0">
+                <a:pos x="connsiteX4" y="connsiteY4"/>
+              </a:cxn>
+              <a:cxn ang="0">
+                <a:pos x="connsiteX5" y="connsiteY5"/>
+              </a:cxn>
+              <a:cxn ang="0">
+                <a:pos x="connsiteX6" y="connsiteY6"/>
+              </a:cxn>
+            </a:cxnLst>
+            <a:rect l="l" t="t" r="r" b="b"/>
+            <a:pathLst>
+              <a:path w="6739128" h="3849624">
+                <a:moveTo>
+                  <a:pt x="2545080" y="7620"/>
+                </a:moveTo>
+                <a:lnTo>
+                  <a:pt x="2552700" y="330708"/>
+                </a:lnTo>
+                <a:lnTo>
+                  <a:pt x="6739128" y="338328"/>
+                </a:lnTo>
+                <a:lnTo>
+                  <a:pt x="6739128" y="3849624"/>
+                </a:lnTo>
+                <a:lnTo>
+                  <a:pt x="0" y="3849624"/>
+                </a:lnTo>
+                <a:lnTo>
+                  <a:pt x="0" y="0"/>
+                </a:lnTo>
+                <a:lnTo>
+                  <a:pt x="2545080" y="7620"/>
+                </a:lnTo>
+                <a:close/>
+              </a:path>
+            </a:pathLst>
+          </a:custGeom>
+          <a:solidFill>
+            <a:schemeClr val="bg1">
+              <a:lumMod val="95000"/>
+            </a:schemeClr>
+          </a:solidFill>
+          <a:ln>
+            <a:solidFill>
+              <a:schemeClr val="tx1"/>
+            </a:solidFill>
+          </a:ln>
+        </p:spPr>
+        <p:style>
+          <a:lnRef idx="2">
+            <a:schemeClr val="accent1">
+              <a:shade val="50000"/>
+            </a:schemeClr>
+          </a:lnRef>
+          <a:fillRef idx="1">
+            <a:schemeClr val="accent1"/>
+          </a:fillRef>
+          <a:effectRef idx="0">
+            <a:schemeClr val="accent1"/>
+          </a:effectRef>
+          <a:fontRef idx="minor">
+            <a:schemeClr val="lt1"/>
+          </a:fontRef>
+        </p:style>
+        <p:txBody>
+          <a:bodyPr rtlCol="0" anchor="ctr"/>
+          <a:lstStyle/>
+          <a:p>
+            <a:pPr algn="ctr"/>
+            <a:endParaRPr lang="fr-CH" dirty="0"/>
+          </a:p>
+        </p:txBody>
+      </p:sp>
+      <p:sp>
+        <p:nvSpPr>
+          <p:cNvPr id="6" name="Rectangle 5"/>
+          <p:cNvSpPr/>
+          <p:nvPr/>
+        </p:nvSpPr>
+        <p:spPr>
+          <a:xfrm>
+            <a:off x="5455215" y="811171"/>
+            <a:ext cx="2329754" cy="420094"/>
+          </a:xfrm>
+          <a:prstGeom prst="rect">
+            <a:avLst/>
+          </a:prstGeom>
+          <a:solidFill>
+            <a:schemeClr val="bg1">
+              <a:lumMod val="95000"/>
+            </a:schemeClr>
+          </a:solidFill>
+        </p:spPr>
+        <p:style>
+          <a:lnRef idx="2">
+            <a:schemeClr val="accent3">
+              <a:shade val="50000"/>
+            </a:schemeClr>
+          </a:lnRef>
+          <a:fillRef idx="1">
+            <a:schemeClr val="accent3"/>
+          </a:fillRef>
+          <a:effectRef idx="0">
+            <a:schemeClr val="accent3"/>
+          </a:effectRef>
+          <a:fontRef idx="minor">
+            <a:schemeClr val="lt1"/>
+          </a:fontRef>
+        </p:style>
+        <p:txBody>
+          <a:bodyPr rtlCol="0" anchor="ctr"/>
+          <a:lstStyle/>
+          <a:p>
+            <a:pPr algn="ctr"/>
+            <a:endParaRPr lang="fr-CH"/>
+          </a:p>
+        </p:txBody>
+      </p:sp>
+      <p:sp>
+        <p:nvSpPr>
+          <p:cNvPr id="7" name="ZoneTexte 6"/>
+          <p:cNvSpPr txBox="1"/>
+          <p:nvPr/>
+        </p:nvSpPr>
+        <p:spPr>
+          <a:xfrm>
+            <a:off x="3051673" y="865059"/>
+            <a:ext cx="2179123" cy="276999"/>
+          </a:xfrm>
+          <a:prstGeom prst="rect">
+            <a:avLst/>
+          </a:prstGeom>
+          <a:noFill/>
+        </p:spPr>
+        <p:txBody>
+          <a:bodyPr wrap="none" rtlCol="0">
+            <a:spAutoFit/>
+          </a:bodyPr>
+          <a:lstStyle/>
+          <a:p>
+            <a:r>
+              <a:rPr lang="fr-CH" sz="1200" dirty="0" smtClean="0"/>
+              <a:t>Transformation de coordonnées</a:t>
+            </a:r>
+            <a:endParaRPr lang="fr-CH" sz="1200" dirty="0"/>
+          </a:p>
+        </p:txBody>
+      </p:sp>
+      <p:sp>
+        <p:nvSpPr>
+          <p:cNvPr id="8" name="Rectangle 7"/>
+          <p:cNvSpPr/>
+          <p:nvPr/>
+        </p:nvSpPr>
+        <p:spPr>
+          <a:xfrm>
+            <a:off x="3170604" y="2347603"/>
+            <a:ext cx="1310640" cy="190500"/>
+          </a:xfrm>
+          <a:prstGeom prst="rect">
+            <a:avLst/>
+          </a:prstGeom>
+        </p:spPr>
+        <p:style>
+          <a:lnRef idx="2">
+            <a:schemeClr val="dk1"/>
+          </a:lnRef>
+          <a:fillRef idx="1">
+            <a:schemeClr val="lt1"/>
+          </a:fillRef>
+          <a:effectRef idx="0">
+            <a:schemeClr val="dk1"/>
+          </a:effectRef>
+          <a:fontRef idx="minor">
+            <a:schemeClr val="dk1"/>
+          </a:fontRef>
+        </p:style>
+        <p:txBody>
+          <a:bodyPr rtlCol="0" anchor="ctr"/>
+          <a:lstStyle/>
+          <a:p>
+            <a:pPr algn="ctr"/>
+            <a:r>
+              <a:rPr lang="fr-CH" sz="1200" dirty="0" smtClean="0"/>
+              <a:t>2517155</a:t>
+            </a:r>
+            <a:endParaRPr lang="fr-CH" sz="1200" dirty="0"/>
+          </a:p>
+        </p:txBody>
+      </p:sp>
+      <p:sp>
+        <p:nvSpPr>
+          <p:cNvPr id="9" name="Rectangle 8"/>
+          <p:cNvSpPr/>
+          <p:nvPr/>
+        </p:nvSpPr>
+        <p:spPr>
+          <a:xfrm>
+            <a:off x="4669380" y="2347603"/>
+            <a:ext cx="1310640" cy="190500"/>
+          </a:xfrm>
+          <a:prstGeom prst="rect">
+            <a:avLst/>
+          </a:prstGeom>
+        </p:spPr>
+        <p:style>
+          <a:lnRef idx="2">
+            <a:schemeClr val="dk1"/>
+          </a:lnRef>
+          <a:fillRef idx="1">
+            <a:schemeClr val="lt1"/>
+          </a:fillRef>
+          <a:effectRef idx="0">
+            <a:schemeClr val="dk1"/>
+          </a:effectRef>
+          <a:fontRef idx="minor">
+            <a:schemeClr val="dk1"/>
+          </a:fontRef>
+        </p:style>
+        <p:txBody>
+          <a:bodyPr rtlCol="0" anchor="ctr"/>
+          <a:lstStyle/>
+          <a:p>
+            <a:pPr algn="ctr"/>
+            <a:r>
+              <a:rPr lang="fr-CH" sz="1200" dirty="0" smtClean="0"/>
+              <a:t>1172993</a:t>
+            </a:r>
+            <a:endParaRPr lang="fr-CH" sz="1200" dirty="0"/>
+          </a:p>
+        </p:txBody>
+      </p:sp>
+      <p:sp>
+        <p:nvSpPr>
+          <p:cNvPr id="11" name="Rectangle 10"/>
+          <p:cNvSpPr/>
+          <p:nvPr/>
+        </p:nvSpPr>
+        <p:spPr>
+          <a:xfrm>
+            <a:off x="7224121" y="2347603"/>
+            <a:ext cx="1310640" cy="190500"/>
+          </a:xfrm>
+          <a:prstGeom prst="rect">
+            <a:avLst/>
+          </a:prstGeom>
+        </p:spPr>
+        <p:style>
+          <a:lnRef idx="2">
+            <a:schemeClr val="dk1"/>
+          </a:lnRef>
+          <a:fillRef idx="1">
+            <a:schemeClr val="lt1"/>
+          </a:fillRef>
+          <a:effectRef idx="0">
+            <a:schemeClr val="dk1"/>
+          </a:effectRef>
+          <a:fontRef idx="minor">
+            <a:schemeClr val="dk1"/>
+          </a:fontRef>
+        </p:style>
+        <p:txBody>
+          <a:bodyPr rtlCol="0" anchor="ctr"/>
+          <a:lstStyle/>
+          <a:p>
+            <a:pPr algn="ctr"/>
+            <a:r>
+              <a:rPr lang="fr-CH" sz="1200" dirty="0" smtClean="0"/>
+              <a:t>453</a:t>
+            </a:r>
+            <a:endParaRPr lang="fr-CH" sz="1200" dirty="0"/>
+          </a:p>
+        </p:txBody>
+      </p:sp>
+      <p:sp>
+        <p:nvSpPr>
+          <p:cNvPr id="12" name="ZoneTexte 11"/>
+          <p:cNvSpPr txBox="1"/>
+          <p:nvPr/>
+        </p:nvSpPr>
+        <p:spPr>
+          <a:xfrm>
+            <a:off x="3051673" y="1268856"/>
+            <a:ext cx="1413849" cy="276999"/>
+          </a:xfrm>
+          <a:prstGeom prst="rect">
+            <a:avLst/>
+          </a:prstGeom>
+          <a:noFill/>
+        </p:spPr>
+        <p:txBody>
+          <a:bodyPr wrap="none" rtlCol="0">
+            <a:spAutoFit/>
+          </a:bodyPr>
+          <a:lstStyle/>
+          <a:p>
+            <a:r>
+              <a:rPr lang="fr-CH" sz="1200" b="1" dirty="0" smtClean="0"/>
+              <a:t>Système de départ:</a:t>
+            </a:r>
+            <a:endParaRPr lang="fr-CH" sz="1200" b="1" dirty="0"/>
+          </a:p>
+        </p:txBody>
+      </p:sp>
+      <p:pic>
+        <p:nvPicPr>
+          <p:cNvPr id="16" name="Image 15"/>
+          <p:cNvPicPr>
+            <a:picLocks noChangeAspect="1"/>
+          </p:cNvPicPr>
+          <p:nvPr/>
+        </p:nvPicPr>
+        <p:blipFill>
+          <a:blip r:embed="rId3">
+            <a:extLst>
+              <a:ext uri="{28A0092B-C50C-407E-A947-70E740481C1C}">
+                <a14:useLocalDpi xmlns:a14="http://schemas.microsoft.com/office/drawing/2010/main" val="0"/>
+              </a:ext>
+            </a:extLst>
+          </a:blip>
+          <a:stretch>
+            <a:fillRect/>
+          </a:stretch>
+        </p:blipFill>
+        <p:spPr>
+          <a:xfrm>
+            <a:off x="3102024" y="1756331"/>
+            <a:ext cx="1640341" cy="308440"/>
+          </a:xfrm>
+          <a:prstGeom prst="rect">
+            <a:avLst/>
+          </a:prstGeom>
+        </p:spPr>
+      </p:pic>
+      <p:sp>
+        <p:nvSpPr>
+          <p:cNvPr id="13" name="ZoneTexte 12"/>
+          <p:cNvSpPr txBox="1"/>
+          <p:nvPr/>
+        </p:nvSpPr>
+        <p:spPr>
+          <a:xfrm>
+            <a:off x="3132504" y="1771571"/>
+            <a:ext cx="1354858" cy="261610"/>
+          </a:xfrm>
+          <a:prstGeom prst="rect">
+            <a:avLst/>
+          </a:prstGeom>
+          <a:noFill/>
+        </p:spPr>
+        <p:txBody>
+          <a:bodyPr wrap="none" rtlCol="0">
+            <a:spAutoFit/>
+          </a:bodyPr>
+          <a:lstStyle/>
+          <a:p>
+            <a:r>
+              <a:rPr lang="fr-CH" sz="1100" dirty="0" smtClean="0"/>
+              <a:t>CH1903+ EPSG:2056</a:t>
+            </a:r>
+            <a:endParaRPr lang="fr-CH" sz="1100" dirty="0"/>
+          </a:p>
+        </p:txBody>
+      </p:sp>
+      <p:sp>
+        <p:nvSpPr>
+          <p:cNvPr id="17" name="ZoneTexte 16"/>
+          <p:cNvSpPr txBox="1"/>
+          <p:nvPr/>
+        </p:nvSpPr>
+        <p:spPr>
+          <a:xfrm>
+            <a:off x="3051673" y="1535444"/>
+            <a:ext cx="843501" cy="261610"/>
+          </a:xfrm>
+          <a:prstGeom prst="rect">
+            <a:avLst/>
+          </a:prstGeom>
+          <a:noFill/>
+        </p:spPr>
+        <p:txBody>
+          <a:bodyPr wrap="none" rtlCol="0">
+            <a:spAutoFit/>
+          </a:bodyPr>
+          <a:lstStyle/>
+          <a:p>
+            <a:r>
+              <a:rPr lang="fr-CH" sz="1100" dirty="0" smtClean="0"/>
+              <a:t>Planimétrie</a:t>
+            </a:r>
+            <a:endParaRPr lang="fr-CH" sz="1100" dirty="0"/>
+          </a:p>
+        </p:txBody>
+      </p:sp>
+      <p:pic>
+        <p:nvPicPr>
+          <p:cNvPr id="18" name="Image 17"/>
+          <p:cNvPicPr>
+            <a:picLocks noChangeAspect="1"/>
+          </p:cNvPicPr>
+          <p:nvPr/>
+        </p:nvPicPr>
+        <p:blipFill>
+          <a:blip r:embed="rId3">
+            <a:extLst>
+              <a:ext uri="{28A0092B-C50C-407E-A947-70E740481C1C}">
+                <a14:useLocalDpi xmlns:a14="http://schemas.microsoft.com/office/drawing/2010/main" val="0"/>
+              </a:ext>
+            </a:extLst>
+          </a:blip>
+          <a:stretch>
+            <a:fillRect/>
+          </a:stretch>
+        </p:blipFill>
+        <p:spPr>
+          <a:xfrm>
+            <a:off x="7193641" y="1756331"/>
+            <a:ext cx="1640341" cy="308440"/>
+          </a:xfrm>
+          <a:prstGeom prst="rect">
+            <a:avLst/>
+          </a:prstGeom>
+        </p:spPr>
+      </p:pic>
+      <p:sp>
+        <p:nvSpPr>
+          <p:cNvPr id="19" name="ZoneTexte 18"/>
+          <p:cNvSpPr txBox="1"/>
+          <p:nvPr/>
+        </p:nvSpPr>
+        <p:spPr>
+          <a:xfrm>
+            <a:off x="7224121" y="1771571"/>
+            <a:ext cx="611065" cy="261610"/>
+          </a:xfrm>
+          <a:prstGeom prst="rect">
+            <a:avLst/>
+          </a:prstGeom>
+          <a:noFill/>
+        </p:spPr>
+        <p:txBody>
+          <a:bodyPr wrap="none" rtlCol="0">
+            <a:spAutoFit/>
+          </a:bodyPr>
+          <a:lstStyle/>
+          <a:p>
+            <a:r>
+              <a:rPr lang="fr-CH" sz="1100" dirty="0" smtClean="0"/>
+              <a:t>RAN 95</a:t>
+            </a:r>
+            <a:endParaRPr lang="fr-CH" sz="1100" dirty="0"/>
+          </a:p>
+        </p:txBody>
+      </p:sp>
+      <p:sp>
+        <p:nvSpPr>
+          <p:cNvPr id="20" name="ZoneTexte 19"/>
+          <p:cNvSpPr txBox="1"/>
+          <p:nvPr/>
+        </p:nvSpPr>
+        <p:spPr>
+          <a:xfrm>
+            <a:off x="7143290" y="1535444"/>
+            <a:ext cx="758541" cy="261610"/>
+          </a:xfrm>
+          <a:prstGeom prst="rect">
+            <a:avLst/>
+          </a:prstGeom>
+          <a:noFill/>
+        </p:spPr>
+        <p:txBody>
+          <a:bodyPr wrap="none" rtlCol="0">
+            <a:spAutoFit/>
+          </a:bodyPr>
+          <a:lstStyle/>
+          <a:p>
+            <a:r>
+              <a:rPr lang="fr-CH" sz="1100" dirty="0" smtClean="0"/>
+              <a:t>Altimétrie</a:t>
+            </a:r>
+            <a:endParaRPr lang="fr-CH" sz="1100" dirty="0"/>
+          </a:p>
+        </p:txBody>
+      </p:sp>
+      <p:sp>
+        <p:nvSpPr>
+          <p:cNvPr id="21" name="ZoneTexte 20"/>
+          <p:cNvSpPr txBox="1"/>
+          <p:nvPr/>
+        </p:nvSpPr>
+        <p:spPr>
+          <a:xfrm>
+            <a:off x="3084207" y="2094362"/>
+            <a:ext cx="681597" cy="261610"/>
+          </a:xfrm>
+          <a:prstGeom prst="rect">
+            <a:avLst/>
+          </a:prstGeom>
+          <a:noFill/>
+        </p:spPr>
+        <p:txBody>
+          <a:bodyPr wrap="none" rtlCol="0">
+            <a:spAutoFit/>
+          </a:bodyPr>
+          <a:lstStyle/>
+          <a:p>
+            <a:r>
+              <a:rPr lang="fr-CH" sz="1100" dirty="0" smtClean="0"/>
+              <a:t>Est/Long</a:t>
+            </a:r>
+            <a:endParaRPr lang="fr-CH" sz="1100" dirty="0"/>
+          </a:p>
+        </p:txBody>
+      </p:sp>
+      <p:sp>
+        <p:nvSpPr>
+          <p:cNvPr id="22" name="ZoneTexte 21"/>
+          <p:cNvSpPr txBox="1"/>
+          <p:nvPr/>
+        </p:nvSpPr>
+        <p:spPr>
+          <a:xfrm>
+            <a:off x="4610591" y="2085993"/>
+            <a:ext cx="700833" cy="261610"/>
+          </a:xfrm>
+          <a:prstGeom prst="rect">
+            <a:avLst/>
+          </a:prstGeom>
+          <a:noFill/>
+        </p:spPr>
+        <p:txBody>
+          <a:bodyPr wrap="none" rtlCol="0">
+            <a:spAutoFit/>
+          </a:bodyPr>
+          <a:lstStyle/>
+          <a:p>
+            <a:r>
+              <a:rPr lang="fr-CH" sz="1100" dirty="0" smtClean="0"/>
+              <a:t>Nord/</a:t>
+            </a:r>
+            <a:r>
+              <a:rPr lang="fr-CH" sz="1100" dirty="0" err="1" smtClean="0"/>
+              <a:t>Lat</a:t>
+            </a:r>
+            <a:endParaRPr lang="fr-CH" sz="1100" dirty="0"/>
+          </a:p>
+        </p:txBody>
+      </p:sp>
+      <p:sp>
+        <p:nvSpPr>
+          <p:cNvPr id="23" name="ZoneTexte 22"/>
+          <p:cNvSpPr txBox="1"/>
+          <p:nvPr/>
+        </p:nvSpPr>
+        <p:spPr>
+          <a:xfrm>
+            <a:off x="7127993" y="2094362"/>
+            <a:ext cx="1165704" cy="261610"/>
+          </a:xfrm>
+          <a:prstGeom prst="rect">
+            <a:avLst/>
+          </a:prstGeom>
+          <a:noFill/>
+        </p:spPr>
+        <p:txBody>
+          <a:bodyPr wrap="none" rtlCol="0">
+            <a:spAutoFit/>
+          </a:bodyPr>
+          <a:lstStyle/>
+          <a:p>
+            <a:r>
+              <a:rPr lang="fr-CH" sz="1100" dirty="0" smtClean="0"/>
+              <a:t>Altitude/Hauteur</a:t>
+            </a:r>
+            <a:endParaRPr lang="fr-CH" sz="1100" dirty="0"/>
+          </a:p>
+        </p:txBody>
+      </p:sp>
+      <p:sp>
+        <p:nvSpPr>
+          <p:cNvPr id="24" name="Rectangle 23"/>
+          <p:cNvSpPr/>
+          <p:nvPr/>
+        </p:nvSpPr>
+        <p:spPr>
+          <a:xfrm>
+            <a:off x="3170604" y="2943113"/>
+            <a:ext cx="1310640" cy="190500"/>
+          </a:xfrm>
+          <a:prstGeom prst="rect">
+            <a:avLst/>
+          </a:prstGeom>
+        </p:spPr>
+        <p:style>
+          <a:lnRef idx="2">
+            <a:schemeClr val="dk1"/>
+          </a:lnRef>
+          <a:fillRef idx="1">
+            <a:schemeClr val="lt1"/>
+          </a:fillRef>
+          <a:effectRef idx="0">
+            <a:schemeClr val="dk1"/>
+          </a:effectRef>
+          <a:fontRef idx="minor">
+            <a:schemeClr val="dk1"/>
+          </a:fontRef>
+        </p:style>
+        <p:txBody>
+          <a:bodyPr rtlCol="0" anchor="ctr"/>
+          <a:lstStyle/>
+          <a:p>
+            <a:pPr algn="ctr"/>
+            <a:endParaRPr lang="fr-CH"/>
+          </a:p>
+        </p:txBody>
+      </p:sp>
+      <p:sp>
+        <p:nvSpPr>
+          <p:cNvPr id="25" name="Rectangle 24"/>
+          <p:cNvSpPr/>
+          <p:nvPr/>
+        </p:nvSpPr>
+        <p:spPr>
+          <a:xfrm>
+            <a:off x="4669380" y="2942556"/>
+            <a:ext cx="1310640" cy="190500"/>
+          </a:xfrm>
+          <a:prstGeom prst="rect">
+            <a:avLst/>
+          </a:prstGeom>
+        </p:spPr>
+        <p:style>
+          <a:lnRef idx="2">
+            <a:schemeClr val="dk1"/>
+          </a:lnRef>
+          <a:fillRef idx="1">
+            <a:schemeClr val="lt1"/>
+          </a:fillRef>
+          <a:effectRef idx="0">
+            <a:schemeClr val="dk1"/>
+          </a:effectRef>
+          <a:fontRef idx="minor">
+            <a:schemeClr val="dk1"/>
+          </a:fontRef>
+        </p:style>
+        <p:txBody>
+          <a:bodyPr rtlCol="0" anchor="ctr"/>
+          <a:lstStyle/>
+          <a:p>
+            <a:pPr algn="ctr"/>
+            <a:endParaRPr lang="fr-CH"/>
+          </a:p>
+        </p:txBody>
+      </p:sp>
+      <p:sp>
+        <p:nvSpPr>
+          <p:cNvPr id="26" name="ZoneTexte 25"/>
+          <p:cNvSpPr txBox="1"/>
+          <p:nvPr/>
+        </p:nvSpPr>
+        <p:spPr>
+          <a:xfrm>
+            <a:off x="3102024" y="2577455"/>
+            <a:ext cx="1563248" cy="261610"/>
+          </a:xfrm>
+          <a:prstGeom prst="rect">
+            <a:avLst/>
+          </a:prstGeom>
+          <a:noFill/>
+        </p:spPr>
+        <p:txBody>
+          <a:bodyPr wrap="none" rtlCol="0">
+            <a:spAutoFit/>
+          </a:bodyPr>
+          <a:lstStyle/>
+          <a:p>
+            <a:r>
+              <a:rPr lang="fr-CH" sz="1100" dirty="0" smtClean="0"/>
+              <a:t>Déviation de la verticale</a:t>
+            </a:r>
+            <a:endParaRPr lang="fr-CH" sz="1100" dirty="0"/>
+          </a:p>
+        </p:txBody>
+      </p:sp>
+      <p:sp>
+        <p:nvSpPr>
+          <p:cNvPr id="27" name="ZoneTexte 26"/>
+          <p:cNvSpPr txBox="1"/>
+          <p:nvPr/>
+        </p:nvSpPr>
+        <p:spPr>
+          <a:xfrm>
+            <a:off x="3102024" y="2715291"/>
+            <a:ext cx="269626" cy="261610"/>
+          </a:xfrm>
+          <a:prstGeom prst="rect">
+            <a:avLst/>
+          </a:prstGeom>
+          <a:noFill/>
+        </p:spPr>
+        <p:txBody>
+          <a:bodyPr wrap="none" rtlCol="0">
+            <a:spAutoFit/>
+          </a:bodyPr>
+          <a:lstStyle/>
+          <a:p>
+            <a:r>
+              <a:rPr lang="fr-CH" sz="1100" dirty="0" smtClean="0">
+                <a:latin typeface="Symbol" panose="05050102010706020507" pitchFamily="18" charset="2"/>
+              </a:rPr>
+              <a:t>h</a:t>
+            </a:r>
+            <a:endParaRPr lang="fr-CH" sz="1100" dirty="0">
+              <a:latin typeface="Symbol" panose="05050102010706020507" pitchFamily="18" charset="2"/>
+            </a:endParaRPr>
+          </a:p>
+        </p:txBody>
+      </p:sp>
+      <p:sp>
+        <p:nvSpPr>
+          <p:cNvPr id="28" name="ZoneTexte 27"/>
+          <p:cNvSpPr txBox="1"/>
+          <p:nvPr/>
+        </p:nvSpPr>
+        <p:spPr>
+          <a:xfrm>
+            <a:off x="4591402" y="2715291"/>
+            <a:ext cx="253596" cy="261610"/>
+          </a:xfrm>
+          <a:prstGeom prst="rect">
+            <a:avLst/>
+          </a:prstGeom>
+          <a:noFill/>
+        </p:spPr>
+        <p:txBody>
+          <a:bodyPr wrap="none" rtlCol="0">
+            <a:spAutoFit/>
+          </a:bodyPr>
+          <a:lstStyle/>
+          <a:p>
+            <a:r>
+              <a:rPr lang="fr-CH" sz="1100" dirty="0">
+                <a:latin typeface="Symbol" panose="05050102010706020507" pitchFamily="18" charset="2"/>
+              </a:rPr>
+              <a:t>x</a:t>
+            </a:r>
+          </a:p>
+        </p:txBody>
+      </p:sp>
+      <p:sp>
+        <p:nvSpPr>
+          <p:cNvPr id="29" name="Rectangle 28"/>
+          <p:cNvSpPr/>
+          <p:nvPr/>
+        </p:nvSpPr>
+        <p:spPr>
+          <a:xfrm>
+            <a:off x="7224121" y="2939542"/>
+            <a:ext cx="1310640" cy="190500"/>
+          </a:xfrm>
+          <a:prstGeom prst="rect">
+            <a:avLst/>
+          </a:prstGeom>
+        </p:spPr>
+        <p:style>
+          <a:lnRef idx="2">
+            <a:schemeClr val="dk1"/>
+          </a:lnRef>
+          <a:fillRef idx="1">
+            <a:schemeClr val="lt1"/>
+          </a:fillRef>
+          <a:effectRef idx="0">
+            <a:schemeClr val="dk1"/>
+          </a:effectRef>
+          <a:fontRef idx="minor">
+            <a:schemeClr val="dk1"/>
+          </a:fontRef>
+        </p:style>
+        <p:txBody>
+          <a:bodyPr rtlCol="0" anchor="ctr"/>
+          <a:lstStyle/>
+          <a:p>
+            <a:pPr algn="ctr"/>
+            <a:endParaRPr lang="fr-CH"/>
+          </a:p>
+        </p:txBody>
+      </p:sp>
+      <p:sp>
+        <p:nvSpPr>
+          <p:cNvPr id="30" name="ZoneTexte 29"/>
+          <p:cNvSpPr txBox="1"/>
+          <p:nvPr/>
+        </p:nvSpPr>
+        <p:spPr>
+          <a:xfrm>
+            <a:off x="7143290" y="2715291"/>
+            <a:ext cx="1048685" cy="261610"/>
+          </a:xfrm>
+          <a:prstGeom prst="rect">
+            <a:avLst/>
+          </a:prstGeom>
+          <a:noFill/>
+        </p:spPr>
+        <p:txBody>
+          <a:bodyPr wrap="none" rtlCol="0">
+            <a:spAutoFit/>
+          </a:bodyPr>
+          <a:lstStyle/>
+          <a:p>
+            <a:r>
+              <a:rPr lang="fr-CH" sz="1100" dirty="0" smtClean="0"/>
+              <a:t>Cote du </a:t>
+            </a:r>
+            <a:r>
+              <a:rPr lang="fr-CH" sz="1100" dirty="0" err="1" smtClean="0"/>
+              <a:t>géoide</a:t>
+            </a:r>
+            <a:endParaRPr lang="fr-CH" sz="1100" dirty="0"/>
+          </a:p>
+        </p:txBody>
+      </p:sp>
+      <p:sp>
+        <p:nvSpPr>
+          <p:cNvPr id="31" name="ZoneTexte 30"/>
+          <p:cNvSpPr txBox="1"/>
+          <p:nvPr/>
+        </p:nvSpPr>
+        <p:spPr>
+          <a:xfrm>
+            <a:off x="3052357" y="3410136"/>
+            <a:ext cx="1353256" cy="276999"/>
+          </a:xfrm>
+          <a:prstGeom prst="rect">
+            <a:avLst/>
+          </a:prstGeom>
+          <a:noFill/>
+        </p:spPr>
+        <p:txBody>
+          <a:bodyPr wrap="none" rtlCol="0">
+            <a:spAutoFit/>
+          </a:bodyPr>
+          <a:lstStyle/>
+          <a:p>
+            <a:r>
+              <a:rPr lang="fr-CH" sz="1200" b="1" dirty="0" smtClean="0"/>
+              <a:t>Système d’arrivée:</a:t>
+            </a:r>
+            <a:endParaRPr lang="fr-CH" sz="1200" b="1" dirty="0"/>
+          </a:p>
+        </p:txBody>
+      </p:sp>
+      <p:pic>
+        <p:nvPicPr>
+          <p:cNvPr id="32" name="Image 31"/>
+          <p:cNvPicPr>
+            <a:picLocks noChangeAspect="1"/>
+          </p:cNvPicPr>
+          <p:nvPr/>
+        </p:nvPicPr>
+        <p:blipFill>
+          <a:blip r:embed="rId3">
+            <a:extLst>
+              <a:ext uri="{28A0092B-C50C-407E-A947-70E740481C1C}">
+                <a14:useLocalDpi xmlns:a14="http://schemas.microsoft.com/office/drawing/2010/main" val="0"/>
+              </a:ext>
+            </a:extLst>
+          </a:blip>
+          <a:stretch>
+            <a:fillRect/>
+          </a:stretch>
+        </p:blipFill>
+        <p:spPr>
+          <a:xfrm>
+            <a:off x="3132504" y="3863838"/>
+            <a:ext cx="1640341" cy="308440"/>
+          </a:xfrm>
+          <a:prstGeom prst="rect">
+            <a:avLst/>
+          </a:prstGeom>
+        </p:spPr>
+      </p:pic>
+      <p:sp>
+        <p:nvSpPr>
+          <p:cNvPr id="33" name="ZoneTexte 32"/>
+          <p:cNvSpPr txBox="1"/>
+          <p:nvPr/>
+        </p:nvSpPr>
+        <p:spPr>
+          <a:xfrm>
+            <a:off x="3162984" y="3879078"/>
+            <a:ext cx="1207382" cy="261610"/>
+          </a:xfrm>
+          <a:prstGeom prst="rect">
+            <a:avLst/>
+          </a:prstGeom>
+          <a:noFill/>
+        </p:spPr>
+        <p:txBody>
+          <a:bodyPr wrap="none" rtlCol="0">
+            <a:spAutoFit/>
+          </a:bodyPr>
+          <a:lstStyle/>
+          <a:p>
+            <a:r>
+              <a:rPr lang="fr-CH" sz="1100" dirty="0" smtClean="0"/>
+              <a:t>RGF93 EPSG:2154</a:t>
+            </a:r>
+            <a:endParaRPr lang="fr-CH" sz="1100" dirty="0"/>
+          </a:p>
+        </p:txBody>
+      </p:sp>
+      <p:sp>
+        <p:nvSpPr>
+          <p:cNvPr id="34" name="ZoneTexte 33"/>
+          <p:cNvSpPr txBox="1"/>
+          <p:nvPr/>
+        </p:nvSpPr>
+        <p:spPr>
+          <a:xfrm>
+            <a:off x="3082153" y="3642951"/>
+            <a:ext cx="843501" cy="261610"/>
+          </a:xfrm>
+          <a:prstGeom prst="rect">
+            <a:avLst/>
+          </a:prstGeom>
+          <a:noFill/>
+        </p:spPr>
+        <p:txBody>
+          <a:bodyPr wrap="none" rtlCol="0">
+            <a:spAutoFit/>
+          </a:bodyPr>
+          <a:lstStyle/>
+          <a:p>
+            <a:r>
+              <a:rPr lang="fr-CH" sz="1100" dirty="0" smtClean="0"/>
+              <a:t>Planimétrie</a:t>
+            </a:r>
+            <a:endParaRPr lang="fr-CH" sz="1100" dirty="0"/>
+          </a:p>
+        </p:txBody>
+      </p:sp>
+      <p:pic>
+        <p:nvPicPr>
+          <p:cNvPr id="35" name="Image 34"/>
+          <p:cNvPicPr>
+            <a:picLocks noChangeAspect="1"/>
+          </p:cNvPicPr>
+          <p:nvPr/>
+        </p:nvPicPr>
+        <p:blipFill>
+          <a:blip r:embed="rId3">
+            <a:extLst>
+              <a:ext uri="{28A0092B-C50C-407E-A947-70E740481C1C}">
+                <a14:useLocalDpi xmlns:a14="http://schemas.microsoft.com/office/drawing/2010/main" val="0"/>
+              </a:ext>
+            </a:extLst>
+          </a:blip>
+          <a:stretch>
+            <a:fillRect/>
+          </a:stretch>
+        </p:blipFill>
+        <p:spPr>
+          <a:xfrm>
+            <a:off x="7224121" y="3863838"/>
+            <a:ext cx="1640341" cy="308440"/>
+          </a:xfrm>
+          <a:prstGeom prst="rect">
+            <a:avLst/>
+          </a:prstGeom>
+        </p:spPr>
+      </p:pic>
+      <p:sp>
+        <p:nvSpPr>
+          <p:cNvPr id="36" name="ZoneTexte 35"/>
+          <p:cNvSpPr txBox="1"/>
+          <p:nvPr/>
+        </p:nvSpPr>
+        <p:spPr>
+          <a:xfrm>
+            <a:off x="7254601" y="3879078"/>
+            <a:ext cx="316112" cy="261610"/>
+          </a:xfrm>
+          <a:prstGeom prst="rect">
+            <a:avLst/>
+          </a:prstGeom>
+          <a:noFill/>
+        </p:spPr>
+        <p:txBody>
+          <a:bodyPr wrap="none" rtlCol="0">
+            <a:spAutoFit/>
+          </a:bodyPr>
+          <a:lstStyle/>
+          <a:p>
+            <a:r>
+              <a:rPr lang="fr-CH" sz="1100" dirty="0" smtClean="0"/>
+              <a:t>??</a:t>
+            </a:r>
+            <a:endParaRPr lang="fr-CH" sz="1100" dirty="0"/>
+          </a:p>
+        </p:txBody>
+      </p:sp>
+      <p:sp>
+        <p:nvSpPr>
+          <p:cNvPr id="37" name="ZoneTexte 36"/>
+          <p:cNvSpPr txBox="1"/>
+          <p:nvPr/>
+        </p:nvSpPr>
+        <p:spPr>
+          <a:xfrm>
+            <a:off x="7173770" y="3642951"/>
+            <a:ext cx="758541" cy="261610"/>
+          </a:xfrm>
+          <a:prstGeom prst="rect">
+            <a:avLst/>
+          </a:prstGeom>
+          <a:noFill/>
+        </p:spPr>
+        <p:txBody>
+          <a:bodyPr wrap="none" rtlCol="0">
+            <a:spAutoFit/>
+          </a:bodyPr>
+          <a:lstStyle/>
+          <a:p>
+            <a:r>
+              <a:rPr lang="fr-CH" sz="1100" dirty="0" smtClean="0"/>
+              <a:t>Altimétrie</a:t>
+            </a:r>
+            <a:endParaRPr lang="fr-CH" sz="1100" dirty="0"/>
+          </a:p>
+        </p:txBody>
+      </p:sp>
+      <p:sp>
+        <p:nvSpPr>
+          <p:cNvPr id="38" name="Forme libre 37"/>
+          <p:cNvSpPr/>
+          <p:nvPr/>
+        </p:nvSpPr>
+        <p:spPr>
+          <a:xfrm>
+            <a:off x="3099816" y="3557016"/>
+            <a:ext cx="6300216" cy="1700784"/>
+          </a:xfrm>
+          <a:custGeom>
+            <a:avLst/>
+            <a:gdLst>
+              <a:gd name="connsiteX0" fmla="*/ 1243584 w 6300216"/>
+              <a:gd name="connsiteY0" fmla="*/ 0 h 1700784"/>
+              <a:gd name="connsiteX1" fmla="*/ 6300216 w 6300216"/>
+              <a:gd name="connsiteY1" fmla="*/ 0 h 1700784"/>
+              <a:gd name="connsiteX2" fmla="*/ 6300216 w 6300216"/>
+              <a:gd name="connsiteY2" fmla="*/ 1700784 h 1700784"/>
+              <a:gd name="connsiteX3" fmla="*/ 0 w 6300216"/>
+              <a:gd name="connsiteY3" fmla="*/ 1700784 h 1700784"/>
+              <a:gd name="connsiteX4" fmla="*/ 0 w 6300216"/>
+              <a:gd name="connsiteY4" fmla="*/ 0 h 1700784"/>
+            </a:gdLst>
+            <a:ahLst/>
+            <a:cxnLst>
+              <a:cxn ang="0">
+                <a:pos x="connsiteX0" y="connsiteY0"/>
+              </a:cxn>
+              <a:cxn ang="0">
+                <a:pos x="connsiteX1" y="connsiteY1"/>
+              </a:cxn>
+              <a:cxn ang="0">
+                <a:pos x="connsiteX2" y="connsiteY2"/>
+              </a:cxn>
+              <a:cxn ang="0">
+                <a:pos x="connsiteX3" y="connsiteY3"/>
+              </a:cxn>
+              <a:cxn ang="0">
+                <a:pos x="connsiteX4" y="connsiteY4"/>
+              </a:cxn>
+            </a:cxnLst>
+            <a:rect l="l" t="t" r="r" b="b"/>
+            <a:pathLst>
+              <a:path w="6300216" h="1700784">
+                <a:moveTo>
+                  <a:pt x="1243584" y="0"/>
+                </a:moveTo>
+                <a:lnTo>
+                  <a:pt x="6300216" y="0"/>
+                </a:lnTo>
+                <a:lnTo>
+                  <a:pt x="6300216" y="1700784"/>
+                </a:lnTo>
+                <a:lnTo>
+                  <a:pt x="0" y="1700784"/>
+                </a:lnTo>
+                <a:lnTo>
+                  <a:pt x="0" y="0"/>
+                </a:lnTo>
+              </a:path>
+            </a:pathLst>
+          </a:custGeom>
+        </p:spPr>
+        <p:style>
+          <a:lnRef idx="3">
+            <a:schemeClr val="dk1"/>
+          </a:lnRef>
+          <a:fillRef idx="0">
+            <a:schemeClr val="dk1"/>
+          </a:fillRef>
+          <a:effectRef idx="2">
+            <a:schemeClr val="dk1"/>
+          </a:effectRef>
+          <a:fontRef idx="minor">
+            <a:schemeClr val="tx1"/>
+          </a:fontRef>
+        </p:style>
+        <p:txBody>
+          <a:bodyPr rtlCol="0" anchor="ctr"/>
+          <a:lstStyle/>
+          <a:p>
+            <a:pPr algn="ctr"/>
+            <a:endParaRPr lang="fr-CH"/>
+          </a:p>
+        </p:txBody>
+      </p:sp>
+      <p:sp>
+        <p:nvSpPr>
+          <p:cNvPr id="39" name="Forme libre 38"/>
+          <p:cNvSpPr/>
+          <p:nvPr/>
+        </p:nvSpPr>
+        <p:spPr>
+          <a:xfrm>
+            <a:off x="3099816" y="1423817"/>
+            <a:ext cx="6300216" cy="1865482"/>
+          </a:xfrm>
+          <a:custGeom>
+            <a:avLst/>
+            <a:gdLst>
+              <a:gd name="connsiteX0" fmla="*/ 1243584 w 6300216"/>
+              <a:gd name="connsiteY0" fmla="*/ 0 h 1700784"/>
+              <a:gd name="connsiteX1" fmla="*/ 6300216 w 6300216"/>
+              <a:gd name="connsiteY1" fmla="*/ 0 h 1700784"/>
+              <a:gd name="connsiteX2" fmla="*/ 6300216 w 6300216"/>
+              <a:gd name="connsiteY2" fmla="*/ 1700784 h 1700784"/>
+              <a:gd name="connsiteX3" fmla="*/ 0 w 6300216"/>
+              <a:gd name="connsiteY3" fmla="*/ 1700784 h 1700784"/>
+              <a:gd name="connsiteX4" fmla="*/ 0 w 6300216"/>
+              <a:gd name="connsiteY4" fmla="*/ 0 h 1700784"/>
+              <a:gd name="connsiteX0" fmla="*/ 1289304 w 6300216"/>
+              <a:gd name="connsiteY0" fmla="*/ 0 h 1700784"/>
+              <a:gd name="connsiteX1" fmla="*/ 6300216 w 6300216"/>
+              <a:gd name="connsiteY1" fmla="*/ 0 h 1700784"/>
+              <a:gd name="connsiteX2" fmla="*/ 6300216 w 6300216"/>
+              <a:gd name="connsiteY2" fmla="*/ 1700784 h 1700784"/>
+              <a:gd name="connsiteX3" fmla="*/ 0 w 6300216"/>
+              <a:gd name="connsiteY3" fmla="*/ 1700784 h 1700784"/>
+              <a:gd name="connsiteX4" fmla="*/ 0 w 6300216"/>
+              <a:gd name="connsiteY4" fmla="*/ 0 h 1700784"/>
+              <a:gd name="connsiteX0" fmla="*/ 1335024 w 6300216"/>
+              <a:gd name="connsiteY0" fmla="*/ 0 h 1700784"/>
+              <a:gd name="connsiteX1" fmla="*/ 6300216 w 6300216"/>
+              <a:gd name="connsiteY1" fmla="*/ 0 h 1700784"/>
+              <a:gd name="connsiteX2" fmla="*/ 6300216 w 6300216"/>
+              <a:gd name="connsiteY2" fmla="*/ 1700784 h 1700784"/>
+              <a:gd name="connsiteX3" fmla="*/ 0 w 6300216"/>
+              <a:gd name="connsiteY3" fmla="*/ 1700784 h 1700784"/>
+              <a:gd name="connsiteX4" fmla="*/ 0 w 6300216"/>
+              <a:gd name="connsiteY4" fmla="*/ 0 h 1700784"/>
+            </a:gdLst>
+            <a:ahLst/>
+            <a:cxnLst>
+              <a:cxn ang="0">
+                <a:pos x="connsiteX0" y="connsiteY0"/>
+              </a:cxn>
+              <a:cxn ang="0">
+                <a:pos x="connsiteX1" y="connsiteY1"/>
+              </a:cxn>
+              <a:cxn ang="0">
+                <a:pos x="connsiteX2" y="connsiteY2"/>
+              </a:cxn>
+              <a:cxn ang="0">
+                <a:pos x="connsiteX3" y="connsiteY3"/>
+              </a:cxn>
+              <a:cxn ang="0">
+                <a:pos x="connsiteX4" y="connsiteY4"/>
+              </a:cxn>
+            </a:cxnLst>
+            <a:rect l="l" t="t" r="r" b="b"/>
+            <a:pathLst>
+              <a:path w="6300216" h="1700784">
+                <a:moveTo>
+                  <a:pt x="1335024" y="0"/>
+                </a:moveTo>
+                <a:lnTo>
+                  <a:pt x="6300216" y="0"/>
+                </a:lnTo>
+                <a:lnTo>
+                  <a:pt x="6300216" y="1700784"/>
+                </a:lnTo>
+                <a:lnTo>
+                  <a:pt x="0" y="1700784"/>
+                </a:lnTo>
+                <a:lnTo>
+                  <a:pt x="0" y="0"/>
+                </a:lnTo>
+              </a:path>
+            </a:pathLst>
+          </a:custGeom>
+        </p:spPr>
+        <p:style>
+          <a:lnRef idx="3">
+            <a:schemeClr val="dk1"/>
+          </a:lnRef>
+          <a:fillRef idx="0">
+            <a:schemeClr val="dk1"/>
+          </a:fillRef>
+          <a:effectRef idx="2">
+            <a:schemeClr val="dk1"/>
+          </a:effectRef>
+          <a:fontRef idx="minor">
+            <a:schemeClr val="tx1"/>
+          </a:fontRef>
+        </p:style>
+        <p:txBody>
+          <a:bodyPr rtlCol="0" anchor="ctr"/>
+          <a:lstStyle/>
+          <a:p>
+            <a:pPr algn="ctr"/>
+            <a:endParaRPr lang="fr-CH"/>
+          </a:p>
+        </p:txBody>
+      </p:sp>
+      <p:sp>
+        <p:nvSpPr>
+          <p:cNvPr id="46" name="Rectangle 45"/>
+          <p:cNvSpPr/>
+          <p:nvPr/>
+        </p:nvSpPr>
+        <p:spPr>
+          <a:xfrm>
+            <a:off x="3186057" y="4392867"/>
+            <a:ext cx="1310640" cy="190500"/>
+          </a:xfrm>
+          <a:prstGeom prst="rect">
+            <a:avLst/>
+          </a:prstGeom>
+          <a:solidFill>
+            <a:schemeClr val="bg1">
+              <a:lumMod val="75000"/>
+            </a:schemeClr>
+          </a:solidFill>
+        </p:spPr>
+        <p:style>
+          <a:lnRef idx="2">
+            <a:schemeClr val="dk1"/>
+          </a:lnRef>
+          <a:fillRef idx="1">
+            <a:schemeClr val="lt1"/>
+          </a:fillRef>
+          <a:effectRef idx="0">
+            <a:schemeClr val="dk1"/>
+          </a:effectRef>
+          <a:fontRef idx="minor">
+            <a:schemeClr val="dk1"/>
+          </a:fontRef>
+        </p:style>
+        <p:txBody>
+          <a:bodyPr rtlCol="0" anchor="ctr"/>
+          <a:lstStyle/>
+          <a:p>
+            <a:pPr algn="ctr"/>
+            <a:endParaRPr lang="fr-CH"/>
+          </a:p>
+        </p:txBody>
+      </p:sp>
+      <p:sp>
+        <p:nvSpPr>
+          <p:cNvPr id="47" name="Rectangle 46"/>
+          <p:cNvSpPr/>
+          <p:nvPr/>
+        </p:nvSpPr>
+        <p:spPr>
+          <a:xfrm>
+            <a:off x="4684833" y="4392867"/>
+            <a:ext cx="1310640" cy="190500"/>
+          </a:xfrm>
+          <a:prstGeom prst="rect">
+            <a:avLst/>
+          </a:prstGeom>
+          <a:solidFill>
+            <a:schemeClr val="bg1">
+              <a:lumMod val="75000"/>
+            </a:schemeClr>
+          </a:solidFill>
+        </p:spPr>
+        <p:style>
+          <a:lnRef idx="2">
+            <a:schemeClr val="dk1"/>
+          </a:lnRef>
+          <a:fillRef idx="1">
+            <a:schemeClr val="lt1"/>
+          </a:fillRef>
+          <a:effectRef idx="0">
+            <a:schemeClr val="dk1"/>
+          </a:effectRef>
+          <a:fontRef idx="minor">
+            <a:schemeClr val="dk1"/>
+          </a:fontRef>
+        </p:style>
+        <p:txBody>
+          <a:bodyPr rtlCol="0" anchor="ctr"/>
+          <a:lstStyle/>
+          <a:p>
+            <a:pPr algn="ctr"/>
+            <a:endParaRPr lang="fr-CH"/>
+          </a:p>
+        </p:txBody>
+      </p:sp>
+      <p:sp>
+        <p:nvSpPr>
+          <p:cNvPr id="48" name="Rectangle 47"/>
+          <p:cNvSpPr/>
+          <p:nvPr/>
+        </p:nvSpPr>
+        <p:spPr>
+          <a:xfrm>
+            <a:off x="7239574" y="4392867"/>
+            <a:ext cx="1310640" cy="190500"/>
+          </a:xfrm>
+          <a:prstGeom prst="rect">
+            <a:avLst/>
+          </a:prstGeom>
+          <a:solidFill>
+            <a:schemeClr val="bg1">
+              <a:lumMod val="75000"/>
+            </a:schemeClr>
+          </a:solidFill>
+        </p:spPr>
+        <p:style>
+          <a:lnRef idx="2">
+            <a:schemeClr val="dk1"/>
+          </a:lnRef>
+          <a:fillRef idx="1">
+            <a:schemeClr val="lt1"/>
+          </a:fillRef>
+          <a:effectRef idx="0">
+            <a:schemeClr val="dk1"/>
+          </a:effectRef>
+          <a:fontRef idx="minor">
+            <a:schemeClr val="dk1"/>
+          </a:fontRef>
+        </p:style>
+        <p:txBody>
+          <a:bodyPr rtlCol="0" anchor="ctr"/>
+          <a:lstStyle/>
+          <a:p>
+            <a:pPr algn="ctr"/>
+            <a:endParaRPr lang="fr-CH"/>
+          </a:p>
+        </p:txBody>
+      </p:sp>
+      <p:sp>
+        <p:nvSpPr>
+          <p:cNvPr id="49" name="ZoneTexte 48"/>
+          <p:cNvSpPr txBox="1"/>
+          <p:nvPr/>
+        </p:nvSpPr>
+        <p:spPr>
+          <a:xfrm>
+            <a:off x="3099660" y="4139626"/>
+            <a:ext cx="354584" cy="261610"/>
+          </a:xfrm>
+          <a:prstGeom prst="rect">
+            <a:avLst/>
+          </a:prstGeom>
+          <a:noFill/>
+        </p:spPr>
+        <p:txBody>
+          <a:bodyPr wrap="none" rtlCol="0">
+            <a:spAutoFit/>
+          </a:bodyPr>
+          <a:lstStyle/>
+          <a:p>
+            <a:r>
+              <a:rPr lang="fr-CH" sz="1100" dirty="0" smtClean="0"/>
+              <a:t>Est</a:t>
+            </a:r>
+            <a:endParaRPr lang="fr-CH" sz="1100" dirty="0"/>
+          </a:p>
+        </p:txBody>
+      </p:sp>
+      <p:sp>
+        <p:nvSpPr>
+          <p:cNvPr id="50" name="ZoneTexte 49"/>
+          <p:cNvSpPr txBox="1"/>
+          <p:nvPr/>
+        </p:nvSpPr>
+        <p:spPr>
+          <a:xfrm>
+            <a:off x="4626044" y="4131257"/>
+            <a:ext cx="473206" cy="261610"/>
+          </a:xfrm>
+          <a:prstGeom prst="rect">
+            <a:avLst/>
+          </a:prstGeom>
+          <a:noFill/>
+        </p:spPr>
+        <p:txBody>
+          <a:bodyPr wrap="none" rtlCol="0">
+            <a:spAutoFit/>
+          </a:bodyPr>
+          <a:lstStyle/>
+          <a:p>
+            <a:r>
+              <a:rPr lang="fr-CH" sz="1100" dirty="0" smtClean="0"/>
+              <a:t>Nord</a:t>
+            </a:r>
+            <a:endParaRPr lang="fr-CH" sz="1100" dirty="0"/>
+          </a:p>
+        </p:txBody>
+      </p:sp>
+      <p:sp>
+        <p:nvSpPr>
+          <p:cNvPr id="51" name="ZoneTexte 50"/>
+          <p:cNvSpPr txBox="1"/>
+          <p:nvPr/>
+        </p:nvSpPr>
+        <p:spPr>
+          <a:xfrm>
+            <a:off x="7143446" y="4139626"/>
+            <a:ext cx="641522" cy="261610"/>
+          </a:xfrm>
+          <a:prstGeom prst="rect">
+            <a:avLst/>
+          </a:prstGeom>
+          <a:noFill/>
+        </p:spPr>
+        <p:txBody>
+          <a:bodyPr wrap="none" rtlCol="0">
+            <a:spAutoFit/>
+          </a:bodyPr>
+          <a:lstStyle/>
+          <a:p>
+            <a:r>
+              <a:rPr lang="fr-CH" sz="1100" dirty="0" smtClean="0"/>
+              <a:t>Altitude</a:t>
+            </a:r>
+            <a:endParaRPr lang="fr-CH" sz="1100" dirty="0"/>
+          </a:p>
+        </p:txBody>
+      </p:sp>
+      <p:sp>
+        <p:nvSpPr>
+          <p:cNvPr id="52" name="Rectangle 51"/>
+          <p:cNvSpPr/>
+          <p:nvPr/>
+        </p:nvSpPr>
+        <p:spPr>
+          <a:xfrm>
+            <a:off x="3186057" y="4988377"/>
+            <a:ext cx="1310640" cy="190500"/>
+          </a:xfrm>
+          <a:prstGeom prst="rect">
+            <a:avLst/>
+          </a:prstGeom>
+          <a:solidFill>
+            <a:schemeClr val="bg1">
+              <a:lumMod val="75000"/>
+            </a:schemeClr>
+          </a:solidFill>
+        </p:spPr>
+        <p:style>
+          <a:lnRef idx="2">
+            <a:schemeClr val="dk1"/>
+          </a:lnRef>
+          <a:fillRef idx="1">
+            <a:schemeClr val="lt1"/>
+          </a:fillRef>
+          <a:effectRef idx="0">
+            <a:schemeClr val="dk1"/>
+          </a:effectRef>
+          <a:fontRef idx="minor">
+            <a:schemeClr val="dk1"/>
+          </a:fontRef>
+        </p:style>
+        <p:txBody>
+          <a:bodyPr rtlCol="0" anchor="ctr"/>
+          <a:lstStyle/>
+          <a:p>
+            <a:pPr algn="ctr"/>
+            <a:endParaRPr lang="fr-CH"/>
+          </a:p>
+        </p:txBody>
+      </p:sp>
+      <p:sp>
+        <p:nvSpPr>
+          <p:cNvPr id="53" name="Rectangle 52"/>
+          <p:cNvSpPr/>
+          <p:nvPr/>
+        </p:nvSpPr>
+        <p:spPr>
+          <a:xfrm>
+            <a:off x="4684833" y="4987820"/>
+            <a:ext cx="1310640" cy="190500"/>
+          </a:xfrm>
+          <a:prstGeom prst="rect">
+            <a:avLst/>
+          </a:prstGeom>
+          <a:solidFill>
+            <a:schemeClr val="bg1">
+              <a:lumMod val="75000"/>
+            </a:schemeClr>
+          </a:solidFill>
+        </p:spPr>
+        <p:style>
+          <a:lnRef idx="2">
+            <a:schemeClr val="dk1"/>
+          </a:lnRef>
+          <a:fillRef idx="1">
+            <a:schemeClr val="lt1"/>
+          </a:fillRef>
+          <a:effectRef idx="0">
+            <a:schemeClr val="dk1"/>
+          </a:effectRef>
+          <a:fontRef idx="minor">
+            <a:schemeClr val="dk1"/>
+          </a:fontRef>
+        </p:style>
+        <p:txBody>
+          <a:bodyPr rtlCol="0" anchor="ctr"/>
+          <a:lstStyle/>
+          <a:p>
+            <a:pPr algn="ctr"/>
+            <a:endParaRPr lang="fr-CH"/>
+          </a:p>
+        </p:txBody>
+      </p:sp>
+      <p:sp>
+        <p:nvSpPr>
+          <p:cNvPr id="54" name="ZoneTexte 53"/>
+          <p:cNvSpPr txBox="1"/>
+          <p:nvPr/>
+        </p:nvSpPr>
+        <p:spPr>
+          <a:xfrm>
+            <a:off x="3117477" y="4622719"/>
+            <a:ext cx="1563248" cy="261610"/>
+          </a:xfrm>
+          <a:prstGeom prst="rect">
+            <a:avLst/>
+          </a:prstGeom>
+          <a:noFill/>
+        </p:spPr>
+        <p:txBody>
+          <a:bodyPr wrap="none" rtlCol="0">
+            <a:spAutoFit/>
+          </a:bodyPr>
+          <a:lstStyle/>
+          <a:p>
+            <a:r>
+              <a:rPr lang="fr-CH" sz="1100" dirty="0" smtClean="0"/>
+              <a:t>Déviation de la verticale</a:t>
+            </a:r>
+            <a:endParaRPr lang="fr-CH" sz="1100" dirty="0"/>
+          </a:p>
+        </p:txBody>
+      </p:sp>
+      <p:sp>
+        <p:nvSpPr>
+          <p:cNvPr id="55" name="ZoneTexte 54"/>
+          <p:cNvSpPr txBox="1"/>
+          <p:nvPr/>
+        </p:nvSpPr>
+        <p:spPr>
+          <a:xfrm>
+            <a:off x="3117477" y="4760555"/>
+            <a:ext cx="269626" cy="261610"/>
+          </a:xfrm>
+          <a:prstGeom prst="rect">
+            <a:avLst/>
+          </a:prstGeom>
+          <a:noFill/>
+        </p:spPr>
+        <p:txBody>
+          <a:bodyPr wrap="none" rtlCol="0">
+            <a:spAutoFit/>
+          </a:bodyPr>
+          <a:lstStyle/>
+          <a:p>
+            <a:r>
+              <a:rPr lang="fr-CH" sz="1100" dirty="0" smtClean="0">
+                <a:latin typeface="Symbol" panose="05050102010706020507" pitchFamily="18" charset="2"/>
+              </a:rPr>
+              <a:t>h</a:t>
+            </a:r>
+            <a:endParaRPr lang="fr-CH" sz="1100" dirty="0">
+              <a:latin typeface="Symbol" panose="05050102010706020507" pitchFamily="18" charset="2"/>
+            </a:endParaRPr>
+          </a:p>
+        </p:txBody>
+      </p:sp>
+      <p:sp>
+        <p:nvSpPr>
+          <p:cNvPr id="56" name="ZoneTexte 55"/>
+          <p:cNvSpPr txBox="1"/>
+          <p:nvPr/>
+        </p:nvSpPr>
+        <p:spPr>
+          <a:xfrm>
+            <a:off x="4606855" y="4760555"/>
+            <a:ext cx="253596" cy="261610"/>
+          </a:xfrm>
+          <a:prstGeom prst="rect">
+            <a:avLst/>
+          </a:prstGeom>
+          <a:noFill/>
+        </p:spPr>
+        <p:txBody>
+          <a:bodyPr wrap="none" rtlCol="0">
+            <a:spAutoFit/>
+          </a:bodyPr>
+          <a:lstStyle/>
+          <a:p>
+            <a:r>
+              <a:rPr lang="fr-CH" sz="1100" dirty="0">
+                <a:latin typeface="Symbol" panose="05050102010706020507" pitchFamily="18" charset="2"/>
+              </a:rPr>
+              <a:t>x</a:t>
+            </a:r>
+          </a:p>
+        </p:txBody>
+      </p:sp>
+      <p:sp>
+        <p:nvSpPr>
+          <p:cNvPr id="57" name="Rectangle 56"/>
+          <p:cNvSpPr/>
+          <p:nvPr/>
+        </p:nvSpPr>
+        <p:spPr>
+          <a:xfrm>
+            <a:off x="7239574" y="4984806"/>
+            <a:ext cx="1310640" cy="190500"/>
+          </a:xfrm>
+          <a:prstGeom prst="rect">
+            <a:avLst/>
+          </a:prstGeom>
+          <a:solidFill>
+            <a:schemeClr val="bg1">
+              <a:lumMod val="75000"/>
+            </a:schemeClr>
+          </a:solidFill>
+        </p:spPr>
+        <p:style>
+          <a:lnRef idx="2">
+            <a:schemeClr val="dk1"/>
+          </a:lnRef>
+          <a:fillRef idx="1">
+            <a:schemeClr val="lt1"/>
+          </a:fillRef>
+          <a:effectRef idx="0">
+            <a:schemeClr val="dk1"/>
+          </a:effectRef>
+          <a:fontRef idx="minor">
+            <a:schemeClr val="dk1"/>
+          </a:fontRef>
+        </p:style>
+        <p:txBody>
+          <a:bodyPr rtlCol="0" anchor="ctr"/>
+          <a:lstStyle/>
+          <a:p>
+            <a:pPr algn="ctr"/>
+            <a:endParaRPr lang="fr-CH"/>
+          </a:p>
+        </p:txBody>
+      </p:sp>
+      <p:sp>
+        <p:nvSpPr>
+          <p:cNvPr id="58" name="ZoneTexte 57"/>
+          <p:cNvSpPr txBox="1"/>
+          <p:nvPr/>
+        </p:nvSpPr>
+        <p:spPr>
+          <a:xfrm>
+            <a:off x="7158743" y="4760555"/>
+            <a:ext cx="1048685" cy="261610"/>
+          </a:xfrm>
+          <a:prstGeom prst="rect">
+            <a:avLst/>
+          </a:prstGeom>
+          <a:noFill/>
+        </p:spPr>
+        <p:txBody>
+          <a:bodyPr wrap="none" rtlCol="0">
+            <a:spAutoFit/>
+          </a:bodyPr>
+          <a:lstStyle/>
+          <a:p>
+            <a:r>
+              <a:rPr lang="fr-CH" sz="1100" dirty="0" smtClean="0"/>
+              <a:t>Cote du </a:t>
+            </a:r>
+            <a:r>
+              <a:rPr lang="fr-CH" sz="1100" dirty="0" err="1" smtClean="0"/>
+              <a:t>géoide</a:t>
+            </a:r>
+            <a:endParaRPr lang="fr-CH" sz="1100" dirty="0"/>
+          </a:p>
+        </p:txBody>
+      </p:sp>
+      <p:pic>
+        <p:nvPicPr>
+          <p:cNvPr id="59" name="Image 58"/>
+          <p:cNvPicPr>
+            <a:picLocks noChangeAspect="1"/>
+          </p:cNvPicPr>
+          <p:nvPr/>
+        </p:nvPicPr>
+        <p:blipFill>
+          <a:blip r:embed="rId4">
+            <a:extLst>
+              <a:ext uri="{28A0092B-C50C-407E-A947-70E740481C1C}">
+                <a14:useLocalDpi xmlns:a14="http://schemas.microsoft.com/office/drawing/2010/main" val="0"/>
+              </a:ext>
+            </a:extLst>
+          </a:blip>
+          <a:stretch>
+            <a:fillRect/>
+          </a:stretch>
+        </p:blipFill>
+        <p:spPr>
+          <a:xfrm>
+            <a:off x="3646887" y="5405813"/>
+            <a:ext cx="1198111" cy="310621"/>
+          </a:xfrm>
+          <a:prstGeom prst="rect">
+            <a:avLst/>
+          </a:prstGeom>
+        </p:spPr>
+      </p:pic>
+      <p:pic>
+        <p:nvPicPr>
+          <p:cNvPr id="60" name="Image 59"/>
+          <p:cNvPicPr>
+            <a:picLocks noChangeAspect="1"/>
+          </p:cNvPicPr>
+          <p:nvPr/>
+        </p:nvPicPr>
+        <p:blipFill>
+          <a:blip r:embed="rId5">
+            <a:extLst>
+              <a:ext uri="{28A0092B-C50C-407E-A947-70E740481C1C}">
+                <a14:useLocalDpi xmlns:a14="http://schemas.microsoft.com/office/drawing/2010/main" val="0"/>
+              </a:ext>
+            </a:extLst>
+          </a:blip>
+          <a:stretch>
+            <a:fillRect/>
+          </a:stretch>
+        </p:blipFill>
+        <p:spPr>
+          <a:xfrm>
+            <a:off x="7095677" y="5401459"/>
+            <a:ext cx="1750381" cy="319327"/>
+          </a:xfrm>
+          <a:prstGeom prst="rect">
+            <a:avLst/>
+          </a:prstGeom>
+        </p:spPr>
+      </p:pic>
+      <p:sp>
+        <p:nvSpPr>
+          <p:cNvPr id="61" name="ZoneTexte 60"/>
+          <p:cNvSpPr txBox="1"/>
+          <p:nvPr/>
+        </p:nvSpPr>
+        <p:spPr>
+          <a:xfrm>
+            <a:off x="5569789" y="874460"/>
+            <a:ext cx="1776961" cy="276999"/>
+          </a:xfrm>
+          <a:prstGeom prst="rect">
+            <a:avLst/>
+          </a:prstGeom>
+          <a:noFill/>
+        </p:spPr>
+        <p:txBody>
+          <a:bodyPr wrap="none" rtlCol="0">
+            <a:spAutoFit/>
+          </a:bodyPr>
+          <a:lstStyle/>
+          <a:p>
+            <a:r>
+              <a:rPr lang="fr-CH" sz="1200" dirty="0" smtClean="0"/>
+              <a:t>Transformation via fichier</a:t>
+            </a:r>
+            <a:endParaRPr lang="fr-CH" sz="1200" dirty="0"/>
+          </a:p>
+        </p:txBody>
+      </p:sp>
+      <p:pic>
+        <p:nvPicPr>
+          <p:cNvPr id="62" name="Image 61"/>
+          <p:cNvPicPr>
+            <a:picLocks noChangeAspect="1"/>
+          </p:cNvPicPr>
+          <p:nvPr/>
+        </p:nvPicPr>
+        <p:blipFill>
+          <a:blip r:embed="rId6"/>
+          <a:stretch>
+            <a:fillRect/>
+          </a:stretch>
+        </p:blipFill>
+        <p:spPr>
+          <a:xfrm>
+            <a:off x="9390160" y="641221"/>
+            <a:ext cx="466725" cy="447675"/>
+          </a:xfrm>
+          <a:prstGeom prst="rect">
+            <a:avLst/>
+          </a:prstGeom>
+        </p:spPr>
+      </p:pic>
+      <p:pic>
+        <p:nvPicPr>
+          <p:cNvPr id="63" name="Image 62"/>
+          <p:cNvPicPr>
+            <a:picLocks noChangeAspect="1"/>
+          </p:cNvPicPr>
+          <p:nvPr/>
+        </p:nvPicPr>
+        <p:blipFill>
+          <a:blip r:embed="rId7" cstate="print">
+            <a:extLst>
+              <a:ext uri="{28A0092B-C50C-407E-A947-70E740481C1C}">
+                <a14:useLocalDpi xmlns:a14="http://schemas.microsoft.com/office/drawing/2010/main" val="0"/>
+              </a:ext>
+            </a:extLst>
+          </a:blip>
+          <a:stretch>
+            <a:fillRect/>
+          </a:stretch>
+        </p:blipFill>
+        <p:spPr>
+          <a:xfrm>
+            <a:off x="7759123" y="5448765"/>
+            <a:ext cx="570336" cy="570336"/>
+          </a:xfrm>
+          <a:prstGeom prst="rect">
+            <a:avLst/>
+          </a:prstGeom>
+        </p:spPr>
+      </p:pic>
+      <p:sp>
+        <p:nvSpPr>
+          <p:cNvPr id="64" name="Ellipse 63"/>
+          <p:cNvSpPr/>
+          <p:nvPr/>
+        </p:nvSpPr>
+        <p:spPr>
+          <a:xfrm>
+            <a:off x="4129456" y="4964166"/>
+            <a:ext cx="2832910" cy="991722"/>
+          </a:xfrm>
+          <a:prstGeom prst="ellipse">
+            <a:avLst/>
+          </a:prstGeom>
+        </p:spPr>
+        <p:style>
+          <a:lnRef idx="2">
+            <a:schemeClr val="accent1">
+              <a:shade val="50000"/>
+            </a:schemeClr>
+          </a:lnRef>
+          <a:fillRef idx="1">
+            <a:schemeClr val="accent1"/>
+          </a:fillRef>
+          <a:effectRef idx="0">
+            <a:schemeClr val="accent1"/>
+          </a:effectRef>
+          <a:fontRef idx="minor">
+            <a:schemeClr val="lt1"/>
+          </a:fontRef>
+        </p:style>
+        <p:txBody>
+          <a:bodyPr rtlCol="0" anchor="ctr"/>
+          <a:lstStyle/>
+          <a:p>
+            <a:pPr algn="ctr"/>
+            <a:r>
+              <a:rPr lang="fr-CH" dirty="0" smtClean="0"/>
+              <a:t>Nous pouvons ajouter à la carte le point rentré</a:t>
+            </a:r>
+            <a:endParaRPr lang="fr-CH" dirty="0"/>
+          </a:p>
+        </p:txBody>
+      </p:sp>
+    </p:spTree>
+    <p:extLst>
+      <p:ext uri="{BB962C8B-B14F-4D97-AF65-F5344CB8AC3E}">
+        <p14:creationId xmlns:p14="http://schemas.microsoft.com/office/powerpoint/2010/main" val="429532040"/>
+      </p:ext>
+    </p:extLst>
+  </p:cSld>
+  <p:clrMapOvr>
+    <a:masterClrMapping/>
+  </p:clrMapOvr>
+  <p:timing>
+    <p:tnLst>
+      <p:par>
+        <p:cTn id="1" dur="indefinite" restart="never" nodeType="tmRoot"/>
+      </p:par>
+    </p:tnLst>
+  </p:timing>
+</p:sld>
+</file>
+
+<file path=ppt/slides/slide8.xml><?xml version="1.0" encoding="utf-8"?>
+<p:sld xmlns:a="http://schemas.openxmlformats.org/drawingml/2006/main" xmlns:r="http://schemas.openxmlformats.org/officeDocument/2006/relationships" xmlns:p="http://schemas.openxmlformats.org/presentationml/2006/main">
+  <p:cSld>
+    <p:bg>
+      <p:bgPr>
+        <a:blipFill dpi="0" rotWithShape="1">
+          <a:blip r:embed="rId2">
+            <a:lum/>
+          </a:blip>
+          <a:srcRect/>
+          <a:stretch>
+            <a:fillRect l="-4000" r="-4000"/>
+          </a:stretch>
+        </a:blipFill>
+        <a:effectLst/>
+      </p:bgPr>
+    </p:bg>
+    <p:spTree>
+      <p:nvGrpSpPr>
+        <p:cNvPr id="1" name=""/>
+        <p:cNvGrpSpPr/>
+        <p:nvPr/>
+      </p:nvGrpSpPr>
+      <p:grpSpPr>
+        <a:xfrm>
+          <a:off x="0" y="0"/>
+          <a:ext cx="0" cy="0"/>
+          <a:chOff x="0" y="0"/>
+          <a:chExt cx="0" cy="0"/>
+        </a:xfrm>
+      </p:grpSpPr>
+      <p:sp>
+        <p:nvSpPr>
+          <p:cNvPr id="42" name="Rectangle 41"/>
+          <p:cNvSpPr/>
+          <p:nvPr/>
+        </p:nvSpPr>
+        <p:spPr>
+          <a:xfrm>
+            <a:off x="0" y="0"/>
+            <a:ext cx="2697481" cy="982442"/>
+          </a:xfrm>
+          <a:prstGeom prst="rect">
+            <a:avLst/>
+          </a:prstGeom>
+          <a:solidFill>
+            <a:schemeClr val="bg1"/>
+          </a:solidFill>
+          <a:ln>
+            <a:solidFill>
+              <a:schemeClr val="bg1"/>
+            </a:solidFill>
+          </a:ln>
+        </p:spPr>
+        <p:style>
+          <a:lnRef idx="2">
+            <a:schemeClr val="accent1">
+              <a:shade val="50000"/>
+            </a:schemeClr>
+          </a:lnRef>
+          <a:fillRef idx="1">
+            <a:schemeClr val="accent1"/>
+          </a:fillRef>
+          <a:effectRef idx="0">
+            <a:schemeClr val="accent1"/>
+          </a:effectRef>
+          <a:fontRef idx="minor">
+            <a:schemeClr val="lt1"/>
+          </a:fontRef>
+        </p:style>
+        <p:txBody>
+          <a:bodyPr rtlCol="0" anchor="ctr"/>
+          <a:lstStyle/>
+          <a:p>
+            <a:pPr algn="ctr"/>
+            <a:endParaRPr lang="fr-CH"/>
+          </a:p>
+        </p:txBody>
+      </p:sp>
+      <p:sp>
+        <p:nvSpPr>
+          <p:cNvPr id="18" name="Rectangle 17"/>
+          <p:cNvSpPr/>
+          <p:nvPr/>
+        </p:nvSpPr>
+        <p:spPr>
+          <a:xfrm>
+            <a:off x="1" y="1"/>
+            <a:ext cx="2697480" cy="6858000"/>
+          </a:xfrm>
+          <a:prstGeom prst="rect">
+            <a:avLst/>
+          </a:prstGeom>
+          <a:solidFill>
+            <a:schemeClr val="bg1"/>
+          </a:solidFill>
+          <a:ln>
+            <a:solidFill>
+              <a:schemeClr val="bg1"/>
+            </a:solidFill>
+          </a:ln>
+        </p:spPr>
+        <p:style>
+          <a:lnRef idx="2">
+            <a:schemeClr val="accent1">
+              <a:shade val="50000"/>
+            </a:schemeClr>
+          </a:lnRef>
+          <a:fillRef idx="1">
+            <a:schemeClr val="accent1"/>
+          </a:fillRef>
+          <a:effectRef idx="0">
+            <a:schemeClr val="accent1"/>
+          </a:effectRef>
+          <a:fontRef idx="minor">
+            <a:schemeClr val="lt1"/>
+          </a:fontRef>
+        </p:style>
+        <p:txBody>
+          <a:bodyPr rtlCol="0" anchor="ctr"/>
+          <a:lstStyle/>
+          <a:p>
+            <a:pPr algn="ctr"/>
+            <a:endParaRPr lang="fr-CH" dirty="0"/>
+          </a:p>
+        </p:txBody>
+      </p:sp>
+      <p:sp>
+        <p:nvSpPr>
+          <p:cNvPr id="19" name="ZoneTexte 18"/>
+          <p:cNvSpPr txBox="1"/>
+          <p:nvPr/>
+        </p:nvSpPr>
+        <p:spPr>
+          <a:xfrm>
+            <a:off x="89272" y="800469"/>
+            <a:ext cx="2411954" cy="2400657"/>
+          </a:xfrm>
+          <a:prstGeom prst="rect">
+            <a:avLst/>
+          </a:prstGeom>
+          <a:noFill/>
+        </p:spPr>
+        <p:txBody>
+          <a:bodyPr wrap="square" rtlCol="0">
+            <a:spAutoFit/>
+          </a:bodyPr>
+          <a:lstStyle/>
+          <a:p>
+            <a:r>
+              <a:rPr lang="fr-CH" dirty="0" smtClean="0"/>
+              <a:t>Liste des points fixes</a:t>
+            </a:r>
+          </a:p>
+          <a:p>
+            <a:r>
+              <a:rPr lang="fr-CH" sz="1600" u="sng" dirty="0" smtClean="0"/>
+              <a:t>Français:</a:t>
+            </a:r>
+          </a:p>
+          <a:p>
+            <a:r>
+              <a:rPr lang="fr-CH" sz="1600" dirty="0"/>
+              <a:t> </a:t>
+            </a:r>
+            <a:r>
+              <a:rPr lang="fr-CH" sz="1600" dirty="0" smtClean="0"/>
+              <a:t>     </a:t>
+            </a:r>
+            <a:r>
+              <a:rPr lang="fr-CH" sz="1200" dirty="0" smtClean="0"/>
+              <a:t>Points fixes de type 1</a:t>
+            </a:r>
+            <a:endParaRPr lang="fr-CH" sz="1200" u="sng" dirty="0" smtClean="0"/>
+          </a:p>
+          <a:p>
+            <a:r>
+              <a:rPr lang="fr-CH" sz="1200" dirty="0"/>
+              <a:t> </a:t>
+            </a:r>
+            <a:r>
+              <a:rPr lang="fr-CH" sz="1200" dirty="0" smtClean="0"/>
+              <a:t>        …</a:t>
+            </a:r>
+            <a:endParaRPr lang="fr-CH" sz="1200" dirty="0"/>
+          </a:p>
+          <a:p>
+            <a:r>
+              <a:rPr lang="fr-CH" sz="1600" u="sng" dirty="0" smtClean="0"/>
+              <a:t>Suisse:</a:t>
+            </a:r>
+          </a:p>
+          <a:p>
+            <a:r>
+              <a:rPr lang="fr-CH" sz="1600" dirty="0" smtClean="0"/>
+              <a:t>      </a:t>
+            </a:r>
+            <a:r>
+              <a:rPr lang="fr-CH" sz="1200" dirty="0" smtClean="0"/>
+              <a:t>PFP 1</a:t>
+            </a:r>
+          </a:p>
+          <a:p>
+            <a:r>
+              <a:rPr lang="fr-CH" sz="1200" dirty="0"/>
+              <a:t> </a:t>
+            </a:r>
+            <a:r>
+              <a:rPr lang="fr-CH" sz="1200" dirty="0" smtClean="0"/>
+              <a:t>       PFP 2</a:t>
+            </a:r>
+          </a:p>
+          <a:p>
+            <a:r>
+              <a:rPr lang="fr-CH" sz="1200" dirty="0"/>
+              <a:t> </a:t>
+            </a:r>
+            <a:r>
+              <a:rPr lang="fr-CH" sz="1200" dirty="0" smtClean="0"/>
+              <a:t>       PFP 3</a:t>
+            </a:r>
+          </a:p>
+          <a:p>
+            <a:r>
+              <a:rPr lang="fr-CH" sz="1200" dirty="0"/>
+              <a:t> </a:t>
+            </a:r>
+            <a:r>
+              <a:rPr lang="fr-CH" sz="1200" dirty="0" smtClean="0"/>
+              <a:t>       …</a:t>
+            </a:r>
+          </a:p>
+          <a:p>
+            <a:endParaRPr lang="fr-CH" sz="1600" u="sng" dirty="0"/>
+          </a:p>
+        </p:txBody>
+      </p:sp>
+      <p:sp>
+        <p:nvSpPr>
+          <p:cNvPr id="25" name="Multiplier 24"/>
+          <p:cNvSpPr/>
+          <p:nvPr/>
+        </p:nvSpPr>
+        <p:spPr>
+          <a:xfrm>
+            <a:off x="1109153" y="1950997"/>
+            <a:ext cx="360000" cy="360000"/>
+          </a:xfrm>
+          <a:prstGeom prst="mathMultiply">
+            <a:avLst/>
+          </a:prstGeom>
+          <a:solidFill>
+            <a:srgbClr val="FF0000"/>
+          </a:solidFill>
+          <a:ln w="0">
+            <a:solidFill>
+              <a:srgbClr val="FF0000"/>
+            </a:solidFill>
+          </a:ln>
+        </p:spPr>
+        <p:style>
+          <a:lnRef idx="2">
+            <a:schemeClr val="accent1">
+              <a:shade val="50000"/>
+            </a:schemeClr>
+          </a:lnRef>
+          <a:fillRef idx="1">
+            <a:schemeClr val="accent1"/>
+          </a:fillRef>
+          <a:effectRef idx="0">
+            <a:schemeClr val="accent1"/>
+          </a:effectRef>
+          <a:fontRef idx="minor">
+            <a:schemeClr val="lt1"/>
+          </a:fontRef>
+        </p:style>
+        <p:txBody>
+          <a:bodyPr rtlCol="0" anchor="ctr"/>
+          <a:lstStyle/>
+          <a:p>
+            <a:pPr algn="ctr"/>
+            <a:endParaRPr lang="fr-CH"/>
+          </a:p>
+        </p:txBody>
+      </p:sp>
+      <p:sp>
+        <p:nvSpPr>
+          <p:cNvPr id="27" name="Multiplier 26"/>
+          <p:cNvSpPr/>
+          <p:nvPr/>
+        </p:nvSpPr>
+        <p:spPr>
+          <a:xfrm>
+            <a:off x="1115249" y="2194529"/>
+            <a:ext cx="360000" cy="360000"/>
+          </a:xfrm>
+          <a:prstGeom prst="mathMultiply">
+            <a:avLst/>
+          </a:prstGeom>
+          <a:solidFill>
+            <a:srgbClr val="FFC000"/>
+          </a:solidFill>
+          <a:ln w="0">
+            <a:solidFill>
+              <a:srgbClr val="FFC000"/>
+            </a:solidFill>
+          </a:ln>
+        </p:spPr>
+        <p:style>
+          <a:lnRef idx="2">
+            <a:schemeClr val="accent1">
+              <a:shade val="50000"/>
+            </a:schemeClr>
+          </a:lnRef>
+          <a:fillRef idx="1">
+            <a:schemeClr val="accent1"/>
+          </a:fillRef>
+          <a:effectRef idx="0">
+            <a:schemeClr val="accent1"/>
+          </a:effectRef>
+          <a:fontRef idx="minor">
+            <a:schemeClr val="lt1"/>
+          </a:fontRef>
+        </p:style>
+        <p:txBody>
+          <a:bodyPr rtlCol="0" anchor="ctr"/>
+          <a:lstStyle/>
+          <a:p>
+            <a:pPr algn="ctr"/>
+            <a:endParaRPr lang="fr-CH"/>
+          </a:p>
+        </p:txBody>
+      </p:sp>
+      <p:sp>
+        <p:nvSpPr>
+          <p:cNvPr id="28" name="Multiplier 27"/>
+          <p:cNvSpPr/>
+          <p:nvPr/>
+        </p:nvSpPr>
+        <p:spPr>
+          <a:xfrm>
+            <a:off x="1109153" y="2446771"/>
+            <a:ext cx="360000" cy="360000"/>
+          </a:xfrm>
+          <a:prstGeom prst="mathMultiply">
+            <a:avLst/>
+          </a:prstGeom>
+          <a:solidFill>
+            <a:srgbClr val="FFFF00"/>
+          </a:solidFill>
+          <a:ln w="0">
+            <a:solidFill>
+              <a:srgbClr val="FFC000"/>
+            </a:solidFill>
+          </a:ln>
+        </p:spPr>
+        <p:style>
+          <a:lnRef idx="2">
+            <a:schemeClr val="accent1">
+              <a:shade val="50000"/>
+            </a:schemeClr>
+          </a:lnRef>
+          <a:fillRef idx="1">
+            <a:schemeClr val="accent1"/>
+          </a:fillRef>
+          <a:effectRef idx="0">
+            <a:schemeClr val="accent1"/>
+          </a:effectRef>
+          <a:fontRef idx="minor">
+            <a:schemeClr val="lt1"/>
+          </a:fontRef>
+        </p:style>
+        <p:txBody>
+          <a:bodyPr rtlCol="0" anchor="ctr"/>
+          <a:lstStyle/>
+          <a:p>
+            <a:pPr algn="ctr"/>
+            <a:endParaRPr lang="fr-CH"/>
+          </a:p>
+        </p:txBody>
+      </p:sp>
+      <p:pic>
+        <p:nvPicPr>
+          <p:cNvPr id="29" name="Image 28"/>
+          <p:cNvPicPr>
+            <a:picLocks noChangeAspect="1"/>
+          </p:cNvPicPr>
+          <p:nvPr/>
+        </p:nvPicPr>
+        <p:blipFill>
+          <a:blip r:embed="rId3"/>
+          <a:stretch>
+            <a:fillRect/>
+          </a:stretch>
+        </p:blipFill>
+        <p:spPr>
+          <a:xfrm>
+            <a:off x="190573" y="2310997"/>
+            <a:ext cx="144000" cy="144000"/>
+          </a:xfrm>
+          <a:prstGeom prst="rect">
+            <a:avLst/>
+          </a:prstGeom>
+        </p:spPr>
+      </p:pic>
+      <p:pic>
+        <p:nvPicPr>
+          <p:cNvPr id="30" name="Image 29"/>
+          <p:cNvPicPr>
+            <a:picLocks noChangeAspect="1"/>
+          </p:cNvPicPr>
+          <p:nvPr/>
+        </p:nvPicPr>
+        <p:blipFill>
+          <a:blip r:embed="rId4"/>
+          <a:stretch>
+            <a:fillRect/>
+          </a:stretch>
+        </p:blipFill>
+        <p:spPr>
+          <a:xfrm>
+            <a:off x="190574" y="2088225"/>
+            <a:ext cx="147130" cy="144000"/>
+          </a:xfrm>
+          <a:prstGeom prst="rect">
+            <a:avLst/>
+          </a:prstGeom>
+        </p:spPr>
+      </p:pic>
+      <p:sp>
+        <p:nvSpPr>
+          <p:cNvPr id="32" name="Multiplier 31"/>
+          <p:cNvSpPr/>
+          <p:nvPr/>
+        </p:nvSpPr>
+        <p:spPr>
+          <a:xfrm>
+            <a:off x="2910454" y="5699958"/>
+            <a:ext cx="360000" cy="360000"/>
+          </a:xfrm>
+          <a:prstGeom prst="mathMultiply">
+            <a:avLst/>
+          </a:prstGeom>
+          <a:solidFill>
+            <a:srgbClr val="FF0000"/>
+          </a:solidFill>
+          <a:ln w="0">
+            <a:solidFill>
+              <a:srgbClr val="FF0000"/>
+            </a:solidFill>
+          </a:ln>
+        </p:spPr>
+        <p:style>
+          <a:lnRef idx="2">
+            <a:schemeClr val="accent1">
+              <a:shade val="50000"/>
+            </a:schemeClr>
+          </a:lnRef>
+          <a:fillRef idx="1">
+            <a:schemeClr val="accent1"/>
+          </a:fillRef>
+          <a:effectRef idx="0">
+            <a:schemeClr val="accent1"/>
+          </a:effectRef>
+          <a:fontRef idx="minor">
+            <a:schemeClr val="lt1"/>
+          </a:fontRef>
+        </p:style>
+        <p:txBody>
+          <a:bodyPr rtlCol="0" anchor="ctr"/>
+          <a:lstStyle/>
+          <a:p>
+            <a:pPr algn="ctr"/>
+            <a:endParaRPr lang="fr-CH"/>
+          </a:p>
+        </p:txBody>
+      </p:sp>
+      <p:sp>
+        <p:nvSpPr>
+          <p:cNvPr id="33" name="Multiplier 32"/>
+          <p:cNvSpPr/>
+          <p:nvPr/>
+        </p:nvSpPr>
+        <p:spPr>
+          <a:xfrm>
+            <a:off x="6464641" y="3102599"/>
+            <a:ext cx="360000" cy="360000"/>
+          </a:xfrm>
+          <a:prstGeom prst="mathMultiply">
+            <a:avLst/>
+          </a:prstGeom>
+          <a:solidFill>
+            <a:srgbClr val="FF0000"/>
+          </a:solidFill>
+          <a:ln w="0">
+            <a:solidFill>
+              <a:srgbClr val="FF0000"/>
+            </a:solidFill>
+          </a:ln>
+        </p:spPr>
+        <p:style>
+          <a:lnRef idx="2">
+            <a:schemeClr val="accent1">
+              <a:shade val="50000"/>
+            </a:schemeClr>
+          </a:lnRef>
+          <a:fillRef idx="1">
+            <a:schemeClr val="accent1"/>
+          </a:fillRef>
+          <a:effectRef idx="0">
+            <a:schemeClr val="accent1"/>
+          </a:effectRef>
+          <a:fontRef idx="minor">
+            <a:schemeClr val="lt1"/>
+          </a:fontRef>
+        </p:style>
+        <p:txBody>
+          <a:bodyPr rtlCol="0" anchor="ctr"/>
+          <a:lstStyle/>
+          <a:p>
+            <a:pPr algn="ctr"/>
+            <a:endParaRPr lang="fr-CH"/>
+          </a:p>
+        </p:txBody>
+      </p:sp>
+      <p:sp>
+        <p:nvSpPr>
+          <p:cNvPr id="34" name="Multiplier 33"/>
+          <p:cNvSpPr/>
+          <p:nvPr/>
+        </p:nvSpPr>
+        <p:spPr>
+          <a:xfrm>
+            <a:off x="8154297" y="982442"/>
+            <a:ext cx="360000" cy="360000"/>
+          </a:xfrm>
+          <a:prstGeom prst="mathMultiply">
+            <a:avLst/>
+          </a:prstGeom>
+          <a:solidFill>
+            <a:srgbClr val="FF0000"/>
+          </a:solidFill>
+          <a:ln w="0">
+            <a:solidFill>
+              <a:srgbClr val="FF0000"/>
+            </a:solidFill>
+          </a:ln>
+        </p:spPr>
+        <p:style>
+          <a:lnRef idx="2">
+            <a:schemeClr val="accent1">
+              <a:shade val="50000"/>
+            </a:schemeClr>
+          </a:lnRef>
+          <a:fillRef idx="1">
+            <a:schemeClr val="accent1"/>
+          </a:fillRef>
+          <a:effectRef idx="0">
+            <a:schemeClr val="accent1"/>
+          </a:effectRef>
+          <a:fontRef idx="minor">
+            <a:schemeClr val="lt1"/>
+          </a:fontRef>
+        </p:style>
+        <p:txBody>
+          <a:bodyPr rtlCol="0" anchor="ctr"/>
+          <a:lstStyle/>
+          <a:p>
+            <a:pPr algn="ctr"/>
+            <a:endParaRPr lang="fr-CH"/>
+          </a:p>
+        </p:txBody>
+      </p:sp>
+      <p:sp>
+        <p:nvSpPr>
+          <p:cNvPr id="35" name="Multiplier 34"/>
+          <p:cNvSpPr/>
+          <p:nvPr/>
+        </p:nvSpPr>
+        <p:spPr>
+          <a:xfrm>
+            <a:off x="4396732" y="5510152"/>
+            <a:ext cx="360000" cy="360000"/>
+          </a:xfrm>
+          <a:prstGeom prst="mathMultiply">
+            <a:avLst/>
+          </a:prstGeom>
+          <a:solidFill>
+            <a:srgbClr val="FFFF00"/>
+          </a:solidFill>
+          <a:ln w="0">
+            <a:solidFill>
+              <a:srgbClr val="FFC000"/>
+            </a:solidFill>
+          </a:ln>
+        </p:spPr>
+        <p:style>
+          <a:lnRef idx="2">
+            <a:schemeClr val="accent1">
+              <a:shade val="50000"/>
+            </a:schemeClr>
+          </a:lnRef>
+          <a:fillRef idx="1">
+            <a:schemeClr val="accent1"/>
+          </a:fillRef>
+          <a:effectRef idx="0">
+            <a:schemeClr val="accent1"/>
+          </a:effectRef>
+          <a:fontRef idx="minor">
+            <a:schemeClr val="lt1"/>
+          </a:fontRef>
+        </p:style>
+        <p:txBody>
+          <a:bodyPr rtlCol="0" anchor="ctr"/>
+          <a:lstStyle/>
+          <a:p>
+            <a:pPr algn="ctr"/>
+            <a:endParaRPr lang="fr-CH"/>
+          </a:p>
+        </p:txBody>
+      </p:sp>
+      <p:sp>
+        <p:nvSpPr>
+          <p:cNvPr id="36" name="Multiplier 35"/>
+          <p:cNvSpPr/>
+          <p:nvPr/>
+        </p:nvSpPr>
+        <p:spPr>
+          <a:xfrm>
+            <a:off x="5451958" y="3731226"/>
+            <a:ext cx="360000" cy="360000"/>
+          </a:xfrm>
+          <a:prstGeom prst="mathMultiply">
+            <a:avLst/>
+          </a:prstGeom>
+          <a:solidFill>
+            <a:srgbClr val="FFFF00"/>
+          </a:solidFill>
+          <a:ln w="0">
+            <a:solidFill>
+              <a:srgbClr val="FFC000"/>
+            </a:solidFill>
+          </a:ln>
+        </p:spPr>
+        <p:style>
+          <a:lnRef idx="2">
+            <a:schemeClr val="accent1">
+              <a:shade val="50000"/>
+            </a:schemeClr>
+          </a:lnRef>
+          <a:fillRef idx="1">
+            <a:schemeClr val="accent1"/>
+          </a:fillRef>
+          <a:effectRef idx="0">
+            <a:schemeClr val="accent1"/>
+          </a:effectRef>
+          <a:fontRef idx="minor">
+            <a:schemeClr val="lt1"/>
+          </a:fontRef>
+        </p:style>
+        <p:txBody>
+          <a:bodyPr rtlCol="0" anchor="ctr"/>
+          <a:lstStyle/>
+          <a:p>
+            <a:pPr algn="ctr"/>
+            <a:endParaRPr lang="fr-CH"/>
+          </a:p>
+        </p:txBody>
+      </p:sp>
+      <p:sp>
+        <p:nvSpPr>
+          <p:cNvPr id="37" name="Multiplier 36"/>
+          <p:cNvSpPr/>
+          <p:nvPr/>
+        </p:nvSpPr>
+        <p:spPr>
+          <a:xfrm>
+            <a:off x="7375285" y="3282599"/>
+            <a:ext cx="360000" cy="360000"/>
+          </a:xfrm>
+          <a:prstGeom prst="mathMultiply">
+            <a:avLst/>
+          </a:prstGeom>
+          <a:solidFill>
+            <a:srgbClr val="FFFF00"/>
+          </a:solidFill>
+          <a:ln w="0">
+            <a:solidFill>
+              <a:srgbClr val="FFC000"/>
+            </a:solidFill>
+          </a:ln>
+        </p:spPr>
+        <p:style>
+          <a:lnRef idx="2">
+            <a:schemeClr val="accent1">
+              <a:shade val="50000"/>
+            </a:schemeClr>
+          </a:lnRef>
+          <a:fillRef idx="1">
+            <a:schemeClr val="accent1"/>
+          </a:fillRef>
+          <a:effectRef idx="0">
+            <a:schemeClr val="accent1"/>
+          </a:effectRef>
+          <a:fontRef idx="minor">
+            <a:schemeClr val="lt1"/>
+          </a:fontRef>
+        </p:style>
+        <p:txBody>
+          <a:bodyPr rtlCol="0" anchor="ctr"/>
+          <a:lstStyle/>
+          <a:p>
+            <a:pPr algn="ctr"/>
+            <a:endParaRPr lang="fr-CH"/>
+          </a:p>
+        </p:txBody>
+      </p:sp>
+      <p:sp>
+        <p:nvSpPr>
+          <p:cNvPr id="38" name="Multiplier 37"/>
+          <p:cNvSpPr/>
+          <p:nvPr/>
+        </p:nvSpPr>
+        <p:spPr>
+          <a:xfrm>
+            <a:off x="8285182" y="1841588"/>
+            <a:ext cx="360000" cy="360000"/>
+          </a:xfrm>
+          <a:prstGeom prst="mathMultiply">
+            <a:avLst/>
+          </a:prstGeom>
+          <a:solidFill>
+            <a:srgbClr val="FFFF00"/>
+          </a:solidFill>
+          <a:ln w="0">
+            <a:solidFill>
+              <a:srgbClr val="FFC000"/>
+            </a:solidFill>
+          </a:ln>
+        </p:spPr>
+        <p:style>
+          <a:lnRef idx="2">
+            <a:schemeClr val="accent1">
+              <a:shade val="50000"/>
+            </a:schemeClr>
+          </a:lnRef>
+          <a:fillRef idx="1">
+            <a:schemeClr val="accent1"/>
+          </a:fillRef>
+          <a:effectRef idx="0">
+            <a:schemeClr val="accent1"/>
+          </a:effectRef>
+          <a:fontRef idx="minor">
+            <a:schemeClr val="lt1"/>
+          </a:fontRef>
+        </p:style>
+        <p:txBody>
+          <a:bodyPr rtlCol="0" anchor="ctr"/>
+          <a:lstStyle/>
+          <a:p>
+            <a:pPr algn="ctr"/>
+            <a:endParaRPr lang="fr-CH"/>
+          </a:p>
+        </p:txBody>
+      </p:sp>
+      <p:sp>
+        <p:nvSpPr>
+          <p:cNvPr id="39" name="Multiplier 38"/>
+          <p:cNvSpPr/>
+          <p:nvPr/>
+        </p:nvSpPr>
+        <p:spPr>
+          <a:xfrm rot="18900000">
+            <a:off x="1797500" y="1332024"/>
+            <a:ext cx="360000" cy="360000"/>
+          </a:xfrm>
+          <a:prstGeom prst="mathMultiply">
+            <a:avLst/>
+          </a:prstGeom>
+          <a:solidFill>
+            <a:srgbClr val="002060"/>
+          </a:solidFill>
+          <a:ln w="0">
+            <a:solidFill>
+              <a:srgbClr val="002060"/>
+            </a:solidFill>
+          </a:ln>
+        </p:spPr>
+        <p:style>
+          <a:lnRef idx="2">
+            <a:schemeClr val="accent1">
+              <a:shade val="50000"/>
+            </a:schemeClr>
+          </a:lnRef>
+          <a:fillRef idx="1">
+            <a:schemeClr val="accent1"/>
+          </a:fillRef>
+          <a:effectRef idx="0">
+            <a:schemeClr val="accent1"/>
+          </a:effectRef>
+          <a:fontRef idx="minor">
+            <a:schemeClr val="lt1"/>
+          </a:fontRef>
+        </p:style>
+        <p:txBody>
+          <a:bodyPr rtlCol="0" anchor="ctr"/>
+          <a:lstStyle/>
+          <a:p>
+            <a:pPr algn="ctr"/>
+            <a:endParaRPr lang="fr-CH"/>
+          </a:p>
+        </p:txBody>
+      </p:sp>
+      <p:sp>
+        <p:nvSpPr>
+          <p:cNvPr id="40" name="Multiplier 39"/>
+          <p:cNvSpPr/>
+          <p:nvPr/>
+        </p:nvSpPr>
+        <p:spPr>
+          <a:xfrm rot="18900000">
+            <a:off x="1805190" y="1607049"/>
+            <a:ext cx="360000" cy="360000"/>
+          </a:xfrm>
+          <a:prstGeom prst="mathMultiply">
+            <a:avLst/>
+          </a:prstGeom>
+          <a:solidFill>
+            <a:srgbClr val="0070C0"/>
+          </a:solidFill>
+          <a:ln w="0">
+            <a:solidFill>
+              <a:srgbClr val="0070C0"/>
+            </a:solidFill>
+          </a:ln>
+        </p:spPr>
+        <p:style>
+          <a:lnRef idx="2">
+            <a:schemeClr val="accent1">
+              <a:shade val="50000"/>
+            </a:schemeClr>
+          </a:lnRef>
+          <a:fillRef idx="1">
+            <a:schemeClr val="accent1"/>
+          </a:fillRef>
+          <a:effectRef idx="0">
+            <a:schemeClr val="accent1"/>
+          </a:effectRef>
+          <a:fontRef idx="minor">
+            <a:schemeClr val="lt1"/>
+          </a:fontRef>
+        </p:style>
+        <p:txBody>
+          <a:bodyPr rtlCol="0" anchor="ctr"/>
+          <a:lstStyle/>
+          <a:p>
+            <a:pPr algn="ctr"/>
+            <a:endParaRPr lang="fr-CH"/>
+          </a:p>
+        </p:txBody>
+      </p:sp>
+      <p:sp>
+        <p:nvSpPr>
+          <p:cNvPr id="16" name="Rectangle à coins arrondis 15"/>
+          <p:cNvSpPr/>
+          <p:nvPr/>
+        </p:nvSpPr>
+        <p:spPr>
+          <a:xfrm>
+            <a:off x="114760" y="273569"/>
+            <a:ext cx="2386466" cy="430306"/>
+          </a:xfrm>
+          <a:prstGeom prst="roundRect">
+            <a:avLst/>
+          </a:prstGeom>
+          <a:solidFill>
+            <a:schemeClr val="bg1"/>
+          </a:solidFill>
+        </p:spPr>
+        <p:style>
+          <a:lnRef idx="2">
+            <a:schemeClr val="accent1">
+              <a:shade val="50000"/>
+            </a:schemeClr>
+          </a:lnRef>
+          <a:fillRef idx="1">
+            <a:schemeClr val="accent1"/>
+          </a:fillRef>
+          <a:effectRef idx="0">
+            <a:schemeClr val="accent1"/>
+          </a:effectRef>
+          <a:fontRef idx="minor">
+            <a:schemeClr val="lt1"/>
+          </a:fontRef>
+        </p:style>
+        <p:txBody>
+          <a:bodyPr rtlCol="0" anchor="ctr"/>
+          <a:lstStyle/>
+          <a:p>
+            <a:pPr algn="ctr"/>
+            <a:endParaRPr lang="fr-CH" dirty="0">
+              <a:ln w="0"/>
+              <a:solidFill>
+                <a:schemeClr val="tx1"/>
+              </a:solidFill>
+              <a:effectLst>
+                <a:outerShdw blurRad="38100" dist="19050" dir="2700000" algn="tl" rotWithShape="0">
+                  <a:schemeClr val="dk1">
+                    <a:alpha val="40000"/>
+                  </a:schemeClr>
+                </a:outerShdw>
+              </a:effectLst>
+            </a:endParaRPr>
+          </a:p>
+        </p:txBody>
+      </p:sp>
+      <p:sp>
+        <p:nvSpPr>
+          <p:cNvPr id="17" name="Rectangle 16"/>
+          <p:cNvSpPr/>
+          <p:nvPr/>
+        </p:nvSpPr>
+        <p:spPr>
+          <a:xfrm>
+            <a:off x="245645" y="370388"/>
+            <a:ext cx="2110280" cy="202239"/>
+          </a:xfrm>
+          <a:prstGeom prst="rect">
+            <a:avLst/>
+          </a:prstGeom>
+          <a:solidFill>
+            <a:schemeClr val="bg1">
+              <a:lumMod val="85000"/>
+            </a:schemeClr>
+          </a:solidFill>
+        </p:spPr>
+        <p:style>
+          <a:lnRef idx="2">
+            <a:schemeClr val="accent1">
+              <a:shade val="50000"/>
+            </a:schemeClr>
+          </a:lnRef>
+          <a:fillRef idx="1">
+            <a:schemeClr val="accent1"/>
+          </a:fillRef>
+          <a:effectRef idx="0">
+            <a:schemeClr val="accent1"/>
+          </a:effectRef>
+          <a:fontRef idx="minor">
+            <a:schemeClr val="lt1"/>
+          </a:fontRef>
+        </p:style>
+        <p:txBody>
+          <a:bodyPr rtlCol="0" anchor="ctr"/>
+          <a:lstStyle/>
+          <a:p>
+            <a:pPr algn="ctr"/>
+            <a:endParaRPr lang="fr-CH" dirty="0">
+              <a:ln w="0"/>
+              <a:solidFill>
+                <a:schemeClr val="tx1"/>
+              </a:solidFill>
+              <a:effectLst>
+                <a:outerShdw blurRad="38100" dist="19050" dir="2700000" algn="tl" rotWithShape="0">
+                  <a:schemeClr val="dk1">
+                    <a:alpha val="40000"/>
+                  </a:schemeClr>
+                </a:outerShdw>
+              </a:effectLst>
+            </a:endParaRPr>
+          </a:p>
+        </p:txBody>
+      </p:sp>
+      <p:sp>
+        <p:nvSpPr>
+          <p:cNvPr id="43" name="Multiplier 42"/>
+          <p:cNvSpPr/>
+          <p:nvPr/>
+        </p:nvSpPr>
+        <p:spPr>
+          <a:xfrm rot="18900000">
+            <a:off x="3385603" y="3646497"/>
+            <a:ext cx="360000" cy="360000"/>
+          </a:xfrm>
+          <a:prstGeom prst="mathMultiply">
+            <a:avLst/>
+          </a:prstGeom>
+          <a:solidFill>
+            <a:srgbClr val="002060"/>
+          </a:solidFill>
+          <a:ln w="0">
+            <a:solidFill>
+              <a:srgbClr val="002060"/>
+            </a:solidFill>
+          </a:ln>
+        </p:spPr>
+        <p:style>
+          <a:lnRef idx="2">
+            <a:schemeClr val="accent1">
+              <a:shade val="50000"/>
+            </a:schemeClr>
+          </a:lnRef>
+          <a:fillRef idx="1">
+            <a:schemeClr val="accent1"/>
+          </a:fillRef>
+          <a:effectRef idx="0">
+            <a:schemeClr val="accent1"/>
+          </a:effectRef>
+          <a:fontRef idx="minor">
+            <a:schemeClr val="lt1"/>
+          </a:fontRef>
+        </p:style>
+        <p:txBody>
+          <a:bodyPr rtlCol="0" anchor="ctr"/>
+          <a:lstStyle/>
+          <a:p>
+            <a:pPr algn="ctr"/>
+            <a:endParaRPr lang="fr-CH"/>
+          </a:p>
+        </p:txBody>
+      </p:sp>
+      <p:sp>
+        <p:nvSpPr>
+          <p:cNvPr id="44" name="Multiplier 43"/>
+          <p:cNvSpPr/>
+          <p:nvPr/>
+        </p:nvSpPr>
+        <p:spPr>
+          <a:xfrm rot="18900000">
+            <a:off x="5087362" y="2276146"/>
+            <a:ext cx="360000" cy="360000"/>
+          </a:xfrm>
+          <a:prstGeom prst="mathMultiply">
+            <a:avLst/>
+          </a:prstGeom>
+          <a:solidFill>
+            <a:srgbClr val="002060"/>
+          </a:solidFill>
+          <a:ln w="0">
+            <a:solidFill>
+              <a:srgbClr val="002060"/>
+            </a:solidFill>
+          </a:ln>
+        </p:spPr>
+        <p:style>
+          <a:lnRef idx="2">
+            <a:schemeClr val="accent1">
+              <a:shade val="50000"/>
+            </a:schemeClr>
+          </a:lnRef>
+          <a:fillRef idx="1">
+            <a:schemeClr val="accent1"/>
+          </a:fillRef>
+          <a:effectRef idx="0">
+            <a:schemeClr val="accent1"/>
+          </a:effectRef>
+          <a:fontRef idx="minor">
+            <a:schemeClr val="lt1"/>
+          </a:fontRef>
+        </p:style>
+        <p:txBody>
+          <a:bodyPr rtlCol="0" anchor="ctr"/>
+          <a:lstStyle/>
+          <a:p>
+            <a:pPr algn="ctr"/>
+            <a:endParaRPr lang="fr-CH"/>
+          </a:p>
+        </p:txBody>
+      </p:sp>
+      <p:sp>
+        <p:nvSpPr>
+          <p:cNvPr id="45" name="Multiplier 44"/>
+          <p:cNvSpPr/>
+          <p:nvPr/>
+        </p:nvSpPr>
+        <p:spPr>
+          <a:xfrm rot="18900000">
+            <a:off x="6170558" y="1057000"/>
+            <a:ext cx="360000" cy="360000"/>
+          </a:xfrm>
+          <a:prstGeom prst="mathMultiply">
+            <a:avLst/>
+          </a:prstGeom>
+          <a:solidFill>
+            <a:srgbClr val="002060"/>
+          </a:solidFill>
+          <a:ln w="0">
+            <a:solidFill>
+              <a:srgbClr val="002060"/>
+            </a:solidFill>
+          </a:ln>
+        </p:spPr>
+        <p:style>
+          <a:lnRef idx="2">
+            <a:schemeClr val="accent1">
+              <a:shade val="50000"/>
+            </a:schemeClr>
+          </a:lnRef>
+          <a:fillRef idx="1">
+            <a:schemeClr val="accent1"/>
+          </a:fillRef>
+          <a:effectRef idx="0">
+            <a:schemeClr val="accent1"/>
+          </a:effectRef>
+          <a:fontRef idx="minor">
+            <a:schemeClr val="lt1"/>
+          </a:fontRef>
+        </p:style>
+        <p:txBody>
+          <a:bodyPr rtlCol="0" anchor="ctr"/>
+          <a:lstStyle/>
+          <a:p>
+            <a:pPr algn="ctr"/>
+            <a:endParaRPr lang="fr-CH"/>
+          </a:p>
+        </p:txBody>
+      </p:sp>
+      <p:sp>
+        <p:nvSpPr>
+          <p:cNvPr id="46" name="Multiplier 45"/>
+          <p:cNvSpPr/>
+          <p:nvPr/>
+        </p:nvSpPr>
+        <p:spPr>
+          <a:xfrm>
+            <a:off x="8514297" y="5493382"/>
+            <a:ext cx="360000" cy="360000"/>
+          </a:xfrm>
+          <a:prstGeom prst="mathMultiply">
+            <a:avLst/>
+          </a:prstGeom>
+          <a:solidFill>
+            <a:srgbClr val="FFFF00"/>
+          </a:solidFill>
+          <a:ln w="0">
+            <a:solidFill>
+              <a:srgbClr val="FFC000"/>
+            </a:solidFill>
+          </a:ln>
+        </p:spPr>
+        <p:style>
+          <a:lnRef idx="2">
+            <a:schemeClr val="accent1">
+              <a:shade val="50000"/>
+            </a:schemeClr>
+          </a:lnRef>
+          <a:fillRef idx="1">
+            <a:schemeClr val="accent1"/>
+          </a:fillRef>
+          <a:effectRef idx="0">
+            <a:schemeClr val="accent1"/>
+          </a:effectRef>
+          <a:fontRef idx="minor">
+            <a:schemeClr val="lt1"/>
+          </a:fontRef>
+        </p:style>
+        <p:txBody>
+          <a:bodyPr rtlCol="0" anchor="ctr"/>
+          <a:lstStyle/>
+          <a:p>
+            <a:pPr algn="ctr"/>
+            <a:endParaRPr lang="fr-CH"/>
+          </a:p>
+        </p:txBody>
+      </p:sp>
+      <p:sp>
+        <p:nvSpPr>
+          <p:cNvPr id="47" name="Multiplier 46"/>
+          <p:cNvSpPr/>
+          <p:nvPr/>
+        </p:nvSpPr>
+        <p:spPr>
+          <a:xfrm rot="18900000">
+            <a:off x="3335766" y="1485681"/>
+            <a:ext cx="360000" cy="360000"/>
+          </a:xfrm>
+          <a:prstGeom prst="mathMultiply">
+            <a:avLst/>
+          </a:prstGeom>
+          <a:solidFill>
+            <a:srgbClr val="002060"/>
+          </a:solidFill>
+          <a:ln w="0">
+            <a:solidFill>
+              <a:srgbClr val="002060"/>
+            </a:solidFill>
+          </a:ln>
+        </p:spPr>
+        <p:style>
+          <a:lnRef idx="2">
+            <a:schemeClr val="accent1">
+              <a:shade val="50000"/>
+            </a:schemeClr>
+          </a:lnRef>
+          <a:fillRef idx="1">
+            <a:schemeClr val="accent1"/>
+          </a:fillRef>
+          <a:effectRef idx="0">
+            <a:schemeClr val="accent1"/>
+          </a:effectRef>
+          <a:fontRef idx="minor">
+            <a:schemeClr val="lt1"/>
+          </a:fontRef>
+        </p:style>
+        <p:txBody>
+          <a:bodyPr rtlCol="0" anchor="ctr"/>
+          <a:lstStyle/>
+          <a:p>
+            <a:pPr algn="ctr"/>
+            <a:endParaRPr lang="fr-CH"/>
+          </a:p>
+        </p:txBody>
+      </p:sp>
+      <p:pic>
+        <p:nvPicPr>
+          <p:cNvPr id="48" name="Image 47"/>
+          <p:cNvPicPr>
+            <a:picLocks noChangeAspect="1"/>
+          </p:cNvPicPr>
+          <p:nvPr/>
+        </p:nvPicPr>
+        <p:blipFill>
+          <a:blip r:embed="rId5"/>
+          <a:stretch>
+            <a:fillRect/>
+          </a:stretch>
+        </p:blipFill>
+        <p:spPr>
+          <a:xfrm>
+            <a:off x="170700" y="5696242"/>
+            <a:ext cx="2028825" cy="1057275"/>
+          </a:xfrm>
+          <a:prstGeom prst="rect">
+            <a:avLst/>
+          </a:prstGeom>
+        </p:spPr>
+      </p:pic>
+      <p:sp>
+        <p:nvSpPr>
+          <p:cNvPr id="49" name="Rectangle à coins arrondis 48"/>
+          <p:cNvSpPr/>
+          <p:nvPr/>
+        </p:nvSpPr>
+        <p:spPr>
+          <a:xfrm>
+            <a:off x="8645182" y="273569"/>
+            <a:ext cx="3286798" cy="430306"/>
+          </a:xfrm>
+          <a:prstGeom prst="roundRect">
+            <a:avLst/>
+          </a:prstGeom>
+          <a:solidFill>
+            <a:schemeClr val="bg1"/>
+          </a:solidFill>
+        </p:spPr>
+        <p:style>
+          <a:lnRef idx="2">
+            <a:schemeClr val="accent1">
+              <a:shade val="50000"/>
+            </a:schemeClr>
+          </a:lnRef>
+          <a:fillRef idx="1">
+            <a:schemeClr val="accent1"/>
+          </a:fillRef>
+          <a:effectRef idx="0">
+            <a:schemeClr val="accent1"/>
+          </a:effectRef>
+          <a:fontRef idx="minor">
+            <a:schemeClr val="lt1"/>
+          </a:fontRef>
+        </p:style>
+        <p:txBody>
+          <a:bodyPr rtlCol="0" anchor="ctr"/>
+          <a:lstStyle/>
+          <a:p>
+            <a:pPr algn="ctr"/>
+            <a:r>
+              <a:rPr lang="fr-CH" dirty="0" smtClean="0">
+                <a:ln w="0"/>
+                <a:solidFill>
+                  <a:schemeClr val="tx1"/>
+                </a:solidFill>
+                <a:effectLst>
+                  <a:outerShdw blurRad="38100" dist="19050" dir="2700000" algn="tl" rotWithShape="0">
+                    <a:schemeClr val="dk1">
+                      <a:alpha val="40000"/>
+                    </a:schemeClr>
+                  </a:outerShdw>
+                </a:effectLst>
+              </a:rPr>
+              <a:t>Changement de coordonnées</a:t>
+            </a:r>
+            <a:endParaRPr lang="fr-CH" dirty="0">
+              <a:ln w="0"/>
+              <a:solidFill>
+                <a:schemeClr val="tx1"/>
+              </a:solidFill>
+              <a:effectLst>
+                <a:outerShdw blurRad="38100" dist="19050" dir="2700000" algn="tl" rotWithShape="0">
+                  <a:schemeClr val="dk1">
+                    <a:alpha val="40000"/>
+                  </a:schemeClr>
+                </a:outerShdw>
+              </a:effectLst>
+            </a:endParaRPr>
+          </a:p>
+        </p:txBody>
+      </p:sp>
+      <p:sp>
+        <p:nvSpPr>
+          <p:cNvPr id="54" name="ZoneTexte 53"/>
+          <p:cNvSpPr txBox="1"/>
+          <p:nvPr/>
+        </p:nvSpPr>
+        <p:spPr>
+          <a:xfrm>
+            <a:off x="84104" y="-8718"/>
+            <a:ext cx="4036079" cy="307777"/>
+          </a:xfrm>
+          <a:prstGeom prst="rect">
+            <a:avLst/>
+          </a:prstGeom>
+          <a:noFill/>
+        </p:spPr>
+        <p:txBody>
+          <a:bodyPr wrap="square" rtlCol="0">
+            <a:spAutoFit/>
+          </a:bodyPr>
+          <a:lstStyle/>
+          <a:p>
+            <a:r>
+              <a:rPr lang="fr-CH" sz="1400" dirty="0" smtClean="0"/>
+              <a:t>Recherche de points par id (CH/FR)</a:t>
+            </a:r>
+            <a:endParaRPr lang="fr-CH" sz="1400" dirty="0"/>
+          </a:p>
+        </p:txBody>
+      </p:sp>
+      <p:pic>
+        <p:nvPicPr>
+          <p:cNvPr id="55" name="Picture 2" descr="Résultat de recherche d'images pour &quot;ensg logo&quot;"/>
+          <p:cNvPicPr>
+            <a:picLocks noChangeAspect="1" noChangeArrowheads="1"/>
+          </p:cNvPicPr>
+          <p:nvPr/>
+        </p:nvPicPr>
+        <p:blipFill>
+          <a:blip r:embed="rId6" cstate="print">
+            <a:extLst>
+              <a:ext uri="{28A0092B-C50C-407E-A947-70E740481C1C}">
+                <a14:useLocalDpi xmlns:a14="http://schemas.microsoft.com/office/drawing/2010/main" val="0"/>
+              </a:ext>
+            </a:extLst>
+          </a:blip>
+          <a:srcRect/>
+          <a:stretch>
+            <a:fillRect/>
+          </a:stretch>
+        </p:blipFill>
+        <p:spPr bwMode="auto">
+          <a:xfrm>
+            <a:off x="8533347" y="5915659"/>
+            <a:ext cx="1564393" cy="814998"/>
+          </a:xfrm>
+          <a:prstGeom prst="rect">
+            <a:avLst/>
+          </a:prstGeom>
+          <a:noFill/>
+          <a:extLst>
+            <a:ext uri="{909E8E84-426E-40DD-AFC4-6F175D3DCCD1}">
+              <a14:hiddenFill xmlns:a14="http://schemas.microsoft.com/office/drawing/2010/main">
+                <a:solidFill>
+                  <a:srgbClr val="FFFFFF"/>
+                </a:solidFill>
+              </a14:hiddenFill>
+            </a:ext>
+          </a:extLst>
+        </p:spPr>
+      </p:pic>
+      <p:pic>
+        <p:nvPicPr>
+          <p:cNvPr id="56" name="Picture 4" descr="Résultat de recherche d'images pour &quot;heig vd logo&quot;"/>
+          <p:cNvPicPr>
+            <a:picLocks noChangeAspect="1" noChangeArrowheads="1"/>
+          </p:cNvPicPr>
+          <p:nvPr/>
+        </p:nvPicPr>
+        <p:blipFill>
+          <a:blip r:embed="rId7" cstate="print">
+            <a:extLst>
+              <a:ext uri="{28A0092B-C50C-407E-A947-70E740481C1C}">
+                <a14:useLocalDpi xmlns:a14="http://schemas.microsoft.com/office/drawing/2010/main" val="0"/>
+              </a:ext>
+            </a:extLst>
+          </a:blip>
+          <a:srcRect/>
+          <a:stretch>
+            <a:fillRect/>
+          </a:stretch>
+        </p:blipFill>
+        <p:spPr bwMode="auto">
+          <a:xfrm>
+            <a:off x="10084073" y="5917057"/>
+            <a:ext cx="1966199" cy="813600"/>
+          </a:xfrm>
+          <a:prstGeom prst="rect">
+            <a:avLst/>
+          </a:prstGeom>
+          <a:noFill/>
+          <a:extLst>
+            <a:ext uri="{909E8E84-426E-40DD-AFC4-6F175D3DCCD1}">
+              <a14:hiddenFill xmlns:a14="http://schemas.microsoft.com/office/drawing/2010/main">
+                <a:solidFill>
+                  <a:srgbClr val="FFFFFF"/>
+                </a:solidFill>
+              </a14:hiddenFill>
+            </a:ext>
+          </a:extLst>
+        </p:spPr>
+      </p:pic>
+      <p:sp>
+        <p:nvSpPr>
+          <p:cNvPr id="57" name="ZoneTexte 56"/>
+          <p:cNvSpPr txBox="1"/>
+          <p:nvPr/>
+        </p:nvSpPr>
+        <p:spPr>
+          <a:xfrm>
+            <a:off x="132406" y="2938655"/>
+            <a:ext cx="2654346" cy="3385542"/>
+          </a:xfrm>
+          <a:prstGeom prst="rect">
+            <a:avLst/>
+          </a:prstGeom>
+          <a:noFill/>
+        </p:spPr>
+        <p:txBody>
+          <a:bodyPr wrap="square" rtlCol="0">
+            <a:spAutoFit/>
+          </a:bodyPr>
+          <a:lstStyle/>
+          <a:p>
+            <a:r>
+              <a:rPr lang="fr-CH" dirty="0" smtClean="0"/>
+              <a:t>Liste des systèmes de coordonnée</a:t>
+            </a:r>
+          </a:p>
+          <a:p>
+            <a:r>
+              <a:rPr lang="fr-CH" sz="1600" u="sng" dirty="0" smtClean="0"/>
+              <a:t>Coordonnées</a:t>
+            </a:r>
+            <a:r>
+              <a:rPr lang="fr-CH" sz="1400" u="sng" dirty="0" smtClean="0"/>
+              <a:t> </a:t>
+            </a:r>
+            <a:r>
+              <a:rPr lang="fr-CH" sz="1600" u="sng" dirty="0" smtClean="0"/>
+              <a:t>géographiques</a:t>
+            </a:r>
+            <a:r>
+              <a:rPr lang="fr-CH" sz="1400" u="sng" dirty="0" smtClean="0"/>
+              <a:t>:</a:t>
+            </a:r>
+          </a:p>
+          <a:p>
+            <a:r>
+              <a:rPr lang="fr-CH" sz="1400" dirty="0" smtClean="0"/>
+              <a:t>       </a:t>
+            </a:r>
+            <a:r>
+              <a:rPr lang="fr-CH" sz="1200" dirty="0" smtClean="0"/>
+              <a:t>WGS 84 EPSG:4326</a:t>
+            </a:r>
+          </a:p>
+          <a:p>
+            <a:r>
+              <a:rPr lang="fr-CH" sz="1200" dirty="0" smtClean="0"/>
+              <a:t>        ETRS89 EPSG:4258</a:t>
+            </a:r>
+          </a:p>
+          <a:p>
+            <a:r>
+              <a:rPr lang="fr-CH" sz="1600" u="sng" dirty="0" smtClean="0"/>
+              <a:t>Coordonnées</a:t>
+            </a:r>
+            <a:r>
+              <a:rPr lang="fr-CH" sz="1200" u="sng" dirty="0" smtClean="0"/>
+              <a:t> </a:t>
+            </a:r>
+            <a:r>
+              <a:rPr lang="fr-CH" sz="1600" u="sng" dirty="0" smtClean="0"/>
+              <a:t>projetées</a:t>
+            </a:r>
+            <a:r>
+              <a:rPr lang="fr-CH" sz="1200" u="sng" dirty="0" smtClean="0"/>
+              <a:t>:</a:t>
+            </a:r>
+          </a:p>
+          <a:p>
+            <a:r>
+              <a:rPr lang="fr-CH" sz="1200" u="sng" dirty="0" smtClean="0"/>
+              <a:t>Français</a:t>
+            </a:r>
+          </a:p>
+          <a:p>
+            <a:r>
+              <a:rPr lang="fr-CH" sz="1200" dirty="0"/>
+              <a:t> </a:t>
+            </a:r>
+            <a:r>
+              <a:rPr lang="fr-CH" sz="1200" dirty="0" smtClean="0"/>
+              <a:t>       RGF93 EPSG:2154</a:t>
+            </a:r>
+          </a:p>
+          <a:p>
+            <a:r>
+              <a:rPr lang="fr-CH" sz="1200" dirty="0"/>
+              <a:t> </a:t>
+            </a:r>
+            <a:r>
+              <a:rPr lang="fr-CH" sz="1200" dirty="0" smtClean="0"/>
+              <a:t>       …</a:t>
+            </a:r>
+            <a:endParaRPr lang="fr-CH" sz="1200" dirty="0"/>
+          </a:p>
+          <a:p>
+            <a:r>
+              <a:rPr lang="fr-CH" sz="1200" u="sng" dirty="0" smtClean="0"/>
+              <a:t>Suisse</a:t>
+            </a:r>
+          </a:p>
+          <a:p>
+            <a:r>
+              <a:rPr lang="fr-CH" sz="1200" dirty="0"/>
+              <a:t> </a:t>
+            </a:r>
+            <a:r>
+              <a:rPr lang="fr-CH" sz="1200" dirty="0" smtClean="0"/>
+              <a:t>       CH1903 EPSG:21781</a:t>
+            </a:r>
+            <a:endParaRPr lang="fr-CH" sz="1200" dirty="0"/>
+          </a:p>
+          <a:p>
+            <a:r>
+              <a:rPr lang="fr-CH" sz="1200" dirty="0"/>
+              <a:t>       </a:t>
+            </a:r>
+            <a:r>
+              <a:rPr lang="fr-CH" sz="1200" dirty="0" smtClean="0"/>
+              <a:t> CH1903+ EPSG: 2056</a:t>
+            </a:r>
+            <a:endParaRPr lang="fr-CH" sz="1200" u="sng" dirty="0"/>
+          </a:p>
+          <a:p>
+            <a:endParaRPr lang="fr-CH" sz="1400" u="sng" dirty="0"/>
+          </a:p>
+          <a:p>
+            <a:endParaRPr lang="fr-CH" dirty="0" smtClean="0"/>
+          </a:p>
+          <a:p>
+            <a:endParaRPr lang="fr-CH" sz="1600" u="sng" dirty="0"/>
+          </a:p>
+        </p:txBody>
+      </p:sp>
+      <p:pic>
+        <p:nvPicPr>
+          <p:cNvPr id="63" name="Image 62"/>
+          <p:cNvPicPr>
+            <a:picLocks noChangeAspect="1"/>
+          </p:cNvPicPr>
+          <p:nvPr/>
+        </p:nvPicPr>
+        <p:blipFill>
+          <a:blip r:embed="rId4"/>
+          <a:stretch>
+            <a:fillRect/>
+          </a:stretch>
+        </p:blipFill>
+        <p:spPr>
+          <a:xfrm>
+            <a:off x="184478" y="2490561"/>
+            <a:ext cx="147130" cy="144000"/>
+          </a:xfrm>
+          <a:prstGeom prst="rect">
+            <a:avLst/>
+          </a:prstGeom>
+        </p:spPr>
+      </p:pic>
+      <p:pic>
+        <p:nvPicPr>
+          <p:cNvPr id="64" name="Image 63"/>
+          <p:cNvPicPr>
+            <a:picLocks noChangeAspect="1"/>
+          </p:cNvPicPr>
+          <p:nvPr/>
+        </p:nvPicPr>
+        <p:blipFill>
+          <a:blip r:embed="rId4"/>
+          <a:stretch>
+            <a:fillRect/>
+          </a:stretch>
+        </p:blipFill>
+        <p:spPr>
+          <a:xfrm>
+            <a:off x="195317" y="1424259"/>
+            <a:ext cx="147130" cy="144000"/>
+          </a:xfrm>
+          <a:prstGeom prst="rect">
+            <a:avLst/>
+          </a:prstGeom>
+        </p:spPr>
+      </p:pic>
+      <p:pic>
+        <p:nvPicPr>
+          <p:cNvPr id="65" name="Image 64"/>
+          <p:cNvPicPr>
+            <a:picLocks noChangeAspect="1"/>
+          </p:cNvPicPr>
+          <p:nvPr/>
+        </p:nvPicPr>
+        <p:blipFill>
+          <a:blip r:embed="rId3"/>
+          <a:stretch>
+            <a:fillRect/>
+          </a:stretch>
+        </p:blipFill>
+        <p:spPr>
+          <a:xfrm>
+            <a:off x="198447" y="1647495"/>
+            <a:ext cx="144000" cy="144000"/>
+          </a:xfrm>
+          <a:prstGeom prst="rect">
+            <a:avLst/>
+          </a:prstGeom>
+        </p:spPr>
+      </p:pic>
+      <p:pic>
+        <p:nvPicPr>
+          <p:cNvPr id="66" name="Image 65"/>
+          <p:cNvPicPr>
+            <a:picLocks noChangeAspect="1"/>
+          </p:cNvPicPr>
+          <p:nvPr/>
+        </p:nvPicPr>
+        <p:blipFill>
+          <a:blip r:embed="rId4"/>
+          <a:stretch>
+            <a:fillRect/>
+          </a:stretch>
+        </p:blipFill>
+        <p:spPr>
+          <a:xfrm>
+            <a:off x="268882" y="4612902"/>
+            <a:ext cx="147130" cy="144000"/>
+          </a:xfrm>
+          <a:prstGeom prst="rect">
+            <a:avLst/>
+          </a:prstGeom>
+        </p:spPr>
+      </p:pic>
+      <p:pic>
+        <p:nvPicPr>
+          <p:cNvPr id="67" name="Image 66"/>
+          <p:cNvPicPr>
+            <a:picLocks noChangeAspect="1"/>
+          </p:cNvPicPr>
+          <p:nvPr/>
+        </p:nvPicPr>
+        <p:blipFill>
+          <a:blip r:embed="rId3"/>
+          <a:stretch>
+            <a:fillRect/>
+          </a:stretch>
+        </p:blipFill>
+        <p:spPr>
+          <a:xfrm>
+            <a:off x="272012" y="4809959"/>
+            <a:ext cx="144000" cy="144000"/>
+          </a:xfrm>
+          <a:prstGeom prst="rect">
+            <a:avLst/>
+          </a:prstGeom>
+        </p:spPr>
+      </p:pic>
+      <p:pic>
+        <p:nvPicPr>
+          <p:cNvPr id="68" name="Image 67"/>
+          <p:cNvPicPr>
+            <a:picLocks noChangeAspect="1"/>
+          </p:cNvPicPr>
+          <p:nvPr/>
+        </p:nvPicPr>
+        <p:blipFill>
+          <a:blip r:embed="rId3"/>
+          <a:stretch>
+            <a:fillRect/>
+          </a:stretch>
+        </p:blipFill>
+        <p:spPr>
+          <a:xfrm>
+            <a:off x="272012" y="4009235"/>
+            <a:ext cx="144000" cy="144000"/>
+          </a:xfrm>
+          <a:prstGeom prst="rect">
+            <a:avLst/>
+          </a:prstGeom>
+        </p:spPr>
+      </p:pic>
+      <p:pic>
+        <p:nvPicPr>
+          <p:cNvPr id="69" name="Image 68"/>
+          <p:cNvPicPr>
+            <a:picLocks noChangeAspect="1"/>
+          </p:cNvPicPr>
+          <p:nvPr/>
+        </p:nvPicPr>
+        <p:blipFill>
+          <a:blip r:embed="rId3"/>
+          <a:stretch>
+            <a:fillRect/>
+          </a:stretch>
+        </p:blipFill>
+        <p:spPr>
+          <a:xfrm>
+            <a:off x="268882" y="3835556"/>
+            <a:ext cx="144000" cy="144000"/>
+          </a:xfrm>
+          <a:prstGeom prst="rect">
+            <a:avLst/>
+          </a:prstGeom>
+        </p:spPr>
+      </p:pic>
+      <p:pic>
+        <p:nvPicPr>
+          <p:cNvPr id="70" name="Image 69"/>
+          <p:cNvPicPr>
+            <a:picLocks noChangeAspect="1"/>
+          </p:cNvPicPr>
+          <p:nvPr/>
+        </p:nvPicPr>
+        <p:blipFill>
+          <a:blip r:embed="rId4"/>
+          <a:stretch>
+            <a:fillRect/>
+          </a:stretch>
+        </p:blipFill>
+        <p:spPr>
+          <a:xfrm>
+            <a:off x="268882" y="5165362"/>
+            <a:ext cx="147130" cy="144000"/>
+          </a:xfrm>
+          <a:prstGeom prst="rect">
+            <a:avLst/>
+          </a:prstGeom>
+        </p:spPr>
+      </p:pic>
+      <p:pic>
+        <p:nvPicPr>
+          <p:cNvPr id="71" name="Image 70"/>
+          <p:cNvPicPr>
+            <a:picLocks noChangeAspect="1"/>
+          </p:cNvPicPr>
+          <p:nvPr/>
+        </p:nvPicPr>
+        <p:blipFill>
+          <a:blip r:embed="rId4"/>
+          <a:stretch>
+            <a:fillRect/>
+          </a:stretch>
+        </p:blipFill>
+        <p:spPr>
+          <a:xfrm>
+            <a:off x="258043" y="5355640"/>
+            <a:ext cx="147130" cy="144000"/>
+          </a:xfrm>
+          <a:prstGeom prst="rect">
+            <a:avLst/>
+          </a:prstGeom>
+        </p:spPr>
+      </p:pic>
+      <p:sp>
+        <p:nvSpPr>
+          <p:cNvPr id="2" name="Ellipse 1"/>
+          <p:cNvSpPr/>
+          <p:nvPr/>
+        </p:nvSpPr>
+        <p:spPr>
+          <a:xfrm>
+            <a:off x="6532033" y="3706227"/>
+            <a:ext cx="292608" cy="273329"/>
+          </a:xfrm>
+          <a:prstGeom prst="ellipse">
+            <a:avLst/>
+          </a:prstGeom>
+          <a:solidFill>
+            <a:schemeClr val="accent6">
+              <a:lumMod val="50000"/>
+            </a:schemeClr>
+          </a:solidFill>
+        </p:spPr>
+        <p:style>
+          <a:lnRef idx="2">
+            <a:schemeClr val="accent1">
+              <a:shade val="50000"/>
+            </a:schemeClr>
+          </a:lnRef>
+          <a:fillRef idx="1">
+            <a:schemeClr val="accent1"/>
+          </a:fillRef>
+          <a:effectRef idx="0">
+            <a:schemeClr val="accent1"/>
+          </a:effectRef>
+          <a:fontRef idx="minor">
+            <a:schemeClr val="lt1"/>
+          </a:fontRef>
+        </p:style>
+        <p:txBody>
+          <a:bodyPr rtlCol="0" anchor="ctr"/>
+          <a:lstStyle/>
+          <a:p>
+            <a:pPr algn="ctr"/>
+            <a:endParaRPr lang="fr-CH"/>
+          </a:p>
+        </p:txBody>
+      </p:sp>
+      <p:sp>
+        <p:nvSpPr>
+          <p:cNvPr id="50" name="Multiplier 49"/>
+          <p:cNvSpPr/>
+          <p:nvPr/>
+        </p:nvSpPr>
+        <p:spPr>
+          <a:xfrm>
+            <a:off x="7455163" y="6200495"/>
+            <a:ext cx="360000" cy="360000"/>
+          </a:xfrm>
+          <a:prstGeom prst="mathMultiply">
+            <a:avLst/>
+          </a:prstGeom>
+          <a:solidFill>
+            <a:srgbClr val="FFFF00"/>
+          </a:solidFill>
+          <a:ln w="0">
+            <a:solidFill>
+              <a:srgbClr val="FFC000"/>
+            </a:solidFill>
+          </a:ln>
+        </p:spPr>
+        <p:style>
+          <a:lnRef idx="2">
+            <a:schemeClr val="accent1">
+              <a:shade val="50000"/>
+            </a:schemeClr>
+          </a:lnRef>
+          <a:fillRef idx="1">
+            <a:schemeClr val="accent1"/>
+          </a:fillRef>
+          <a:effectRef idx="0">
+            <a:schemeClr val="accent1"/>
+          </a:effectRef>
+          <a:fontRef idx="minor">
+            <a:schemeClr val="lt1"/>
+          </a:fontRef>
+        </p:style>
+        <p:txBody>
+          <a:bodyPr rtlCol="0" anchor="ctr"/>
+          <a:lstStyle/>
+          <a:p>
+            <a:pPr algn="ctr"/>
+            <a:endParaRPr lang="fr-CH"/>
+          </a:p>
+        </p:txBody>
+      </p:sp>
+      <p:sp>
+        <p:nvSpPr>
+          <p:cNvPr id="51" name="Multiplier 50"/>
+          <p:cNvSpPr/>
+          <p:nvPr/>
+        </p:nvSpPr>
+        <p:spPr>
+          <a:xfrm>
+            <a:off x="7455163" y="6200495"/>
+            <a:ext cx="360000" cy="360000"/>
+          </a:xfrm>
+          <a:prstGeom prst="mathMultiply">
+            <a:avLst/>
+          </a:prstGeom>
+          <a:solidFill>
+            <a:srgbClr val="FFFF00"/>
+          </a:solidFill>
+          <a:ln w="0">
+            <a:solidFill>
+              <a:srgbClr val="FFC000"/>
+            </a:solidFill>
+          </a:ln>
+        </p:spPr>
+        <p:style>
+          <a:lnRef idx="2">
+            <a:schemeClr val="accent1">
+              <a:shade val="50000"/>
+            </a:schemeClr>
+          </a:lnRef>
+          <a:fillRef idx="1">
+            <a:schemeClr val="accent1"/>
+          </a:fillRef>
+          <a:effectRef idx="0">
+            <a:schemeClr val="accent1"/>
+          </a:effectRef>
+          <a:fontRef idx="minor">
+            <a:schemeClr val="lt1"/>
+          </a:fontRef>
+        </p:style>
+        <p:txBody>
+          <a:bodyPr rtlCol="0" anchor="ctr"/>
+          <a:lstStyle/>
+          <a:p>
+            <a:pPr algn="ctr"/>
+            <a:endParaRPr lang="fr-CH"/>
+          </a:p>
+        </p:txBody>
+      </p:sp>
+      <p:sp>
+        <p:nvSpPr>
+          <p:cNvPr id="52" name="Rectangle 51"/>
+          <p:cNvSpPr/>
+          <p:nvPr/>
+        </p:nvSpPr>
+        <p:spPr>
+          <a:xfrm>
+            <a:off x="6837673" y="3835556"/>
+            <a:ext cx="2895018" cy="2724939"/>
+          </a:xfrm>
+          <a:prstGeom prst="rect">
+            <a:avLst/>
+          </a:prstGeom>
+          <a:solidFill>
+            <a:schemeClr val="bg1"/>
+          </a:solidFill>
+          <a:ln>
+            <a:solidFill>
+              <a:schemeClr val="tx1"/>
+            </a:solidFill>
+          </a:ln>
+        </p:spPr>
+        <p:style>
+          <a:lnRef idx="2">
+            <a:schemeClr val="accent1">
+              <a:shade val="50000"/>
+            </a:schemeClr>
+          </a:lnRef>
+          <a:fillRef idx="1">
+            <a:schemeClr val="accent1"/>
+          </a:fillRef>
+          <a:effectRef idx="0">
+            <a:schemeClr val="accent1"/>
+          </a:effectRef>
+          <a:fontRef idx="minor">
+            <a:schemeClr val="lt1"/>
+          </a:fontRef>
+        </p:style>
+        <p:txBody>
+          <a:bodyPr rtlCol="0" anchor="ctr"/>
+          <a:lstStyle/>
+          <a:p>
+            <a:pPr algn="ctr"/>
+            <a:endParaRPr lang="fr-CH"/>
+          </a:p>
+        </p:txBody>
+      </p:sp>
+      <p:sp>
+        <p:nvSpPr>
+          <p:cNvPr id="53" name="ZoneTexte 52"/>
+          <p:cNvSpPr txBox="1"/>
+          <p:nvPr/>
+        </p:nvSpPr>
+        <p:spPr>
+          <a:xfrm>
+            <a:off x="6987198" y="3882341"/>
+            <a:ext cx="1328831" cy="1754326"/>
+          </a:xfrm>
+          <a:prstGeom prst="rect">
+            <a:avLst/>
+          </a:prstGeom>
+          <a:noFill/>
+        </p:spPr>
+        <p:txBody>
+          <a:bodyPr wrap="square" rtlCol="0">
+            <a:spAutoFit/>
+          </a:bodyPr>
+          <a:lstStyle/>
+          <a:p>
+            <a:r>
+              <a:rPr lang="fr-CH" dirty="0" err="1" smtClean="0"/>
+              <a:t>Popup</a:t>
+            </a:r>
+            <a:endParaRPr lang="fr-CH" dirty="0" smtClean="0"/>
+          </a:p>
+          <a:p>
+            <a:r>
+              <a:rPr lang="fr-CH" dirty="0" err="1" smtClean="0"/>
+              <a:t>Num</a:t>
+            </a:r>
+            <a:r>
+              <a:rPr lang="fr-CH" dirty="0" smtClean="0"/>
+              <a:t> points</a:t>
+            </a:r>
+          </a:p>
+          <a:p>
+            <a:r>
+              <a:rPr lang="fr-CH" dirty="0" err="1" smtClean="0"/>
+              <a:t>Coord</a:t>
+            </a:r>
+            <a:r>
+              <a:rPr lang="fr-CH" dirty="0" smtClean="0"/>
+              <a:t> : </a:t>
+            </a:r>
+            <a:endParaRPr lang="fr-CH" dirty="0"/>
+          </a:p>
+          <a:p>
+            <a:r>
+              <a:rPr lang="fr-CH" dirty="0" smtClean="0"/>
+              <a:t>RGF93</a:t>
+            </a:r>
+          </a:p>
+          <a:p>
+            <a:r>
+              <a:rPr lang="fr-CH" dirty="0" smtClean="0"/>
+              <a:t>Ch1903</a:t>
+            </a:r>
+          </a:p>
+          <a:p>
+            <a:r>
+              <a:rPr lang="fr-CH" dirty="0" smtClean="0"/>
+              <a:t>Ch1903+</a:t>
+            </a:r>
+          </a:p>
+        </p:txBody>
+      </p:sp>
+      <p:sp>
+        <p:nvSpPr>
+          <p:cNvPr id="58" name="Rectangle à coins arrondis 57"/>
+          <p:cNvSpPr/>
+          <p:nvPr/>
+        </p:nvSpPr>
+        <p:spPr>
+          <a:xfrm>
+            <a:off x="7073844" y="6116235"/>
+            <a:ext cx="1823080" cy="288293"/>
+          </a:xfrm>
+          <a:prstGeom prst="roundRect">
+            <a:avLst/>
+          </a:prstGeom>
+          <a:gradFill flip="none" rotWithShape="1">
+            <a:gsLst>
+              <a:gs pos="0">
+                <a:schemeClr val="accent3">
+                  <a:lumMod val="67000"/>
+                </a:schemeClr>
+              </a:gs>
+              <a:gs pos="48000">
+                <a:schemeClr val="accent3">
+                  <a:lumMod val="97000"/>
+                  <a:lumOff val="3000"/>
+                </a:schemeClr>
+              </a:gs>
+              <a:gs pos="100000">
+                <a:schemeClr val="accent3">
+                  <a:lumMod val="60000"/>
+                  <a:lumOff val="40000"/>
+                </a:schemeClr>
+              </a:gs>
+            </a:gsLst>
+            <a:lin ang="16200000" scaled="1"/>
+            <a:tileRect/>
+          </a:gradFill>
+          <a:ln>
+            <a:noFill/>
+          </a:ln>
+        </p:spPr>
+        <p:style>
+          <a:lnRef idx="0">
+            <a:scrgbClr r="0" g="0" b="0"/>
+          </a:lnRef>
+          <a:fillRef idx="0">
+            <a:scrgbClr r="0" g="0" b="0"/>
+          </a:fillRef>
+          <a:effectRef idx="0">
+            <a:scrgbClr r="0" g="0" b="0"/>
+          </a:effectRef>
+          <a:fontRef idx="minor">
+            <a:schemeClr val="lt1"/>
+          </a:fontRef>
+        </p:style>
+        <p:txBody>
+          <a:bodyPr rtlCol="0" anchor="ctr"/>
+          <a:lstStyle/>
+          <a:p>
+            <a:pPr algn="ctr"/>
+            <a:r>
+              <a:rPr lang="fr-CH" dirty="0" smtClean="0"/>
+              <a:t>Export </a:t>
+            </a:r>
+            <a:r>
+              <a:rPr lang="fr-CH" dirty="0" err="1" smtClean="0"/>
+              <a:t>coord</a:t>
+            </a:r>
+            <a:r>
+              <a:rPr lang="fr-CH" dirty="0" smtClean="0"/>
+              <a:t> CSV</a:t>
+            </a:r>
+            <a:endParaRPr lang="fr-CH" dirty="0"/>
+          </a:p>
+        </p:txBody>
+      </p:sp>
+      <p:pic>
+        <p:nvPicPr>
+          <p:cNvPr id="59" name="Image 58"/>
+          <p:cNvPicPr>
+            <a:picLocks noChangeAspect="1"/>
+          </p:cNvPicPr>
+          <p:nvPr/>
+        </p:nvPicPr>
+        <p:blipFill>
+          <a:blip r:embed="rId8" cstate="print">
+            <a:extLst>
+              <a:ext uri="{28A0092B-C50C-407E-A947-70E740481C1C}">
+                <a14:useLocalDpi xmlns:a14="http://schemas.microsoft.com/office/drawing/2010/main" val="0"/>
+              </a:ext>
+            </a:extLst>
+          </a:blip>
+          <a:stretch>
+            <a:fillRect/>
+          </a:stretch>
+        </p:blipFill>
+        <p:spPr>
+          <a:xfrm>
+            <a:off x="6472624" y="3826497"/>
+            <a:ext cx="570336" cy="570336"/>
+          </a:xfrm>
+          <a:prstGeom prst="rect">
+            <a:avLst/>
+          </a:prstGeom>
+        </p:spPr>
+      </p:pic>
+      <p:sp>
+        <p:nvSpPr>
+          <p:cNvPr id="60" name="Ellipse 59"/>
+          <p:cNvSpPr/>
+          <p:nvPr/>
+        </p:nvSpPr>
+        <p:spPr>
+          <a:xfrm>
+            <a:off x="3417556" y="2284137"/>
+            <a:ext cx="3179467" cy="1542359"/>
+          </a:xfrm>
+          <a:prstGeom prst="ellipse">
+            <a:avLst/>
+          </a:prstGeom>
+        </p:spPr>
+        <p:style>
+          <a:lnRef idx="2">
+            <a:schemeClr val="accent1">
+              <a:shade val="50000"/>
+            </a:schemeClr>
+          </a:lnRef>
+          <a:fillRef idx="1">
+            <a:schemeClr val="accent1"/>
+          </a:fillRef>
+          <a:effectRef idx="0">
+            <a:schemeClr val="accent1"/>
+          </a:effectRef>
+          <a:fontRef idx="minor">
+            <a:schemeClr val="lt1"/>
+          </a:fontRef>
+        </p:style>
+        <p:txBody>
+          <a:bodyPr rtlCol="0" anchor="ctr"/>
+          <a:lstStyle/>
+          <a:p>
+            <a:pPr algn="ctr"/>
+            <a:r>
+              <a:rPr lang="fr-CH" sz="1600" dirty="0" smtClean="0"/>
+              <a:t>Le point apparaît alors sur la carte et une </a:t>
+            </a:r>
+            <a:r>
+              <a:rPr lang="fr-CH" sz="1600" dirty="0" err="1" smtClean="0"/>
+              <a:t>popup</a:t>
+            </a:r>
+            <a:r>
+              <a:rPr lang="fr-CH" sz="1600" dirty="0" smtClean="0"/>
+              <a:t> avec les différents systèmes apparaît quand on passe dessus</a:t>
+            </a:r>
+            <a:endParaRPr lang="fr-CH" sz="1600" dirty="0"/>
+          </a:p>
+        </p:txBody>
+      </p:sp>
+    </p:spTree>
+    <p:extLst>
+      <p:ext uri="{BB962C8B-B14F-4D97-AF65-F5344CB8AC3E}">
+        <p14:creationId xmlns:p14="http://schemas.microsoft.com/office/powerpoint/2010/main" val="2713377457"/>
       </p:ext>
     </p:extLst>
   </p:cSld>

--- a/docs/maquette.pptx
+++ b/docs/maquette.pptx
@@ -7227,11 +7227,7 @@
             </a:r>
             <a:r>
               <a:rPr lang="fr-CH" dirty="0" smtClean="0"/>
-              <a:t> s’ouvre avec les coordonnées des systèmes </a:t>
-            </a:r>
-            <a:r>
-              <a:rPr lang="fr-CH" dirty="0" smtClean="0"/>
-              <a:t>choisis</a:t>
+              <a:t> s’ouvre avec les coordonnées des systèmes choisis</a:t>
             </a:r>
           </a:p>
           <a:p>
@@ -13489,6 +13485,96 @@
           </a:p>
         </p:txBody>
       </p:sp>
+      <p:pic>
+        <p:nvPicPr>
+          <p:cNvPr id="64" name="Image 63"/>
+          <p:cNvPicPr>
+            <a:picLocks noChangeAspect="1"/>
+          </p:cNvPicPr>
+          <p:nvPr/>
+        </p:nvPicPr>
+        <p:blipFill>
+          <a:blip r:embed="rId3">
+            <a:extLst>
+              <a:ext uri="{28A0092B-C50C-407E-A947-70E740481C1C}">
+                <a14:useLocalDpi xmlns:a14="http://schemas.microsoft.com/office/drawing/2010/main" val="0"/>
+              </a:ext>
+            </a:extLst>
+          </a:blip>
+          <a:stretch>
+            <a:fillRect/>
+          </a:stretch>
+        </p:blipFill>
+        <p:spPr>
+          <a:xfrm>
+            <a:off x="4772845" y="1752412"/>
+            <a:ext cx="1640341" cy="308440"/>
+          </a:xfrm>
+          <a:prstGeom prst="rect">
+            <a:avLst/>
+          </a:prstGeom>
+        </p:spPr>
+      </p:pic>
+      <p:sp>
+        <p:nvSpPr>
+          <p:cNvPr id="66" name="ZoneTexte 65"/>
+          <p:cNvSpPr txBox="1"/>
+          <p:nvPr/>
+        </p:nvSpPr>
+        <p:spPr>
+          <a:xfrm>
+            <a:off x="4722494" y="1531525"/>
+            <a:ext cx="461986" cy="261610"/>
+          </a:xfrm>
+          <a:prstGeom prst="rect">
+            <a:avLst/>
+          </a:prstGeom>
+          <a:noFill/>
+        </p:spPr>
+        <p:txBody>
+          <a:bodyPr wrap="none" rtlCol="0">
+            <a:spAutoFit/>
+          </a:bodyPr>
+          <a:lstStyle/>
+          <a:p>
+            <a:r>
+              <a:rPr lang="fr-CH" sz="1100" dirty="0" smtClean="0"/>
+              <a:t>Type</a:t>
+            </a:r>
+            <a:endParaRPr lang="fr-CH" sz="1100" dirty="0"/>
+          </a:p>
+        </p:txBody>
+      </p:sp>
+      <p:sp>
+        <p:nvSpPr>
+          <p:cNvPr id="71" name="ZoneTexte 70"/>
+          <p:cNvSpPr txBox="1"/>
+          <p:nvPr/>
+        </p:nvSpPr>
+        <p:spPr>
+          <a:xfrm>
+            <a:off x="4773529" y="1770038"/>
+            <a:ext cx="671979" cy="261610"/>
+          </a:xfrm>
+          <a:prstGeom prst="rect">
+            <a:avLst/>
+          </a:prstGeom>
+          <a:noFill/>
+        </p:spPr>
+        <p:txBody>
+          <a:bodyPr wrap="none" rtlCol="0">
+            <a:spAutoFit/>
+          </a:bodyPr>
+          <a:lstStyle/>
+          <a:p>
+            <a:r>
+              <a:rPr lang="fr-CH" sz="1100" dirty="0" smtClean="0"/>
+              <a:t>Projetée</a:t>
+            </a:r>
+            <a:endParaRPr lang="fr-CH" sz="1100" dirty="0"/>
+          </a:p>
+        </p:txBody>
+      </p:sp>
     </p:spTree>
     <p:extLst>
       <p:ext uri="{BB962C8B-B14F-4D97-AF65-F5344CB8AC3E}">
@@ -15132,7 +15218,6 @@
               <a:rPr lang="fr-CH" sz="1100" dirty="0"/>
               <a:t>2</a:t>
             </a:r>
-            <a:endParaRPr lang="fr-CH" sz="1100" dirty="0"/>
           </a:p>
         </p:txBody>
       </p:sp>
@@ -15252,7 +15337,6 @@
               <a:rPr lang="fr-CH" sz="1100" dirty="0"/>
               <a:t>4</a:t>
             </a:r>
-            <a:endParaRPr lang="fr-CH" sz="1100" dirty="0"/>
           </a:p>
         </p:txBody>
       </p:sp>
@@ -15372,7 +15456,6 @@
               <a:rPr lang="fr-CH" sz="1100" dirty="0"/>
               <a:t>7</a:t>
             </a:r>
-            <a:endParaRPr lang="fr-CH" sz="1100" dirty="0"/>
           </a:p>
         </p:txBody>
       </p:sp>
